--- a/SA_Report.pptx
+++ b/SA_Report.pptx
@@ -5,72 +5,73 @@
     <p:sldMasterId id="2147483648" r:id="rId1"/>
   </p:sldMasterIdLst>
   <p:notesMasterIdLst>
-    <p:notesMasterId r:id="rId65"/>
+    <p:notesMasterId r:id="rId66"/>
   </p:notesMasterIdLst>
   <p:sldIdLst>
     <p:sldId id="269" r:id="rId2"/>
-    <p:sldId id="261" r:id="rId3"/>
-    <p:sldId id="256" r:id="rId4"/>
-    <p:sldId id="257" r:id="rId5"/>
-    <p:sldId id="258" r:id="rId6"/>
-    <p:sldId id="259" r:id="rId7"/>
-    <p:sldId id="262" r:id="rId8"/>
-    <p:sldId id="264" r:id="rId9"/>
-    <p:sldId id="263" r:id="rId10"/>
-    <p:sldId id="260" r:id="rId11"/>
-    <p:sldId id="333" r:id="rId12"/>
-    <p:sldId id="302" r:id="rId13"/>
-    <p:sldId id="328" r:id="rId14"/>
-    <p:sldId id="285" r:id="rId15"/>
-    <p:sldId id="329" r:id="rId16"/>
-    <p:sldId id="356" r:id="rId17"/>
-    <p:sldId id="319" r:id="rId18"/>
-    <p:sldId id="313" r:id="rId19"/>
-    <p:sldId id="286" r:id="rId20"/>
-    <p:sldId id="320" r:id="rId21"/>
-    <p:sldId id="321" r:id="rId22"/>
-    <p:sldId id="324" r:id="rId23"/>
-    <p:sldId id="287" r:id="rId24"/>
-    <p:sldId id="325" r:id="rId25"/>
-    <p:sldId id="306" r:id="rId26"/>
-    <p:sldId id="326" r:id="rId27"/>
-    <p:sldId id="327" r:id="rId28"/>
-    <p:sldId id="332" r:id="rId29"/>
-    <p:sldId id="303" r:id="rId30"/>
-    <p:sldId id="330" r:id="rId31"/>
-    <p:sldId id="293" r:id="rId32"/>
-    <p:sldId id="273" r:id="rId33"/>
-    <p:sldId id="305" r:id="rId34"/>
-    <p:sldId id="335" r:id="rId35"/>
-    <p:sldId id="357" r:id="rId36"/>
-    <p:sldId id="318" r:id="rId37"/>
-    <p:sldId id="336" r:id="rId38"/>
-    <p:sldId id="277" r:id="rId39"/>
-    <p:sldId id="337" r:id="rId40"/>
-    <p:sldId id="317" r:id="rId41"/>
-    <p:sldId id="338" r:id="rId42"/>
-    <p:sldId id="344" r:id="rId43"/>
-    <p:sldId id="345" r:id="rId44"/>
-    <p:sldId id="294" r:id="rId45"/>
-    <p:sldId id="346" r:id="rId46"/>
-    <p:sldId id="347" r:id="rId47"/>
-    <p:sldId id="343" r:id="rId48"/>
-    <p:sldId id="348" r:id="rId49"/>
-    <p:sldId id="349" r:id="rId50"/>
-    <p:sldId id="350" r:id="rId51"/>
-    <p:sldId id="331" r:id="rId52"/>
-    <p:sldId id="339" r:id="rId53"/>
-    <p:sldId id="298" r:id="rId54"/>
-    <p:sldId id="351" r:id="rId55"/>
-    <p:sldId id="352" r:id="rId56"/>
-    <p:sldId id="353" r:id="rId57"/>
-    <p:sldId id="354" r:id="rId58"/>
-    <p:sldId id="342" r:id="rId59"/>
-    <p:sldId id="355" r:id="rId60"/>
-    <p:sldId id="340" r:id="rId61"/>
-    <p:sldId id="295" r:id="rId62"/>
-    <p:sldId id="312" r:id="rId63"/>
-    <p:sldId id="304" r:id="rId64"/>
+    <p:sldId id="256" r:id="rId3"/>
+    <p:sldId id="261" r:id="rId4"/>
+    <p:sldId id="358" r:id="rId5"/>
+    <p:sldId id="257" r:id="rId6"/>
+    <p:sldId id="258" r:id="rId7"/>
+    <p:sldId id="259" r:id="rId8"/>
+    <p:sldId id="262" r:id="rId9"/>
+    <p:sldId id="264" r:id="rId10"/>
+    <p:sldId id="263" r:id="rId11"/>
+    <p:sldId id="260" r:id="rId12"/>
+    <p:sldId id="333" r:id="rId13"/>
+    <p:sldId id="302" r:id="rId14"/>
+    <p:sldId id="328" r:id="rId15"/>
+    <p:sldId id="285" r:id="rId16"/>
+    <p:sldId id="329" r:id="rId17"/>
+    <p:sldId id="356" r:id="rId18"/>
+    <p:sldId id="319" r:id="rId19"/>
+    <p:sldId id="313" r:id="rId20"/>
+    <p:sldId id="286" r:id="rId21"/>
+    <p:sldId id="320" r:id="rId22"/>
+    <p:sldId id="321" r:id="rId23"/>
+    <p:sldId id="324" r:id="rId24"/>
+    <p:sldId id="287" r:id="rId25"/>
+    <p:sldId id="325" r:id="rId26"/>
+    <p:sldId id="306" r:id="rId27"/>
+    <p:sldId id="326" r:id="rId28"/>
+    <p:sldId id="327" r:id="rId29"/>
+    <p:sldId id="332" r:id="rId30"/>
+    <p:sldId id="303" r:id="rId31"/>
+    <p:sldId id="330" r:id="rId32"/>
+    <p:sldId id="293" r:id="rId33"/>
+    <p:sldId id="273" r:id="rId34"/>
+    <p:sldId id="305" r:id="rId35"/>
+    <p:sldId id="335" r:id="rId36"/>
+    <p:sldId id="357" r:id="rId37"/>
+    <p:sldId id="318" r:id="rId38"/>
+    <p:sldId id="336" r:id="rId39"/>
+    <p:sldId id="277" r:id="rId40"/>
+    <p:sldId id="337" r:id="rId41"/>
+    <p:sldId id="317" r:id="rId42"/>
+    <p:sldId id="338" r:id="rId43"/>
+    <p:sldId id="344" r:id="rId44"/>
+    <p:sldId id="345" r:id="rId45"/>
+    <p:sldId id="294" r:id="rId46"/>
+    <p:sldId id="346" r:id="rId47"/>
+    <p:sldId id="347" r:id="rId48"/>
+    <p:sldId id="343" r:id="rId49"/>
+    <p:sldId id="348" r:id="rId50"/>
+    <p:sldId id="349" r:id="rId51"/>
+    <p:sldId id="350" r:id="rId52"/>
+    <p:sldId id="331" r:id="rId53"/>
+    <p:sldId id="339" r:id="rId54"/>
+    <p:sldId id="298" r:id="rId55"/>
+    <p:sldId id="351" r:id="rId56"/>
+    <p:sldId id="352" r:id="rId57"/>
+    <p:sldId id="353" r:id="rId58"/>
+    <p:sldId id="354" r:id="rId59"/>
+    <p:sldId id="342" r:id="rId60"/>
+    <p:sldId id="355" r:id="rId61"/>
+    <p:sldId id="340" r:id="rId62"/>
+    <p:sldId id="295" r:id="rId63"/>
+    <p:sldId id="312" r:id="rId64"/>
+    <p:sldId id="304" r:id="rId65"/>
   </p:sldIdLst>
   <p:sldSz cx="12192000" cy="6858000"/>
   <p:notesSz cx="6858000" cy="9144000"/>
@@ -600,7 +601,7 @@
           <a:p>
             <a:fld id="{2EE01CDF-ED3C-42C7-BF00-E4984201AB95}" type="slidenum">
               <a:rPr lang="en-IN" smtClean="0"/>
-              <a:t>33</a:t>
+              <a:t>34</a:t>
             </a:fld>
             <a:endParaRPr lang="en-IN"/>
           </a:p>
@@ -684,7 +685,7 @@
           <a:p>
             <a:fld id="{2EE01CDF-ED3C-42C7-BF00-E4984201AB95}" type="slidenum">
               <a:rPr lang="en-IN" smtClean="0"/>
-              <a:t>45</a:t>
+              <a:t>46</a:t>
             </a:fld>
             <a:endParaRPr lang="en-IN"/>
           </a:p>
@@ -768,7 +769,7 @@
           <a:p>
             <a:fld id="{2EE01CDF-ED3C-42C7-BF00-E4984201AB95}" type="slidenum">
               <a:rPr lang="en-IN" smtClean="0"/>
-              <a:t>59</a:t>
+              <a:t>60</a:t>
             </a:fld>
             <a:endParaRPr lang="en-IN"/>
           </a:p>
@@ -852,7 +853,7 @@
           <a:p>
             <a:fld id="{2EE01CDF-ED3C-42C7-BF00-E4984201AB95}" type="slidenum">
               <a:rPr lang="en-IN" smtClean="0"/>
-              <a:t>60</a:t>
+              <a:t>61</a:t>
             </a:fld>
             <a:endParaRPr lang="en-IN"/>
           </a:p>
@@ -936,7 +937,7 @@
           <a:p>
             <a:fld id="{2EE01CDF-ED3C-42C7-BF00-E4984201AB95}" type="slidenum">
               <a:rPr lang="en-IN" smtClean="0"/>
-              <a:t>63</a:t>
+              <a:t>64</a:t>
             </a:fld>
             <a:endParaRPr lang="en-IN"/>
           </a:p>
@@ -1102,7 +1103,7 @@
           <a:bodyPr/>
           <a:lstStyle/>
           <a:p>
-            <a:fld id="{B6ED8214-695F-4589-8BEF-0602265B0F3D}" type="datetimeFigureOut">
+            <a:fld id="{C7CA4ACE-9B96-4803-9890-F2DFAC62E54A}" type="datetime1">
               <a:rPr lang="en-IN" smtClean="0"/>
               <a:t>29-05-2022</a:t>
             </a:fld>
@@ -1302,7 +1303,7 @@
           <a:bodyPr/>
           <a:lstStyle/>
           <a:p>
-            <a:fld id="{B6ED8214-695F-4589-8BEF-0602265B0F3D}" type="datetimeFigureOut">
+            <a:fld id="{382902EE-7CBE-407B-9CB1-D1A669FCEF72}" type="datetime1">
               <a:rPr lang="en-IN" smtClean="0"/>
               <a:t>29-05-2022</a:t>
             </a:fld>
@@ -1512,7 +1513,7 @@
           <a:bodyPr/>
           <a:lstStyle/>
           <a:p>
-            <a:fld id="{B6ED8214-695F-4589-8BEF-0602265B0F3D}" type="datetimeFigureOut">
+            <a:fld id="{F0FF4F1D-9675-41DD-8651-F56DB6819CD8}" type="datetime1">
               <a:rPr lang="en-IN" smtClean="0"/>
               <a:t>29-05-2022</a:t>
             </a:fld>
@@ -1712,7 +1713,7 @@
           <a:bodyPr/>
           <a:lstStyle/>
           <a:p>
-            <a:fld id="{B6ED8214-695F-4589-8BEF-0602265B0F3D}" type="datetimeFigureOut">
+            <a:fld id="{1BEAE4BA-055F-468E-ACAF-15298D4694E5}" type="datetime1">
               <a:rPr lang="en-IN" smtClean="0"/>
               <a:t>29-05-2022</a:t>
             </a:fld>
@@ -1988,7 +1989,7 @@
           <a:bodyPr/>
           <a:lstStyle/>
           <a:p>
-            <a:fld id="{B6ED8214-695F-4589-8BEF-0602265B0F3D}" type="datetimeFigureOut">
+            <a:fld id="{A2467267-1093-4E08-80CC-C49B4A3287B4}" type="datetime1">
               <a:rPr lang="en-IN" smtClean="0"/>
               <a:t>29-05-2022</a:t>
             </a:fld>
@@ -2256,7 +2257,7 @@
           <a:bodyPr/>
           <a:lstStyle/>
           <a:p>
-            <a:fld id="{B6ED8214-695F-4589-8BEF-0602265B0F3D}" type="datetimeFigureOut">
+            <a:fld id="{BE46C84A-8D2B-427A-B21F-2BA02D24487D}" type="datetime1">
               <a:rPr lang="en-IN" smtClean="0"/>
               <a:t>29-05-2022</a:t>
             </a:fld>
@@ -2671,7 +2672,7 @@
           <a:bodyPr/>
           <a:lstStyle/>
           <a:p>
-            <a:fld id="{B6ED8214-695F-4589-8BEF-0602265B0F3D}" type="datetimeFigureOut">
+            <a:fld id="{0E1336B4-1DFD-41E6-9B96-4B0D8382C2C8}" type="datetime1">
               <a:rPr lang="en-IN" smtClean="0"/>
               <a:t>29-05-2022</a:t>
             </a:fld>
@@ -2813,7 +2814,7 @@
           <a:bodyPr/>
           <a:lstStyle/>
           <a:p>
-            <a:fld id="{B6ED8214-695F-4589-8BEF-0602265B0F3D}" type="datetimeFigureOut">
+            <a:fld id="{DC7CC7C7-38D3-44CE-B4FF-0ED6C89324E0}" type="datetime1">
               <a:rPr lang="en-IN" smtClean="0"/>
               <a:t>29-05-2022</a:t>
             </a:fld>
@@ -2926,7 +2927,7 @@
           <a:bodyPr/>
           <a:lstStyle/>
           <a:p>
-            <a:fld id="{B6ED8214-695F-4589-8BEF-0602265B0F3D}" type="datetimeFigureOut">
+            <a:fld id="{BA354198-7784-47F0-B546-5ED3E7372587}" type="datetime1">
               <a:rPr lang="en-IN" smtClean="0"/>
               <a:t>29-05-2022</a:t>
             </a:fld>
@@ -3239,7 +3240,7 @@
           <a:bodyPr/>
           <a:lstStyle/>
           <a:p>
-            <a:fld id="{B6ED8214-695F-4589-8BEF-0602265B0F3D}" type="datetimeFigureOut">
+            <a:fld id="{68656167-4EC1-4FF3-B574-C637520CED74}" type="datetime1">
               <a:rPr lang="en-IN" smtClean="0"/>
               <a:t>29-05-2022</a:t>
             </a:fld>
@@ -3528,7 +3529,7 @@
           <a:bodyPr/>
           <a:lstStyle/>
           <a:p>
-            <a:fld id="{B6ED8214-695F-4589-8BEF-0602265B0F3D}" type="datetimeFigureOut">
+            <a:fld id="{2D00D13B-F17E-4CFA-946E-4766002B45CA}" type="datetime1">
               <a:rPr lang="en-IN" smtClean="0"/>
               <a:t>29-05-2022</a:t>
             </a:fld>
@@ -3771,7 +3772,7 @@
             </a:lvl1pPr>
           </a:lstStyle>
           <a:p>
-            <a:fld id="{B6ED8214-695F-4589-8BEF-0602265B0F3D}" type="datetimeFigureOut">
+            <a:fld id="{07865E6B-7741-4025-BFFC-47B38D59B317}" type="datetime1">
               <a:rPr lang="en-IN" smtClean="0"/>
               <a:t>29-05-2022</a:t>
             </a:fld>
@@ -3890,6 +3891,7 @@
     <p:sldLayoutId id="2147483658" r:id="rId10"/>
     <p:sldLayoutId id="2147483659" r:id="rId11"/>
   </p:sldLayoutIdLst>
+  <p:hf hdr="0" ftr="0" dt="0"/>
   <p:txStyles>
     <p:titleStyle>
       <a:lvl1pPr algn="l" defTabSz="914400" rtl="0" eaLnBrk="1" latinLnBrk="0" hangingPunct="1">
@@ -4246,6 +4248,35 @@
           </a:p>
         </p:txBody>
       </p:sp>
+      <p:sp>
+        <p:nvSpPr>
+          <p:cNvPr id="5" name="Slide Number Placeholder 4">
+            <a:extLst>
+              <a:ext uri="{FF2B5EF4-FFF2-40B4-BE49-F238E27FC236}">
+                <a16:creationId xmlns:a16="http://schemas.microsoft.com/office/drawing/2014/main" id="{070DEB1A-BFC5-0E29-6173-ED66F4AC6A1C}"/>
+              </a:ext>
+            </a:extLst>
+          </p:cNvPr>
+          <p:cNvSpPr>
+            <a:spLocks noGrp="1"/>
+          </p:cNvSpPr>
+          <p:nvPr>
+            <p:ph type="sldNum" sz="quarter" idx="12"/>
+          </p:nvPr>
+        </p:nvSpPr>
+        <p:spPr/>
+        <p:txBody>
+          <a:bodyPr/>
+          <a:lstStyle/>
+          <a:p>
+            <a:fld id="{4EC590C8-968F-4B97-9FB2-6283B74354EF}" type="slidenum">
+              <a:rPr lang="en-IN" smtClean="0"/>
+              <a:t>1</a:t>
+            </a:fld>
+            <a:endParaRPr lang="en-IN"/>
+          </a:p>
+        </p:txBody>
+      </p:sp>
     </p:spTree>
     <p:extLst>
       <p:ext uri="{BB962C8B-B14F-4D97-AF65-F5344CB8AC3E}">
@@ -4299,7 +4330,7 @@
           <a:p>
             <a:r>
               <a:rPr lang="en-IN" dirty="0"/>
-              <a:t>Price Analysis and Dashboard</a:t>
+              <a:t>Clustering - 4 of 4</a:t>
             </a:r>
           </a:p>
         </p:txBody>
@@ -4327,47 +4358,59 @@
           <a:p>
             <a:r>
               <a:rPr lang="en-IN" dirty="0"/>
-              <a:t>The objective was to find opportunity of cost savings for the company.</a:t>
+              <a:t>Also used only top 24 materials contributing towards 80% of the Gross value. </a:t>
             </a:r>
           </a:p>
           <a:p>
             <a:r>
               <a:rPr lang="en-IN" dirty="0"/>
-              <a:t>Started with analysing high value , high frequency materials</a:t>
-            </a:r>
+              <a:t>The cluster results were same as that when using all materials</a:t>
+            </a:r>
+          </a:p>
+          <a:p>
+            <a:endParaRPr lang="en-IN" dirty="0"/>
           </a:p>
           <a:p>
             <a:r>
               <a:rPr lang="en-IN" dirty="0"/>
-              <a:t>Did detailed analysis for materials falling into 2 clusters </a:t>
-            </a:r>
-          </a:p>
-          <a:p>
-            <a:pPr lvl="1"/>
-            <a:r>
-              <a:rPr lang="en-IN" dirty="0"/>
-              <a:t>2 from each of the 2 clusters – in total 4 materials</a:t>
-            </a:r>
-          </a:p>
-          <a:p>
-            <a:endParaRPr lang="en-IN" dirty="0"/>
-          </a:p>
-          <a:p>
-            <a:r>
-              <a:rPr lang="en-IN"/>
-              <a:t>Tool </a:t>
-            </a:r>
-            <a:r>
-              <a:rPr lang="en-IN" dirty="0"/>
-              <a:t>Used - Tableau</a:t>
-            </a:r>
+              <a:t>Tool Used - Python</a:t>
+            </a:r>
+          </a:p>
+        </p:txBody>
+      </p:sp>
+      <p:sp>
+        <p:nvSpPr>
+          <p:cNvPr id="5" name="Slide Number Placeholder 4">
+            <a:extLst>
+              <a:ext uri="{FF2B5EF4-FFF2-40B4-BE49-F238E27FC236}">
+                <a16:creationId xmlns:a16="http://schemas.microsoft.com/office/drawing/2014/main" id="{F08CBEE8-FC93-A852-563B-5836CE190531}"/>
+              </a:ext>
+            </a:extLst>
+          </p:cNvPr>
+          <p:cNvSpPr>
+            <a:spLocks noGrp="1"/>
+          </p:cNvSpPr>
+          <p:nvPr>
+            <p:ph type="sldNum" sz="quarter" idx="12"/>
+          </p:nvPr>
+        </p:nvSpPr>
+        <p:spPr/>
+        <p:txBody>
+          <a:bodyPr/>
+          <a:lstStyle/>
+          <a:p>
+            <a:fld id="{4EC590C8-968F-4B97-9FB2-6283B74354EF}" type="slidenum">
+              <a:rPr lang="en-IN" smtClean="0"/>
+              <a:t>10</a:t>
+            </a:fld>
+            <a:endParaRPr lang="en-IN"/>
           </a:p>
         </p:txBody>
       </p:sp>
     </p:spTree>
     <p:extLst>
       <p:ext uri="{BB962C8B-B14F-4D97-AF65-F5344CB8AC3E}">
-        <p14:creationId xmlns:p14="http://schemas.microsoft.com/office/powerpoint/2010/main" val="2033461396"/>
+        <p14:creationId xmlns:p14="http://schemas.microsoft.com/office/powerpoint/2010/main" val="71921727"/>
       </p:ext>
     </p:extLst>
   </p:cSld>
@@ -4399,7 +4442,7 @@
           <p:cNvPr id="2" name="Title 1">
             <a:extLst>
               <a:ext uri="{FF2B5EF4-FFF2-40B4-BE49-F238E27FC236}">
-                <a16:creationId xmlns:a16="http://schemas.microsoft.com/office/drawing/2014/main" id="{5B5B67EB-33BC-45F6-975A-98047B83F975}"/>
+                <a16:creationId xmlns:a16="http://schemas.microsoft.com/office/drawing/2014/main" id="{A12087DB-39AB-493B-B015-D3294F66EDC8}"/>
               </a:ext>
             </a:extLst>
           </p:cNvPr>
@@ -4417,6 +4460,153 @@
           <a:p>
             <a:r>
               <a:rPr lang="en-IN" dirty="0"/>
+              <a:t>Price Analysis and Dashboard</a:t>
+            </a:r>
+          </a:p>
+        </p:txBody>
+      </p:sp>
+      <p:sp>
+        <p:nvSpPr>
+          <p:cNvPr id="3" name="Content Placeholder 2">
+            <a:extLst>
+              <a:ext uri="{FF2B5EF4-FFF2-40B4-BE49-F238E27FC236}">
+                <a16:creationId xmlns:a16="http://schemas.microsoft.com/office/drawing/2014/main" id="{713C8D91-CBB4-40FA-8E9E-2CEDFDB0D796}"/>
+              </a:ext>
+            </a:extLst>
+          </p:cNvPr>
+          <p:cNvSpPr>
+            <a:spLocks noGrp="1"/>
+          </p:cNvSpPr>
+          <p:nvPr>
+            <p:ph idx="1"/>
+          </p:nvPr>
+        </p:nvSpPr>
+        <p:spPr/>
+        <p:txBody>
+          <a:bodyPr/>
+          <a:lstStyle/>
+          <a:p>
+            <a:r>
+              <a:rPr lang="en-IN" dirty="0"/>
+              <a:t>The objective was to find opportunity of cost savings for the company.</a:t>
+            </a:r>
+          </a:p>
+          <a:p>
+            <a:r>
+              <a:rPr lang="en-IN" dirty="0"/>
+              <a:t>Started with analysing high value , high frequency materials</a:t>
+            </a:r>
+          </a:p>
+          <a:p>
+            <a:r>
+              <a:rPr lang="en-IN" dirty="0"/>
+              <a:t>Did detailed analysis for materials falling into 2 clusters </a:t>
+            </a:r>
+          </a:p>
+          <a:p>
+            <a:pPr lvl="1"/>
+            <a:r>
+              <a:rPr lang="en-IN" dirty="0"/>
+              <a:t>2 from each of the 2 clusters – in total 4 materials</a:t>
+            </a:r>
+          </a:p>
+          <a:p>
+            <a:endParaRPr lang="en-IN" dirty="0"/>
+          </a:p>
+          <a:p>
+            <a:r>
+              <a:rPr lang="en-IN"/>
+              <a:t>Tool </a:t>
+            </a:r>
+            <a:r>
+              <a:rPr lang="en-IN" dirty="0"/>
+              <a:t>Used - Tableau</a:t>
+            </a:r>
+          </a:p>
+        </p:txBody>
+      </p:sp>
+      <p:sp>
+        <p:nvSpPr>
+          <p:cNvPr id="5" name="Slide Number Placeholder 4">
+            <a:extLst>
+              <a:ext uri="{FF2B5EF4-FFF2-40B4-BE49-F238E27FC236}">
+                <a16:creationId xmlns:a16="http://schemas.microsoft.com/office/drawing/2014/main" id="{239A6D24-6C4D-4E59-00C1-6827C3E81FD7}"/>
+              </a:ext>
+            </a:extLst>
+          </p:cNvPr>
+          <p:cNvSpPr>
+            <a:spLocks noGrp="1"/>
+          </p:cNvSpPr>
+          <p:nvPr>
+            <p:ph type="sldNum" sz="quarter" idx="12"/>
+          </p:nvPr>
+        </p:nvSpPr>
+        <p:spPr/>
+        <p:txBody>
+          <a:bodyPr/>
+          <a:lstStyle/>
+          <a:p>
+            <a:fld id="{4EC590C8-968F-4B97-9FB2-6283B74354EF}" type="slidenum">
+              <a:rPr lang="en-IN" smtClean="0"/>
+              <a:t>11</a:t>
+            </a:fld>
+            <a:endParaRPr lang="en-IN"/>
+          </a:p>
+        </p:txBody>
+      </p:sp>
+    </p:spTree>
+    <p:extLst>
+      <p:ext uri="{BB962C8B-B14F-4D97-AF65-F5344CB8AC3E}">
+        <p14:creationId xmlns:p14="http://schemas.microsoft.com/office/powerpoint/2010/main" val="2033461396"/>
+      </p:ext>
+    </p:extLst>
+  </p:cSld>
+  <p:clrMapOvr>
+    <a:masterClrMapping/>
+  </p:clrMapOvr>
+</p:sld>
+</file>
+
+<file path=ppt/slides/slide12.xml><?xml version="1.0" encoding="utf-8"?>
+<p:sld xmlns:a="http://schemas.openxmlformats.org/drawingml/2006/main" xmlns:r="http://schemas.openxmlformats.org/officeDocument/2006/relationships" xmlns:p="http://schemas.openxmlformats.org/presentationml/2006/main">
+  <p:cSld>
+    <p:spTree>
+      <p:nvGrpSpPr>
+        <p:cNvPr id="1" name=""/>
+        <p:cNvGrpSpPr/>
+        <p:nvPr/>
+      </p:nvGrpSpPr>
+      <p:grpSpPr>
+        <a:xfrm>
+          <a:off x="0" y="0"/>
+          <a:ext cx="0" cy="0"/>
+          <a:chOff x="0" y="0"/>
+          <a:chExt cx="0" cy="0"/>
+        </a:xfrm>
+      </p:grpSpPr>
+      <p:sp>
+        <p:nvSpPr>
+          <p:cNvPr id="2" name="Title 1">
+            <a:extLst>
+              <a:ext uri="{FF2B5EF4-FFF2-40B4-BE49-F238E27FC236}">
+                <a16:creationId xmlns:a16="http://schemas.microsoft.com/office/drawing/2014/main" id="{5B5B67EB-33BC-45F6-975A-98047B83F975}"/>
+              </a:ext>
+            </a:extLst>
+          </p:cNvPr>
+          <p:cNvSpPr>
+            <a:spLocks noGrp="1"/>
+          </p:cNvSpPr>
+          <p:nvPr>
+            <p:ph type="title"/>
+          </p:nvPr>
+        </p:nvSpPr>
+        <p:spPr/>
+        <p:txBody>
+          <a:bodyPr/>
+          <a:lstStyle/>
+          <a:p>
+            <a:r>
+              <a:rPr lang="en-IN" dirty="0"/>
               <a:t>EDA</a:t>
             </a:r>
           </a:p>
@@ -4443,6 +4633,35 @@
           <a:bodyPr/>
           <a:lstStyle/>
           <a:p>
+            <a:endParaRPr lang="en-IN"/>
+          </a:p>
+        </p:txBody>
+      </p:sp>
+      <p:sp>
+        <p:nvSpPr>
+          <p:cNvPr id="5" name="Slide Number Placeholder 4">
+            <a:extLst>
+              <a:ext uri="{FF2B5EF4-FFF2-40B4-BE49-F238E27FC236}">
+                <a16:creationId xmlns:a16="http://schemas.microsoft.com/office/drawing/2014/main" id="{F8C374F3-3E0C-470C-51D6-37BE8D8D757D}"/>
+              </a:ext>
+            </a:extLst>
+          </p:cNvPr>
+          <p:cNvSpPr>
+            <a:spLocks noGrp="1"/>
+          </p:cNvSpPr>
+          <p:nvPr>
+            <p:ph type="sldNum" sz="quarter" idx="12"/>
+          </p:nvPr>
+        </p:nvSpPr>
+        <p:spPr/>
+        <p:txBody>
+          <a:bodyPr/>
+          <a:lstStyle/>
+          <a:p>
+            <a:fld id="{4EC590C8-968F-4B97-9FB2-6283B74354EF}" type="slidenum">
+              <a:rPr lang="en-IN" smtClean="0"/>
+              <a:t>12</a:t>
+            </a:fld>
             <a:endParaRPr lang="en-IN"/>
           </a:p>
         </p:txBody>
@@ -4460,7 +4679,7 @@
 </p:sld>
 </file>
 
-<file path=ppt/slides/slide12.xml><?xml version="1.0" encoding="utf-8"?>
+<file path=ppt/slides/slide13.xml><?xml version="1.0" encoding="utf-8"?>
 <p:sld xmlns:a="http://schemas.openxmlformats.org/drawingml/2006/main" xmlns:r="http://schemas.openxmlformats.org/officeDocument/2006/relationships" xmlns:p="http://schemas.openxmlformats.org/presentationml/2006/main">
   <p:cSld>
     <p:spTree>
@@ -5355,6 +5574,35 @@
           </a:graphicData>
         </a:graphic>
       </p:graphicFrame>
+      <p:sp>
+        <p:nvSpPr>
+          <p:cNvPr id="5" name="Slide Number Placeholder 4">
+            <a:extLst>
+              <a:ext uri="{FF2B5EF4-FFF2-40B4-BE49-F238E27FC236}">
+                <a16:creationId xmlns:a16="http://schemas.microsoft.com/office/drawing/2014/main" id="{0D169A15-0FC9-8571-CB35-5EEA6B9867AF}"/>
+              </a:ext>
+            </a:extLst>
+          </p:cNvPr>
+          <p:cNvSpPr>
+            <a:spLocks noGrp="1"/>
+          </p:cNvSpPr>
+          <p:nvPr>
+            <p:ph type="sldNum" sz="quarter" idx="12"/>
+          </p:nvPr>
+        </p:nvSpPr>
+        <p:spPr/>
+        <p:txBody>
+          <a:bodyPr/>
+          <a:lstStyle/>
+          <a:p>
+            <a:fld id="{4EC590C8-968F-4B97-9FB2-6283B74354EF}" type="slidenum">
+              <a:rPr lang="en-IN" smtClean="0"/>
+              <a:t>13</a:t>
+            </a:fld>
+            <a:endParaRPr lang="en-IN"/>
+          </a:p>
+        </p:txBody>
+      </p:sp>
     </p:spTree>
     <p:extLst>
       <p:ext uri="{BB962C8B-B14F-4D97-AF65-F5344CB8AC3E}">
@@ -5368,7 +5616,7 @@
 </p:sld>
 </file>
 
-<file path=ppt/slides/slide13.xml><?xml version="1.0" encoding="utf-8"?>
+<file path=ppt/slides/slide14.xml><?xml version="1.0" encoding="utf-8"?>
 <p:sld xmlns:a="http://schemas.openxmlformats.org/drawingml/2006/main" xmlns:r="http://schemas.openxmlformats.org/officeDocument/2006/relationships" xmlns:p="http://schemas.openxmlformats.org/presentationml/2006/main">
   <p:cSld>
     <p:spTree>
@@ -5504,6 +5752,35 @@
           </a:xfrm>
         </p:spPr>
       </p:pic>
+      <p:sp>
+        <p:nvSpPr>
+          <p:cNvPr id="5" name="Slide Number Placeholder 4">
+            <a:extLst>
+              <a:ext uri="{FF2B5EF4-FFF2-40B4-BE49-F238E27FC236}">
+                <a16:creationId xmlns:a16="http://schemas.microsoft.com/office/drawing/2014/main" id="{E69F7851-D442-1204-4D17-867B8D60BA06}"/>
+              </a:ext>
+            </a:extLst>
+          </p:cNvPr>
+          <p:cNvSpPr>
+            <a:spLocks noGrp="1"/>
+          </p:cNvSpPr>
+          <p:nvPr>
+            <p:ph type="sldNum" sz="quarter" idx="12"/>
+          </p:nvPr>
+        </p:nvSpPr>
+        <p:spPr/>
+        <p:txBody>
+          <a:bodyPr/>
+          <a:lstStyle/>
+          <a:p>
+            <a:fld id="{4EC590C8-968F-4B97-9FB2-6283B74354EF}" type="slidenum">
+              <a:rPr lang="en-IN" smtClean="0"/>
+              <a:t>14</a:t>
+            </a:fld>
+            <a:endParaRPr lang="en-IN"/>
+          </a:p>
+        </p:txBody>
+      </p:sp>
     </p:spTree>
     <p:extLst>
       <p:ext uri="{BB962C8B-B14F-4D97-AF65-F5344CB8AC3E}">
@@ -5517,7 +5794,7 @@
 </p:sld>
 </file>
 
-<file path=ppt/slides/slide14.xml><?xml version="1.0" encoding="utf-8"?>
+<file path=ppt/slides/slide15.xml><?xml version="1.0" encoding="utf-8"?>
 <p:sld xmlns:a="http://schemas.openxmlformats.org/drawingml/2006/main" xmlns:r="http://schemas.openxmlformats.org/officeDocument/2006/relationships" xmlns:p="http://schemas.openxmlformats.org/presentationml/2006/main">
   <p:cSld>
     <p:spTree>
@@ -12432,42 +12709,12 @@
           </a:graphicData>
         </a:graphic>
       </p:graphicFrame>
-    </p:spTree>
-    <p:extLst>
-      <p:ext uri="{BB962C8B-B14F-4D97-AF65-F5344CB8AC3E}">
-        <p14:creationId xmlns:p14="http://schemas.microsoft.com/office/powerpoint/2010/main" val="2926820352"/>
-      </p:ext>
-    </p:extLst>
-  </p:cSld>
-  <p:clrMapOvr>
-    <a:masterClrMapping/>
-  </p:clrMapOvr>
-</p:sld>
-</file>
-
-<file path=ppt/slides/slide15.xml><?xml version="1.0" encoding="utf-8"?>
-<p:sld xmlns:a="http://schemas.openxmlformats.org/drawingml/2006/main" xmlns:r="http://schemas.openxmlformats.org/officeDocument/2006/relationships" xmlns:p="http://schemas.openxmlformats.org/presentationml/2006/main">
-  <p:cSld>
-    <p:spTree>
-      <p:nvGrpSpPr>
-        <p:cNvPr id="1" name=""/>
-        <p:cNvGrpSpPr/>
-        <p:nvPr/>
-      </p:nvGrpSpPr>
-      <p:grpSpPr>
-        <a:xfrm>
-          <a:off x="0" y="0"/>
-          <a:ext cx="0" cy="0"/>
-          <a:chOff x="0" y="0"/>
-          <a:chExt cx="0" cy="0"/>
-        </a:xfrm>
-      </p:grpSpPr>
       <p:sp>
         <p:nvSpPr>
-          <p:cNvPr id="2" name="Title 1">
-            <a:extLst>
-              <a:ext uri="{FF2B5EF4-FFF2-40B4-BE49-F238E27FC236}">
-                <a16:creationId xmlns:a16="http://schemas.microsoft.com/office/drawing/2014/main" id="{BD9DBB2A-3089-40DC-9479-B7D450C02A1C}"/>
+          <p:cNvPr id="5" name="Slide Number Placeholder 4">
+            <a:extLst>
+              <a:ext uri="{FF2B5EF4-FFF2-40B4-BE49-F238E27FC236}">
+                <a16:creationId xmlns:a16="http://schemas.microsoft.com/office/drawing/2014/main" id="{74A885F2-885D-A524-FF86-5F8D21B6BB50}"/>
               </a:ext>
             </a:extLst>
           </p:cNvPr>
@@ -12475,7 +12722,7 @@
             <a:spLocks noGrp="1"/>
           </p:cNvSpPr>
           <p:nvPr>
-            <p:ph type="title"/>
+            <p:ph type="sldNum" sz="quarter" idx="12"/>
           </p:nvPr>
         </p:nvSpPr>
         <p:spPr/>
@@ -12483,128 +12730,18 @@
           <a:bodyPr/>
           <a:lstStyle/>
           <a:p>
-            <a:r>
-              <a:rPr lang="en-IN" dirty="0"/>
-              <a:t>Data </a:t>
-            </a:r>
-            <a:r>
-              <a:rPr lang="en-IN" dirty="0" err="1"/>
-              <a:t>Preprocessing</a:t>
-            </a:r>
-            <a:endParaRPr lang="en-IN" dirty="0"/>
-          </a:p>
-        </p:txBody>
-      </p:sp>
-      <p:sp>
-        <p:nvSpPr>
-          <p:cNvPr id="3" name="Content Placeholder 2">
-            <a:extLst>
-              <a:ext uri="{FF2B5EF4-FFF2-40B4-BE49-F238E27FC236}">
-                <a16:creationId xmlns:a16="http://schemas.microsoft.com/office/drawing/2014/main" id="{1A0B691E-2F87-4D59-BEB6-47520284EDF2}"/>
-              </a:ext>
-            </a:extLst>
-          </p:cNvPr>
-          <p:cNvSpPr>
-            <a:spLocks noGrp="1"/>
-          </p:cNvSpPr>
-          <p:nvPr>
-            <p:ph idx="1"/>
-          </p:nvPr>
-        </p:nvSpPr>
-        <p:spPr/>
-        <p:txBody>
-          <a:bodyPr>
-            <a:normAutofit fontScale="92500" lnSpcReduction="10000"/>
-          </a:bodyPr>
-          <a:lstStyle/>
-          <a:p>
-            <a:r>
-              <a:rPr lang="en-IN" dirty="0"/>
-              <a:t>Removed data from year 2012 till 2017</a:t>
-            </a:r>
-          </a:p>
-          <a:p>
-            <a:pPr lvl="1"/>
-            <a:r>
-              <a:rPr lang="en-IN" dirty="0"/>
-              <a:t>Retained Only for year 2018  and 2019.[ 54 observations removed ]</a:t>
-            </a:r>
-          </a:p>
-          <a:p>
-            <a:r>
-              <a:rPr lang="en-IN" dirty="0"/>
-              <a:t>Removed 7 features because of more than 90% null values.</a:t>
-            </a:r>
-          </a:p>
-          <a:p>
-            <a:r>
-              <a:rPr lang="en-IN" dirty="0"/>
-              <a:t>Removed 17 features with only 1 unique value</a:t>
-            </a:r>
-          </a:p>
-          <a:p>
-            <a:r>
-              <a:rPr lang="en-IN" dirty="0"/>
-              <a:t>Imputed Null values for these columns -</a:t>
-            </a:r>
-          </a:p>
-          <a:p>
-            <a:pPr lvl="1"/>
-            <a:r>
-              <a:rPr lang="en-IN" dirty="0"/>
-              <a:t>Material – Null are Services – so  created a  new code </a:t>
-            </a:r>
-          </a:p>
-          <a:p>
-            <a:pPr lvl="1"/>
-            <a:r>
-              <a:rPr lang="en-IN" dirty="0"/>
-              <a:t>Storage Location, Profit </a:t>
-            </a:r>
-            <a:r>
-              <a:rPr lang="en-IN" dirty="0" err="1"/>
-              <a:t>Center,Mtyp,NCM</a:t>
-            </a:r>
-            <a:r>
-              <a:rPr lang="en-IN" dirty="0"/>
-              <a:t> Code – Filled Null with </a:t>
-            </a:r>
-            <a:r>
-              <a:rPr lang="en-IN" dirty="0" err="1"/>
-              <a:t>CoCd</a:t>
-            </a:r>
-            <a:r>
-              <a:rPr lang="en-IN" dirty="0"/>
-              <a:t> Mode information</a:t>
-            </a:r>
-          </a:p>
-          <a:p>
-            <a:pPr lvl="1"/>
-            <a:r>
-              <a:rPr lang="en-IN" dirty="0"/>
-              <a:t>Price Date – Filled with Changed On Dates.</a:t>
-            </a:r>
-          </a:p>
-          <a:p>
-            <a:r>
-              <a:rPr lang="en-IN" dirty="0"/>
-              <a:t>Cleaned Priority information, and mapped it with Priority(Material  Required Within) and imputed its Null value.</a:t>
-            </a:r>
-          </a:p>
-          <a:p>
-            <a:pPr lvl="1"/>
-            <a:endParaRPr lang="en-IN" dirty="0"/>
-          </a:p>
-          <a:p>
-            <a:pPr lvl="1"/>
-            <a:endParaRPr lang="en-IN" dirty="0"/>
+            <a:fld id="{4EC590C8-968F-4B97-9FB2-6283B74354EF}" type="slidenum">
+              <a:rPr lang="en-IN" smtClean="0"/>
+              <a:t>15</a:t>
+            </a:fld>
+            <a:endParaRPr lang="en-IN"/>
           </a:p>
         </p:txBody>
       </p:sp>
     </p:spTree>
     <p:extLst>
       <p:ext uri="{BB962C8B-B14F-4D97-AF65-F5344CB8AC3E}">
-        <p14:creationId xmlns:p14="http://schemas.microsoft.com/office/powerpoint/2010/main" val="2669213527"/>
+        <p14:creationId xmlns:p14="http://schemas.microsoft.com/office/powerpoint/2010/main" val="2926820352"/>
       </p:ext>
     </p:extLst>
   </p:cSld>
@@ -12636,7 +12773,7 @@
           <p:cNvPr id="2" name="Title 1">
             <a:extLst>
               <a:ext uri="{FF2B5EF4-FFF2-40B4-BE49-F238E27FC236}">
-                <a16:creationId xmlns:a16="http://schemas.microsoft.com/office/drawing/2014/main" id="{03ED58E5-1C47-4CA3-9BB1-FD52DE6DE3DF}"/>
+                <a16:creationId xmlns:a16="http://schemas.microsoft.com/office/drawing/2014/main" id="{BD9DBB2A-3089-40DC-9479-B7D450C02A1C}"/>
               </a:ext>
             </a:extLst>
           </p:cNvPr>
@@ -12654,17 +12791,22 @@
           <a:p>
             <a:r>
               <a:rPr lang="en-IN" dirty="0"/>
-              <a:t>1. How much is spent ?</a:t>
-            </a:r>
+              <a:t>Data </a:t>
+            </a:r>
+            <a:r>
+              <a:rPr lang="en-IN" dirty="0" err="1"/>
+              <a:t>Preprocessing</a:t>
+            </a:r>
+            <a:endParaRPr lang="en-IN" dirty="0"/>
           </a:p>
         </p:txBody>
       </p:sp>
       <p:sp>
         <p:nvSpPr>
-          <p:cNvPr id="3" name="Text Placeholder 2">
-            <a:extLst>
-              <a:ext uri="{FF2B5EF4-FFF2-40B4-BE49-F238E27FC236}">
-                <a16:creationId xmlns:a16="http://schemas.microsoft.com/office/drawing/2014/main" id="{160AC590-3CAB-4F85-B160-E6A7F774FFB9}"/>
+          <p:cNvPr id="3" name="Content Placeholder 2">
+            <a:extLst>
+              <a:ext uri="{FF2B5EF4-FFF2-40B4-BE49-F238E27FC236}">
+                <a16:creationId xmlns:a16="http://schemas.microsoft.com/office/drawing/2014/main" id="{1A0B691E-2F87-4D59-BEB6-47520284EDF2}"/>
               </a:ext>
             </a:extLst>
           </p:cNvPr>
@@ -12672,7 +12814,113 @@
             <a:spLocks noGrp="1"/>
           </p:cNvSpPr>
           <p:nvPr>
-            <p:ph type="body" idx="1"/>
+            <p:ph idx="1"/>
+          </p:nvPr>
+        </p:nvSpPr>
+        <p:spPr/>
+        <p:txBody>
+          <a:bodyPr>
+            <a:normAutofit fontScale="92500" lnSpcReduction="10000"/>
+          </a:bodyPr>
+          <a:lstStyle/>
+          <a:p>
+            <a:r>
+              <a:rPr lang="en-IN" dirty="0"/>
+              <a:t>Removed data from year 2012 till 2017</a:t>
+            </a:r>
+          </a:p>
+          <a:p>
+            <a:pPr lvl="1"/>
+            <a:r>
+              <a:rPr lang="en-IN" dirty="0"/>
+              <a:t>Retained Only for year 2018  and 2019.[ 54 observations removed ]</a:t>
+            </a:r>
+          </a:p>
+          <a:p>
+            <a:r>
+              <a:rPr lang="en-IN" dirty="0"/>
+              <a:t>Removed 7 features because of more than 90% null values.</a:t>
+            </a:r>
+          </a:p>
+          <a:p>
+            <a:r>
+              <a:rPr lang="en-IN" dirty="0"/>
+              <a:t>Removed 17 features with only 1 unique value</a:t>
+            </a:r>
+          </a:p>
+          <a:p>
+            <a:r>
+              <a:rPr lang="en-IN" dirty="0"/>
+              <a:t>Imputed Null values for these columns -</a:t>
+            </a:r>
+          </a:p>
+          <a:p>
+            <a:pPr lvl="1"/>
+            <a:r>
+              <a:rPr lang="en-IN" dirty="0"/>
+              <a:t>Material – Null are Services – so  created a  new code </a:t>
+            </a:r>
+          </a:p>
+          <a:p>
+            <a:pPr lvl="1"/>
+            <a:r>
+              <a:rPr lang="en-IN" dirty="0"/>
+              <a:t>Storage Location, Profit </a:t>
+            </a:r>
+            <a:r>
+              <a:rPr lang="en-IN" dirty="0" err="1"/>
+              <a:t>Center,Mtyp,NCM</a:t>
+            </a:r>
+            <a:r>
+              <a:rPr lang="en-IN" dirty="0"/>
+              <a:t> Code – Filled Null with </a:t>
+            </a:r>
+            <a:r>
+              <a:rPr lang="en-IN" dirty="0" err="1"/>
+              <a:t>CoCd</a:t>
+            </a:r>
+            <a:r>
+              <a:rPr lang="en-IN" dirty="0"/>
+              <a:t> Mode information</a:t>
+            </a:r>
+          </a:p>
+          <a:p>
+            <a:pPr lvl="1"/>
+            <a:r>
+              <a:rPr lang="en-IN" dirty="0"/>
+              <a:t>Price Date – Filled with Changed On Dates.</a:t>
+            </a:r>
+          </a:p>
+          <a:p>
+            <a:r>
+              <a:rPr lang="en-IN" dirty="0"/>
+              <a:t>Cleaned Priority information, and mapped it with Priority(Material  Required Within) and imputed its Null value.</a:t>
+            </a:r>
+          </a:p>
+          <a:p>
+            <a:pPr lvl="1"/>
+            <a:endParaRPr lang="en-IN" dirty="0"/>
+          </a:p>
+          <a:p>
+            <a:pPr lvl="1"/>
+            <a:endParaRPr lang="en-IN" dirty="0"/>
+          </a:p>
+        </p:txBody>
+      </p:sp>
+      <p:sp>
+        <p:nvSpPr>
+          <p:cNvPr id="5" name="Slide Number Placeholder 4">
+            <a:extLst>
+              <a:ext uri="{FF2B5EF4-FFF2-40B4-BE49-F238E27FC236}">
+                <a16:creationId xmlns:a16="http://schemas.microsoft.com/office/drawing/2014/main" id="{4ACB55C9-6056-5332-5CC7-B5EE8D492B1A}"/>
+              </a:ext>
+            </a:extLst>
+          </p:cNvPr>
+          <p:cNvSpPr>
+            <a:spLocks noGrp="1"/>
+          </p:cNvSpPr>
+          <p:nvPr>
+            <p:ph type="sldNum" sz="quarter" idx="12"/>
           </p:nvPr>
         </p:nvSpPr>
         <p:spPr/>
@@ -12680,6 +12928,10 @@
           <a:bodyPr/>
           <a:lstStyle/>
           <a:p>
+            <a:fld id="{4EC590C8-968F-4B97-9FB2-6283B74354EF}" type="slidenum">
+              <a:rPr lang="en-IN" smtClean="0"/>
+              <a:t>16</a:t>
+            </a:fld>
             <a:endParaRPr lang="en-IN"/>
           </a:p>
         </p:txBody>
@@ -12687,7 +12939,7 @@
     </p:spTree>
     <p:extLst>
       <p:ext uri="{BB962C8B-B14F-4D97-AF65-F5344CB8AC3E}">
-        <p14:creationId xmlns:p14="http://schemas.microsoft.com/office/powerpoint/2010/main" val="3507504713"/>
+        <p14:creationId xmlns:p14="http://schemas.microsoft.com/office/powerpoint/2010/main" val="2669213527"/>
       </p:ext>
     </p:extLst>
   </p:cSld>
@@ -12719,7 +12971,7 @@
           <p:cNvPr id="2" name="Title 1">
             <a:extLst>
               <a:ext uri="{FF2B5EF4-FFF2-40B4-BE49-F238E27FC236}">
-                <a16:creationId xmlns:a16="http://schemas.microsoft.com/office/drawing/2014/main" id="{5A4DD5D3-F1B2-4B28-BAE1-F0C5167374CE}"/>
+                <a16:creationId xmlns:a16="http://schemas.microsoft.com/office/drawing/2014/main" id="{03ED58E5-1C47-4CA3-9BB1-FD52DE6DE3DF}"/>
               </a:ext>
             </a:extLst>
           </p:cNvPr>
@@ -12737,17 +12989,17 @@
           <a:p>
             <a:r>
               <a:rPr lang="en-IN" dirty="0"/>
-              <a:t>Gross Value by date</a:t>
+              <a:t>1. How much is spent ?</a:t>
             </a:r>
           </a:p>
         </p:txBody>
       </p:sp>
       <p:sp>
         <p:nvSpPr>
-          <p:cNvPr id="3" name="Content Placeholder 2">
-            <a:extLst>
-              <a:ext uri="{FF2B5EF4-FFF2-40B4-BE49-F238E27FC236}">
-                <a16:creationId xmlns:a16="http://schemas.microsoft.com/office/drawing/2014/main" id="{D461B218-E23F-406A-B266-4A58FB377BE7}"/>
+          <p:cNvPr id="3" name="Text Placeholder 2">
+            <a:extLst>
+              <a:ext uri="{FF2B5EF4-FFF2-40B4-BE49-F238E27FC236}">
+                <a16:creationId xmlns:a16="http://schemas.microsoft.com/office/drawing/2014/main" id="{160AC590-3CAB-4F85-B160-E6A7F774FFB9}"/>
               </a:ext>
             </a:extLst>
           </p:cNvPr>
@@ -12755,101 +13007,51 @@
             <a:spLocks noGrp="1"/>
           </p:cNvSpPr>
           <p:nvPr>
-            <p:ph sz="half" idx="1"/>
+            <p:ph type="body" idx="1"/>
           </p:nvPr>
         </p:nvSpPr>
-        <p:spPr>
-          <a:xfrm>
-            <a:off x="838201" y="1825625"/>
-            <a:ext cx="3163888" cy="4351338"/>
-          </a:xfrm>
-        </p:spPr>
+        <p:spPr/>
         <p:txBody>
           <a:bodyPr/>
           <a:lstStyle/>
           <a:p>
-            <a:r>
-              <a:rPr lang="en-IN" dirty="0"/>
-              <a:t>Not much of buying in 2018.</a:t>
-            </a:r>
-          </a:p>
-          <a:p>
-            <a:r>
-              <a:rPr lang="en-IN" dirty="0"/>
-              <a:t>Few Days of high spending in 2019.</a:t>
-            </a:r>
-          </a:p>
-          <a:p>
-            <a:endParaRPr lang="en-IN" dirty="0"/>
+            <a:endParaRPr lang="en-IN"/>
           </a:p>
         </p:txBody>
       </p:sp>
-      <p:pic>
-        <p:nvPicPr>
-          <p:cNvPr id="5" name="Content Placeholder 4">
-            <a:extLst>
-              <a:ext uri="{FF2B5EF4-FFF2-40B4-BE49-F238E27FC236}">
-                <a16:creationId xmlns:a16="http://schemas.microsoft.com/office/drawing/2014/main" id="{F0AF4062-0BF3-453B-8822-89C4CFC92B82}"/>
-              </a:ext>
-            </a:extLst>
-          </p:cNvPr>
-          <p:cNvPicPr>
-            <a:picLocks noGrp="1" noChangeAspect="1"/>
-          </p:cNvPicPr>
+      <p:sp>
+        <p:nvSpPr>
+          <p:cNvPr id="5" name="Slide Number Placeholder 4">
+            <a:extLst>
+              <a:ext uri="{FF2B5EF4-FFF2-40B4-BE49-F238E27FC236}">
+                <a16:creationId xmlns:a16="http://schemas.microsoft.com/office/drawing/2014/main" id="{B6BAE0E9-AD28-23F2-B9C4-DCFA66C901FF}"/>
+              </a:ext>
+            </a:extLst>
+          </p:cNvPr>
+          <p:cNvSpPr>
+            <a:spLocks noGrp="1"/>
+          </p:cNvSpPr>
           <p:nvPr>
-            <p:ph sz="half" idx="2"/>
+            <p:ph type="sldNum" sz="quarter" idx="12"/>
           </p:nvPr>
-        </p:nvPicPr>
-        <p:blipFill>
-          <a:blip r:embed="rId2"/>
-          <a:stretch>
-            <a:fillRect/>
-          </a:stretch>
-        </p:blipFill>
-        <p:spPr>
-          <a:xfrm>
-            <a:off x="4002088" y="2132622"/>
-            <a:ext cx="7351712" cy="3737343"/>
-          </a:xfrm>
-          <a:prstGeom prst="rect">
-            <a:avLst/>
-          </a:prstGeom>
-        </p:spPr>
-      </p:pic>
-      <p:pic>
-        <p:nvPicPr>
-          <p:cNvPr id="7" name="Picture 6">
-            <a:extLst>
-              <a:ext uri="{FF2B5EF4-FFF2-40B4-BE49-F238E27FC236}">
-                <a16:creationId xmlns:a16="http://schemas.microsoft.com/office/drawing/2014/main" id="{2AC103E7-F9A9-4298-8543-2D57BB93AA5C}"/>
-              </a:ext>
-            </a:extLst>
-          </p:cNvPr>
-          <p:cNvPicPr>
-            <a:picLocks noChangeAspect="1"/>
-          </p:cNvPicPr>
-          <p:nvPr/>
-        </p:nvPicPr>
-        <p:blipFill>
-          <a:blip r:embed="rId3"/>
-          <a:stretch>
-            <a:fillRect/>
-          </a:stretch>
-        </p:blipFill>
-        <p:spPr>
-          <a:xfrm>
-            <a:off x="969624" y="3752040"/>
-            <a:ext cx="2295525" cy="1104900"/>
-          </a:xfrm>
-          <a:prstGeom prst="rect">
-            <a:avLst/>
-          </a:prstGeom>
-        </p:spPr>
-      </p:pic>
+        </p:nvSpPr>
+        <p:spPr/>
+        <p:txBody>
+          <a:bodyPr/>
+          <a:lstStyle/>
+          <a:p>
+            <a:fld id="{4EC590C8-968F-4B97-9FB2-6283B74354EF}" type="slidenum">
+              <a:rPr lang="en-IN" smtClean="0"/>
+              <a:t>17</a:t>
+            </a:fld>
+            <a:endParaRPr lang="en-IN"/>
+          </a:p>
+        </p:txBody>
+      </p:sp>
     </p:spTree>
     <p:extLst>
       <p:ext uri="{BB962C8B-B14F-4D97-AF65-F5344CB8AC3E}">
-        <p14:creationId xmlns:p14="http://schemas.microsoft.com/office/powerpoint/2010/main" val="3316468357"/>
+        <p14:creationId xmlns:p14="http://schemas.microsoft.com/office/powerpoint/2010/main" val="3507504713"/>
       </p:ext>
     </p:extLst>
   </p:cSld>
@@ -12881,7 +13083,7 @@
           <p:cNvPr id="2" name="Title 1">
             <a:extLst>
               <a:ext uri="{FF2B5EF4-FFF2-40B4-BE49-F238E27FC236}">
-                <a16:creationId xmlns:a16="http://schemas.microsoft.com/office/drawing/2014/main" id="{9CEFD576-CA00-41C3-A5A8-E80FA6CA25E4}"/>
+                <a16:creationId xmlns:a16="http://schemas.microsoft.com/office/drawing/2014/main" id="{5A4DD5D3-F1B2-4B28-BAE1-F0C5167374CE}"/>
               </a:ext>
             </a:extLst>
           </p:cNvPr>
@@ -12899,7 +13101,7 @@
           <a:p>
             <a:r>
               <a:rPr lang="en-IN" dirty="0"/>
-              <a:t>Lets Shop!</a:t>
+              <a:t>Gross Value by date</a:t>
             </a:r>
           </a:p>
         </p:txBody>
@@ -12909,7 +13111,7 @@
           <p:cNvPr id="3" name="Content Placeholder 2">
             <a:extLst>
               <a:ext uri="{FF2B5EF4-FFF2-40B4-BE49-F238E27FC236}">
-                <a16:creationId xmlns:a16="http://schemas.microsoft.com/office/drawing/2014/main" id="{8AFBCC8A-DC8A-486D-AD9B-4264D4C4DB1B}"/>
+                <a16:creationId xmlns:a16="http://schemas.microsoft.com/office/drawing/2014/main" id="{D461B218-E23F-406A-B266-4A58FB377BE7}"/>
               </a:ext>
             </a:extLst>
           </p:cNvPr>
@@ -12922,37 +13124,23 @@
         </p:nvSpPr>
         <p:spPr>
           <a:xfrm>
-            <a:off x="838199" y="1825624"/>
-            <a:ext cx="2866053" cy="4239274"/>
+            <a:off x="838201" y="1825625"/>
+            <a:ext cx="3163888" cy="4351338"/>
           </a:xfrm>
         </p:spPr>
         <p:txBody>
-          <a:bodyPr>
-            <a:normAutofit fontScale="85000" lnSpcReduction="20000"/>
-          </a:bodyPr>
+          <a:bodyPr/>
           <a:lstStyle/>
           <a:p>
             <a:r>
               <a:rPr lang="en-IN" dirty="0"/>
-              <a:t>These 10 days in 2019 contribute 54.6% of all purchases (2018 and 2019) by value.</a:t>
-            </a:r>
-          </a:p>
-          <a:p>
-            <a:endParaRPr lang="en-IN" dirty="0"/>
-          </a:p>
-          <a:p>
-            <a:endParaRPr lang="en-IN" dirty="0"/>
-          </a:p>
-          <a:p>
-            <a:endParaRPr lang="en-IN" dirty="0"/>
-          </a:p>
-          <a:p>
-            <a:endParaRPr lang="en-IN" dirty="0"/>
-          </a:p>
-          <a:p>
-            <a:r>
-              <a:rPr lang="en-IN" sz="2200" dirty="0"/>
-              <a:t>The colour shade is by  number of PO issued, darker shade means more.</a:t>
+              <a:t>Not much of buying in 2018.</a:t>
+            </a:r>
+          </a:p>
+          <a:p>
+            <a:r>
+              <a:rPr lang="en-IN" dirty="0"/>
+              <a:t>Few Days of high spending in 2019.</a:t>
             </a:r>
           </a:p>
           <a:p>
@@ -12962,10 +13150,10 @@
       </p:sp>
       <p:pic>
         <p:nvPicPr>
-          <p:cNvPr id="11" name="Content Placeholder 10">
-            <a:extLst>
-              <a:ext uri="{FF2B5EF4-FFF2-40B4-BE49-F238E27FC236}">
-                <a16:creationId xmlns:a16="http://schemas.microsoft.com/office/drawing/2014/main" id="{3D9008F7-C667-41CF-A865-89C3F5548979}"/>
+          <p:cNvPr id="5" name="Content Placeholder 4">
+            <a:extLst>
+              <a:ext uri="{FF2B5EF4-FFF2-40B4-BE49-F238E27FC236}">
+                <a16:creationId xmlns:a16="http://schemas.microsoft.com/office/drawing/2014/main" id="{F0AF4062-0BF3-453B-8822-89C4CFC92B82}"/>
               </a:ext>
             </a:extLst>
           </p:cNvPr>
@@ -12984,15 +13172,77 @@
         </p:blipFill>
         <p:spPr>
           <a:xfrm>
-            <a:off x="3925966" y="1825625"/>
-            <a:ext cx="7272181" cy="4351338"/>
+            <a:off x="4002088" y="2132622"/>
+            <a:ext cx="7351712" cy="3737343"/>
           </a:xfrm>
+          <a:prstGeom prst="rect">
+            <a:avLst/>
+          </a:prstGeom>
         </p:spPr>
       </p:pic>
+      <p:pic>
+        <p:nvPicPr>
+          <p:cNvPr id="7" name="Picture 6">
+            <a:extLst>
+              <a:ext uri="{FF2B5EF4-FFF2-40B4-BE49-F238E27FC236}">
+                <a16:creationId xmlns:a16="http://schemas.microsoft.com/office/drawing/2014/main" id="{2AC103E7-F9A9-4298-8543-2D57BB93AA5C}"/>
+              </a:ext>
+            </a:extLst>
+          </p:cNvPr>
+          <p:cNvPicPr>
+            <a:picLocks noChangeAspect="1"/>
+          </p:cNvPicPr>
+          <p:nvPr/>
+        </p:nvPicPr>
+        <p:blipFill>
+          <a:blip r:embed="rId3"/>
+          <a:stretch>
+            <a:fillRect/>
+          </a:stretch>
+        </p:blipFill>
+        <p:spPr>
+          <a:xfrm>
+            <a:off x="969624" y="3752040"/>
+            <a:ext cx="2295525" cy="1104900"/>
+          </a:xfrm>
+          <a:prstGeom prst="rect">
+            <a:avLst/>
+          </a:prstGeom>
+        </p:spPr>
+      </p:pic>
+      <p:sp>
+        <p:nvSpPr>
+          <p:cNvPr id="6" name="Slide Number Placeholder 5">
+            <a:extLst>
+              <a:ext uri="{FF2B5EF4-FFF2-40B4-BE49-F238E27FC236}">
+                <a16:creationId xmlns:a16="http://schemas.microsoft.com/office/drawing/2014/main" id="{86C2DDF0-C495-DCD8-6D56-B439C72424A9}"/>
+              </a:ext>
+            </a:extLst>
+          </p:cNvPr>
+          <p:cNvSpPr>
+            <a:spLocks noGrp="1"/>
+          </p:cNvSpPr>
+          <p:nvPr>
+            <p:ph type="sldNum" sz="quarter" idx="12"/>
+          </p:nvPr>
+        </p:nvSpPr>
+        <p:spPr/>
+        <p:txBody>
+          <a:bodyPr/>
+          <a:lstStyle/>
+          <a:p>
+            <a:fld id="{4EC590C8-968F-4B97-9FB2-6283B74354EF}" type="slidenum">
+              <a:rPr lang="en-IN" smtClean="0"/>
+              <a:t>18</a:t>
+            </a:fld>
+            <a:endParaRPr lang="en-IN"/>
+          </a:p>
+        </p:txBody>
+      </p:sp>
     </p:spTree>
     <p:extLst>
       <p:ext uri="{BB962C8B-B14F-4D97-AF65-F5344CB8AC3E}">
-        <p14:creationId xmlns:p14="http://schemas.microsoft.com/office/powerpoint/2010/main" val="3157665850"/>
+        <p14:creationId xmlns:p14="http://schemas.microsoft.com/office/powerpoint/2010/main" val="3316468357"/>
       </p:ext>
     </p:extLst>
   </p:cSld>
@@ -13024,7 +13274,7 @@
           <p:cNvPr id="2" name="Title 1">
             <a:extLst>
               <a:ext uri="{FF2B5EF4-FFF2-40B4-BE49-F238E27FC236}">
-                <a16:creationId xmlns:a16="http://schemas.microsoft.com/office/drawing/2014/main" id="{BD9DBB2A-3089-40DC-9479-B7D450C02A1C}"/>
+                <a16:creationId xmlns:a16="http://schemas.microsoft.com/office/drawing/2014/main" id="{9CEFD576-CA00-41C3-A5A8-E80FA6CA25E4}"/>
               </a:ext>
             </a:extLst>
           </p:cNvPr>
@@ -13042,7 +13292,7 @@
           <a:p>
             <a:r>
               <a:rPr lang="en-IN" dirty="0"/>
-              <a:t>Gross Value by Year and Month</a:t>
+              <a:t>Lets Shop!</a:t>
             </a:r>
           </a:p>
         </p:txBody>
@@ -13052,7 +13302,7 @@
           <p:cNvPr id="3" name="Content Placeholder 2">
             <a:extLst>
               <a:ext uri="{FF2B5EF4-FFF2-40B4-BE49-F238E27FC236}">
-                <a16:creationId xmlns:a16="http://schemas.microsoft.com/office/drawing/2014/main" id="{1A0B691E-2F87-4D59-BEB6-47520284EDF2}"/>
+                <a16:creationId xmlns:a16="http://schemas.microsoft.com/office/drawing/2014/main" id="{8AFBCC8A-DC8A-486D-AD9B-4264D4C4DB1B}"/>
               </a:ext>
             </a:extLst>
           </p:cNvPr>
@@ -13060,34 +13310,64 @@
             <a:spLocks noGrp="1"/>
           </p:cNvSpPr>
           <p:nvPr>
-            <p:ph idx="1"/>
+            <p:ph sz="half" idx="1"/>
           </p:nvPr>
         </p:nvSpPr>
-        <p:spPr/>
+        <p:spPr>
+          <a:xfrm>
+            <a:off x="838199" y="1825624"/>
+            <a:ext cx="2866053" cy="4239274"/>
+          </a:xfrm>
+        </p:spPr>
         <p:txBody>
-          <a:bodyPr/>
+          <a:bodyPr>
+            <a:normAutofit fontScale="85000" lnSpcReduction="20000"/>
+          </a:bodyPr>
           <a:lstStyle/>
           <a:p>
             <a:r>
               <a:rPr lang="en-IN" dirty="0"/>
-              <a:t>The thickness of line is based on the number of purchase order. </a:t>
-            </a:r>
+              <a:t>These 10 days in 2019 contribute 54.6% of all purchases (2018 and 2019) by value.</a:t>
+            </a:r>
+          </a:p>
+          <a:p>
+            <a:endParaRPr lang="en-IN" dirty="0"/>
+          </a:p>
+          <a:p>
+            <a:endParaRPr lang="en-IN" dirty="0"/>
+          </a:p>
+          <a:p>
+            <a:endParaRPr lang="en-IN" dirty="0"/>
+          </a:p>
+          <a:p>
+            <a:endParaRPr lang="en-IN" dirty="0"/>
+          </a:p>
+          <a:p>
+            <a:r>
+              <a:rPr lang="en-IN" sz="2200" dirty="0"/>
+              <a:t>The colour shade is by  number of PO issued, darker shade means more.</a:t>
+            </a:r>
+          </a:p>
+          <a:p>
+            <a:endParaRPr lang="en-IN" dirty="0"/>
           </a:p>
         </p:txBody>
       </p:sp>
       <p:pic>
         <p:nvPicPr>
-          <p:cNvPr id="6" name="Picture 5">
-            <a:extLst>
-              <a:ext uri="{FF2B5EF4-FFF2-40B4-BE49-F238E27FC236}">
-                <a16:creationId xmlns:a16="http://schemas.microsoft.com/office/drawing/2014/main" id="{7B8135E4-14AE-4CD0-849C-7EBF1EE9458C}"/>
+          <p:cNvPr id="11" name="Content Placeholder 10">
+            <a:extLst>
+              <a:ext uri="{FF2B5EF4-FFF2-40B4-BE49-F238E27FC236}">
+                <a16:creationId xmlns:a16="http://schemas.microsoft.com/office/drawing/2014/main" id="{3D9008F7-C667-41CF-A865-89C3F5548979}"/>
               </a:ext>
             </a:extLst>
           </p:cNvPr>
           <p:cNvPicPr>
-            <a:picLocks noChangeAspect="1"/>
+            <a:picLocks noGrp="1" noChangeAspect="1"/>
           </p:cNvPicPr>
-          <p:nvPr/>
+          <p:nvPr>
+            <p:ph sz="half" idx="2"/>
+          </p:nvPr>
         </p:nvPicPr>
         <p:blipFill>
           <a:blip r:embed="rId2"/>
@@ -13097,18 +13377,44 @@
         </p:blipFill>
         <p:spPr>
           <a:xfrm>
-            <a:off x="1024647" y="2234287"/>
-            <a:ext cx="10515600" cy="4351338"/>
+            <a:off x="3925966" y="1825625"/>
+            <a:ext cx="7272181" cy="4351338"/>
           </a:xfrm>
-          <a:prstGeom prst="rect">
-            <a:avLst/>
-          </a:prstGeom>
         </p:spPr>
       </p:pic>
+      <p:sp>
+        <p:nvSpPr>
+          <p:cNvPr id="5" name="Slide Number Placeholder 4">
+            <a:extLst>
+              <a:ext uri="{FF2B5EF4-FFF2-40B4-BE49-F238E27FC236}">
+                <a16:creationId xmlns:a16="http://schemas.microsoft.com/office/drawing/2014/main" id="{896DA929-9EE6-2AB1-0B03-A95893A13562}"/>
+              </a:ext>
+            </a:extLst>
+          </p:cNvPr>
+          <p:cNvSpPr>
+            <a:spLocks noGrp="1"/>
+          </p:cNvSpPr>
+          <p:nvPr>
+            <p:ph type="sldNum" sz="quarter" idx="12"/>
+          </p:nvPr>
+        </p:nvSpPr>
+        <p:spPr/>
+        <p:txBody>
+          <a:bodyPr/>
+          <a:lstStyle/>
+          <a:p>
+            <a:fld id="{4EC590C8-968F-4B97-9FB2-6283B74354EF}" type="slidenum">
+              <a:rPr lang="en-IN" smtClean="0"/>
+              <a:t>19</a:t>
+            </a:fld>
+            <a:endParaRPr lang="en-IN"/>
+          </a:p>
+        </p:txBody>
+      </p:sp>
     </p:spTree>
     <p:extLst>
       <p:ext uri="{BB962C8B-B14F-4D97-AF65-F5344CB8AC3E}">
-        <p14:creationId xmlns:p14="http://schemas.microsoft.com/office/powerpoint/2010/main" val="3997757958"/>
+        <p14:creationId xmlns:p14="http://schemas.microsoft.com/office/powerpoint/2010/main" val="3157665850"/>
       </p:ext>
     </p:extLst>
   </p:cSld>
@@ -13140,7 +13446,7 @@
           <p:cNvPr id="2" name="Title 1">
             <a:extLst>
               <a:ext uri="{FF2B5EF4-FFF2-40B4-BE49-F238E27FC236}">
-                <a16:creationId xmlns:a16="http://schemas.microsoft.com/office/drawing/2014/main" id="{42C1387E-FCB8-4CD8-9F4D-34029072981F}"/>
+                <a16:creationId xmlns:a16="http://schemas.microsoft.com/office/drawing/2014/main" id="{A12087DB-39AB-493B-B015-D3294F66EDC8}"/>
               </a:ext>
             </a:extLst>
           </p:cNvPr>
@@ -13158,17 +13464,17 @@
           <a:p>
             <a:r>
               <a:rPr lang="en-IN" dirty="0"/>
-              <a:t>Spend Analytics - Process</a:t>
+              <a:t>Objective</a:t>
             </a:r>
           </a:p>
         </p:txBody>
       </p:sp>
       <p:sp>
         <p:nvSpPr>
-          <p:cNvPr id="3" name="Text Placeholder 2">
-            <a:extLst>
-              <a:ext uri="{FF2B5EF4-FFF2-40B4-BE49-F238E27FC236}">
-                <a16:creationId xmlns:a16="http://schemas.microsoft.com/office/drawing/2014/main" id="{F9FFDDFC-7059-4641-93C1-74479748FDE9}"/>
+          <p:cNvPr id="3" name="Content Placeholder 2">
+            <a:extLst>
+              <a:ext uri="{FF2B5EF4-FFF2-40B4-BE49-F238E27FC236}">
+                <a16:creationId xmlns:a16="http://schemas.microsoft.com/office/drawing/2014/main" id="{713C8D91-CBB4-40FA-8E9E-2CEDFDB0D796}"/>
               </a:ext>
             </a:extLst>
           </p:cNvPr>
@@ -13176,7 +13482,128 @@
             <a:spLocks noGrp="1"/>
           </p:cNvSpPr>
           <p:nvPr>
-            <p:ph type="body" idx="1"/>
+            <p:ph idx="1"/>
+          </p:nvPr>
+        </p:nvSpPr>
+        <p:spPr/>
+        <p:txBody>
+          <a:bodyPr>
+            <a:normAutofit/>
+          </a:bodyPr>
+          <a:lstStyle/>
+          <a:p>
+            <a:pPr algn="l"/>
+            <a:r>
+              <a:rPr lang="en-US" b="0" i="0" dirty="0" err="1">
+                <a:solidFill>
+                  <a:srgbClr val="24292F"/>
+                </a:solidFill>
+                <a:effectLst/>
+                <a:latin typeface="-apple-system"/>
+              </a:rPr>
+              <a:t>Analyse</a:t>
+            </a:r>
+            <a:r>
+              <a:rPr lang="en-US" b="0" i="0" dirty="0">
+                <a:solidFill>
+                  <a:srgbClr val="24292F"/>
+                </a:solidFill>
+                <a:effectLst/>
+                <a:latin typeface="-apple-system"/>
+              </a:rPr>
+              <a:t> and classify the spend data for the procurement function of a company. This will enable the company to identify the scope for efficiency improvement and better strategic planning.</a:t>
+            </a:r>
+          </a:p>
+          <a:p>
+            <a:pPr marL="914400" lvl="1" indent="-457200">
+              <a:buFont typeface="+mj-lt"/>
+              <a:buAutoNum type="arabicPeriod"/>
+            </a:pPr>
+            <a:r>
+              <a:rPr lang="en-US" b="0" i="0" dirty="0" err="1">
+                <a:solidFill>
+                  <a:srgbClr val="24292F"/>
+                </a:solidFill>
+                <a:effectLst/>
+                <a:latin typeface="-apple-system"/>
+              </a:rPr>
+              <a:t>Analyse</a:t>
+            </a:r>
+            <a:r>
+              <a:rPr lang="en-US" b="0" i="0" dirty="0">
+                <a:solidFill>
+                  <a:srgbClr val="24292F"/>
+                </a:solidFill>
+                <a:effectLst/>
+                <a:latin typeface="-apple-system"/>
+              </a:rPr>
+              <a:t> the data and identify purchasing trends and patterns</a:t>
+            </a:r>
+          </a:p>
+          <a:p>
+            <a:pPr marL="914400" lvl="1" indent="-457200">
+              <a:buFont typeface="+mj-lt"/>
+              <a:buAutoNum type="arabicPeriod"/>
+            </a:pPr>
+            <a:r>
+              <a:rPr lang="en-US" b="0" i="0" dirty="0">
+                <a:solidFill>
+                  <a:srgbClr val="24292F"/>
+                </a:solidFill>
+                <a:effectLst/>
+                <a:latin typeface="-apple-system"/>
+              </a:rPr>
+              <a:t>Cluster items that have similar purchasing patterns</a:t>
+            </a:r>
+          </a:p>
+          <a:p>
+            <a:pPr marL="914400" lvl="1" indent="-457200">
+              <a:buFont typeface="+mj-lt"/>
+              <a:buAutoNum type="arabicPeriod"/>
+            </a:pPr>
+            <a:r>
+              <a:rPr lang="en-US" b="0" i="0" dirty="0">
+                <a:solidFill>
+                  <a:srgbClr val="24292F"/>
+                </a:solidFill>
+                <a:effectLst/>
+                <a:latin typeface="-apple-system"/>
+              </a:rPr>
+              <a:t>Identify the cost saving opportunities by using the data of procurement</a:t>
+            </a:r>
+          </a:p>
+          <a:p>
+            <a:pPr marL="914400" lvl="1" indent="-457200">
+              <a:buFont typeface="+mj-lt"/>
+              <a:buAutoNum type="arabicPeriod"/>
+            </a:pPr>
+            <a:r>
+              <a:rPr lang="en-US" b="0" i="0" dirty="0">
+                <a:solidFill>
+                  <a:srgbClr val="24292F"/>
+                </a:solidFill>
+                <a:effectLst/>
+                <a:latin typeface="-apple-system"/>
+              </a:rPr>
+              <a:t>Make a report describing all the findings.</a:t>
+            </a:r>
+          </a:p>
+        </p:txBody>
+      </p:sp>
+      <p:sp>
+        <p:nvSpPr>
+          <p:cNvPr id="5" name="Slide Number Placeholder 4">
+            <a:extLst>
+              <a:ext uri="{FF2B5EF4-FFF2-40B4-BE49-F238E27FC236}">
+                <a16:creationId xmlns:a16="http://schemas.microsoft.com/office/drawing/2014/main" id="{F7081283-C339-3484-1A85-66FB486A4870}"/>
+              </a:ext>
+            </a:extLst>
+          </p:cNvPr>
+          <p:cNvSpPr>
+            <a:spLocks noGrp="1"/>
+          </p:cNvSpPr>
+          <p:nvPr>
+            <p:ph type="sldNum" sz="quarter" idx="12"/>
           </p:nvPr>
         </p:nvSpPr>
         <p:spPr/>
@@ -13184,6 +13611,10 @@
           <a:bodyPr/>
           <a:lstStyle/>
           <a:p>
+            <a:fld id="{4EC590C8-968F-4B97-9FB2-6283B74354EF}" type="slidenum">
+              <a:rPr lang="en-IN" smtClean="0"/>
+              <a:t>2</a:t>
+            </a:fld>
             <a:endParaRPr lang="en-IN"/>
           </a:p>
         </p:txBody>
@@ -13191,7 +13622,7 @@
     </p:spTree>
     <p:extLst>
       <p:ext uri="{BB962C8B-B14F-4D97-AF65-F5344CB8AC3E}">
-        <p14:creationId xmlns:p14="http://schemas.microsoft.com/office/powerpoint/2010/main" val="1916144639"/>
+        <p14:creationId xmlns:p14="http://schemas.microsoft.com/office/powerpoint/2010/main" val="3238424448"/>
       </p:ext>
     </p:extLst>
   </p:cSld>
@@ -13223,7 +13654,7 @@
           <p:cNvPr id="2" name="Title 1">
             <a:extLst>
               <a:ext uri="{FF2B5EF4-FFF2-40B4-BE49-F238E27FC236}">
-                <a16:creationId xmlns:a16="http://schemas.microsoft.com/office/drawing/2014/main" id="{9CEFD576-CA00-41C3-A5A8-E80FA6CA25E4}"/>
+                <a16:creationId xmlns:a16="http://schemas.microsoft.com/office/drawing/2014/main" id="{BD9DBB2A-3089-40DC-9479-B7D450C02A1C}"/>
               </a:ext>
             </a:extLst>
           </p:cNvPr>
@@ -13241,7 +13672,7 @@
           <a:p>
             <a:r>
               <a:rPr lang="en-IN" dirty="0"/>
-              <a:t>Gross Value By Month(for 2019)</a:t>
+              <a:t>Gross Value by Year and Month</a:t>
             </a:r>
           </a:p>
         </p:txBody>
@@ -13251,7 +13682,7 @@
           <p:cNvPr id="3" name="Content Placeholder 2">
             <a:extLst>
               <a:ext uri="{FF2B5EF4-FFF2-40B4-BE49-F238E27FC236}">
-                <a16:creationId xmlns:a16="http://schemas.microsoft.com/office/drawing/2014/main" id="{8AFBCC8A-DC8A-486D-AD9B-4264D4C4DB1B}"/>
+                <a16:creationId xmlns:a16="http://schemas.microsoft.com/office/drawing/2014/main" id="{1A0B691E-2F87-4D59-BEB6-47520284EDF2}"/>
               </a:ext>
             </a:extLst>
           </p:cNvPr>
@@ -13259,64 +13690,34 @@
             <a:spLocks noGrp="1"/>
           </p:cNvSpPr>
           <p:nvPr>
-            <p:ph sz="half" idx="1"/>
+            <p:ph idx="1"/>
           </p:nvPr>
         </p:nvSpPr>
-        <p:spPr>
-          <a:xfrm>
-            <a:off x="838199" y="1825624"/>
-            <a:ext cx="2866053" cy="4239274"/>
-          </a:xfrm>
-        </p:spPr>
+        <p:spPr/>
         <p:txBody>
-          <a:bodyPr>
-            <a:normAutofit fontScale="92500" lnSpcReduction="10000"/>
-          </a:bodyPr>
+          <a:bodyPr/>
           <a:lstStyle/>
           <a:p>
             <a:r>
               <a:rPr lang="en-IN" dirty="0"/>
-              <a:t>January has 46% of the purchases done for 2019.</a:t>
-            </a:r>
-          </a:p>
-          <a:p>
-            <a:endParaRPr lang="en-IN" dirty="0"/>
-          </a:p>
-          <a:p>
-            <a:endParaRPr lang="en-IN" dirty="0"/>
-          </a:p>
-          <a:p>
-            <a:endParaRPr lang="en-IN" dirty="0"/>
-          </a:p>
-          <a:p>
-            <a:endParaRPr lang="en-IN" dirty="0"/>
-          </a:p>
-          <a:p>
-            <a:r>
-              <a:rPr lang="en-IN" sz="2200" dirty="0"/>
-              <a:t>The colour shade is by  number of PO issued, darker shade means more.</a:t>
-            </a:r>
-          </a:p>
-          <a:p>
-            <a:endParaRPr lang="en-IN" dirty="0"/>
+              <a:t>The thickness of line is based on the number of purchase order. </a:t>
+            </a:r>
           </a:p>
         </p:txBody>
       </p:sp>
       <p:pic>
         <p:nvPicPr>
-          <p:cNvPr id="7" name="Content Placeholder 6">
-            <a:extLst>
-              <a:ext uri="{FF2B5EF4-FFF2-40B4-BE49-F238E27FC236}">
-                <a16:creationId xmlns:a16="http://schemas.microsoft.com/office/drawing/2014/main" id="{F68339EA-9E57-48BC-B1C3-12A7A0AF5756}"/>
+          <p:cNvPr id="6" name="Picture 5">
+            <a:extLst>
+              <a:ext uri="{FF2B5EF4-FFF2-40B4-BE49-F238E27FC236}">
+                <a16:creationId xmlns:a16="http://schemas.microsoft.com/office/drawing/2014/main" id="{7B8135E4-14AE-4CD0-849C-7EBF1EE9458C}"/>
               </a:ext>
             </a:extLst>
           </p:cNvPr>
           <p:cNvPicPr>
-            <a:picLocks noGrp="1" noChangeAspect="1"/>
+            <a:picLocks noChangeAspect="1"/>
           </p:cNvPicPr>
-          <p:nvPr>
-            <p:ph sz="half" idx="2"/>
-          </p:nvPr>
+          <p:nvPr/>
         </p:nvPicPr>
         <p:blipFill>
           <a:blip r:embed="rId2"/>
@@ -13326,15 +13727,47 @@
         </p:blipFill>
         <p:spPr>
           <a:xfrm>
-            <a:off x="4152900" y="1861682"/>
-            <a:ext cx="7200900" cy="4279223"/>
+            <a:off x="1024647" y="2234287"/>
+            <a:ext cx="10515600" cy="4351338"/>
           </a:xfrm>
+          <a:prstGeom prst="rect">
+            <a:avLst/>
+          </a:prstGeom>
         </p:spPr>
       </p:pic>
+      <p:sp>
+        <p:nvSpPr>
+          <p:cNvPr id="5" name="Slide Number Placeholder 4">
+            <a:extLst>
+              <a:ext uri="{FF2B5EF4-FFF2-40B4-BE49-F238E27FC236}">
+                <a16:creationId xmlns:a16="http://schemas.microsoft.com/office/drawing/2014/main" id="{42AC0296-1507-F0F8-E419-6716FE891DBF}"/>
+              </a:ext>
+            </a:extLst>
+          </p:cNvPr>
+          <p:cNvSpPr>
+            <a:spLocks noGrp="1"/>
+          </p:cNvSpPr>
+          <p:nvPr>
+            <p:ph type="sldNum" sz="quarter" idx="12"/>
+          </p:nvPr>
+        </p:nvSpPr>
+        <p:spPr/>
+        <p:txBody>
+          <a:bodyPr/>
+          <a:lstStyle/>
+          <a:p>
+            <a:fld id="{4EC590C8-968F-4B97-9FB2-6283B74354EF}" type="slidenum">
+              <a:rPr lang="en-IN" smtClean="0"/>
+              <a:t>20</a:t>
+            </a:fld>
+            <a:endParaRPr lang="en-IN"/>
+          </a:p>
+        </p:txBody>
+      </p:sp>
     </p:spTree>
     <p:extLst>
       <p:ext uri="{BB962C8B-B14F-4D97-AF65-F5344CB8AC3E}">
-        <p14:creationId xmlns:p14="http://schemas.microsoft.com/office/powerpoint/2010/main" val="2923634934"/>
+        <p14:creationId xmlns:p14="http://schemas.microsoft.com/office/powerpoint/2010/main" val="3997757958"/>
       </p:ext>
     </p:extLst>
   </p:cSld>
@@ -13384,7 +13817,7 @@
           <a:p>
             <a:r>
               <a:rPr lang="en-IN" dirty="0"/>
-              <a:t>Number of Purchase Order Issued By Month(for 2019)</a:t>
+              <a:t>Gross Value By Month(for 2019)</a:t>
             </a:r>
           </a:p>
         </p:txBody>
@@ -13413,19 +13846,13 @@
         </p:spPr>
         <p:txBody>
           <a:bodyPr>
-            <a:normAutofit fontScale="77500" lnSpcReduction="20000"/>
+            <a:normAutofit fontScale="92500" lnSpcReduction="10000"/>
           </a:bodyPr>
           <a:lstStyle/>
           <a:p>
             <a:r>
               <a:rPr lang="en-IN" dirty="0"/>
-              <a:t>January has 37.7% of the po issued in 2019.</a:t>
-            </a:r>
-          </a:p>
-          <a:p>
-            <a:r>
-              <a:rPr lang="en-IN" dirty="0"/>
-              <a:t>For March, the number of PO issued is less but the value is more than February.</a:t>
+              <a:t>January has 46% of the purchases done for 2019.</a:t>
             </a:r>
           </a:p>
           <a:p>
@@ -13443,11 +13870,8 @@
           <a:p>
             <a:r>
               <a:rPr lang="en-IN" sz="2200" dirty="0"/>
-              <a:t>The colour shade is by  the Gross Value, darker shade means more.</a:t>
-            </a:r>
-          </a:p>
-          <a:p>
-            <a:endParaRPr lang="en-IN" sz="2200" dirty="0"/>
+              <a:t>The colour shade is by  number of PO issued, darker shade means more.</a:t>
+            </a:r>
           </a:p>
           <a:p>
             <a:endParaRPr lang="en-IN" dirty="0"/>
@@ -13456,10 +13880,10 @@
       </p:sp>
       <p:pic>
         <p:nvPicPr>
-          <p:cNvPr id="8" name="Content Placeholder 7">
-            <a:extLst>
-              <a:ext uri="{FF2B5EF4-FFF2-40B4-BE49-F238E27FC236}">
-                <a16:creationId xmlns:a16="http://schemas.microsoft.com/office/drawing/2014/main" id="{165F69B6-CF05-4EB8-8EB8-0718698597D0}"/>
+          <p:cNvPr id="7" name="Content Placeholder 6">
+            <a:extLst>
+              <a:ext uri="{FF2B5EF4-FFF2-40B4-BE49-F238E27FC236}">
+                <a16:creationId xmlns:a16="http://schemas.microsoft.com/office/drawing/2014/main" id="{F68339EA-9E57-48BC-B1C3-12A7A0AF5756}"/>
               </a:ext>
             </a:extLst>
           </p:cNvPr>
@@ -13478,15 +13902,44 @@
         </p:blipFill>
         <p:spPr>
           <a:xfrm>
-            <a:off x="3848884" y="1825625"/>
-            <a:ext cx="7359670" cy="4351338"/>
+            <a:off x="4152900" y="1861682"/>
+            <a:ext cx="7200900" cy="4279223"/>
           </a:xfrm>
         </p:spPr>
       </p:pic>
+      <p:sp>
+        <p:nvSpPr>
+          <p:cNvPr id="5" name="Slide Number Placeholder 4">
+            <a:extLst>
+              <a:ext uri="{FF2B5EF4-FFF2-40B4-BE49-F238E27FC236}">
+                <a16:creationId xmlns:a16="http://schemas.microsoft.com/office/drawing/2014/main" id="{8C532234-7AC8-8F64-AF1A-CFF73BF36D2C}"/>
+              </a:ext>
+            </a:extLst>
+          </p:cNvPr>
+          <p:cNvSpPr>
+            <a:spLocks noGrp="1"/>
+          </p:cNvSpPr>
+          <p:nvPr>
+            <p:ph type="sldNum" sz="quarter" idx="12"/>
+          </p:nvPr>
+        </p:nvSpPr>
+        <p:spPr/>
+        <p:txBody>
+          <a:bodyPr/>
+          <a:lstStyle/>
+          <a:p>
+            <a:fld id="{4EC590C8-968F-4B97-9FB2-6283B74354EF}" type="slidenum">
+              <a:rPr lang="en-IN" smtClean="0"/>
+              <a:t>21</a:t>
+            </a:fld>
+            <a:endParaRPr lang="en-IN"/>
+          </a:p>
+        </p:txBody>
+      </p:sp>
     </p:spTree>
     <p:extLst>
       <p:ext uri="{BB962C8B-B14F-4D97-AF65-F5344CB8AC3E}">
-        <p14:creationId xmlns:p14="http://schemas.microsoft.com/office/powerpoint/2010/main" val="3329514006"/>
+        <p14:creationId xmlns:p14="http://schemas.microsoft.com/office/powerpoint/2010/main" val="2923634934"/>
       </p:ext>
     </p:extLst>
   </p:cSld>
@@ -13518,7 +13971,7 @@
           <p:cNvPr id="2" name="Title 1">
             <a:extLst>
               <a:ext uri="{FF2B5EF4-FFF2-40B4-BE49-F238E27FC236}">
-                <a16:creationId xmlns:a16="http://schemas.microsoft.com/office/drawing/2014/main" id="{D372D1B7-C7D8-479A-8D2C-42CD58E31774}"/>
+                <a16:creationId xmlns:a16="http://schemas.microsoft.com/office/drawing/2014/main" id="{9CEFD576-CA00-41C3-A5A8-E80FA6CA25E4}"/>
               </a:ext>
             </a:extLst>
           </p:cNvPr>
@@ -13536,6 +13989,187 @@
           <a:p>
             <a:r>
               <a:rPr lang="en-IN" dirty="0"/>
+              <a:t>Number of Purchase Order Issued By Month(for 2019)</a:t>
+            </a:r>
+          </a:p>
+        </p:txBody>
+      </p:sp>
+      <p:sp>
+        <p:nvSpPr>
+          <p:cNvPr id="3" name="Content Placeholder 2">
+            <a:extLst>
+              <a:ext uri="{FF2B5EF4-FFF2-40B4-BE49-F238E27FC236}">
+                <a16:creationId xmlns:a16="http://schemas.microsoft.com/office/drawing/2014/main" id="{8AFBCC8A-DC8A-486D-AD9B-4264D4C4DB1B}"/>
+              </a:ext>
+            </a:extLst>
+          </p:cNvPr>
+          <p:cNvSpPr>
+            <a:spLocks noGrp="1"/>
+          </p:cNvSpPr>
+          <p:nvPr>
+            <p:ph sz="half" idx="1"/>
+          </p:nvPr>
+        </p:nvSpPr>
+        <p:spPr>
+          <a:xfrm>
+            <a:off x="838199" y="1825624"/>
+            <a:ext cx="2866053" cy="4239274"/>
+          </a:xfrm>
+        </p:spPr>
+        <p:txBody>
+          <a:bodyPr>
+            <a:normAutofit fontScale="77500" lnSpcReduction="20000"/>
+          </a:bodyPr>
+          <a:lstStyle/>
+          <a:p>
+            <a:r>
+              <a:rPr lang="en-IN" dirty="0"/>
+              <a:t>January has 37.7% of the po issued in 2019.</a:t>
+            </a:r>
+          </a:p>
+          <a:p>
+            <a:r>
+              <a:rPr lang="en-IN" dirty="0"/>
+              <a:t>For March, the number of PO issued is less but the value is more than February.</a:t>
+            </a:r>
+          </a:p>
+          <a:p>
+            <a:endParaRPr lang="en-IN" dirty="0"/>
+          </a:p>
+          <a:p>
+            <a:endParaRPr lang="en-IN" dirty="0"/>
+          </a:p>
+          <a:p>
+            <a:endParaRPr lang="en-IN" dirty="0"/>
+          </a:p>
+          <a:p>
+            <a:endParaRPr lang="en-IN" dirty="0"/>
+          </a:p>
+          <a:p>
+            <a:r>
+              <a:rPr lang="en-IN" sz="2200" dirty="0"/>
+              <a:t>The colour shade is by  the Gross Value, darker shade means more.</a:t>
+            </a:r>
+          </a:p>
+          <a:p>
+            <a:endParaRPr lang="en-IN" sz="2200" dirty="0"/>
+          </a:p>
+          <a:p>
+            <a:endParaRPr lang="en-IN" dirty="0"/>
+          </a:p>
+        </p:txBody>
+      </p:sp>
+      <p:pic>
+        <p:nvPicPr>
+          <p:cNvPr id="8" name="Content Placeholder 7">
+            <a:extLst>
+              <a:ext uri="{FF2B5EF4-FFF2-40B4-BE49-F238E27FC236}">
+                <a16:creationId xmlns:a16="http://schemas.microsoft.com/office/drawing/2014/main" id="{165F69B6-CF05-4EB8-8EB8-0718698597D0}"/>
+              </a:ext>
+            </a:extLst>
+          </p:cNvPr>
+          <p:cNvPicPr>
+            <a:picLocks noGrp="1" noChangeAspect="1"/>
+          </p:cNvPicPr>
+          <p:nvPr>
+            <p:ph sz="half" idx="2"/>
+          </p:nvPr>
+        </p:nvPicPr>
+        <p:blipFill>
+          <a:blip r:embed="rId2"/>
+          <a:stretch>
+            <a:fillRect/>
+          </a:stretch>
+        </p:blipFill>
+        <p:spPr>
+          <a:xfrm>
+            <a:off x="3848884" y="1825625"/>
+            <a:ext cx="7359670" cy="4351338"/>
+          </a:xfrm>
+        </p:spPr>
+      </p:pic>
+      <p:sp>
+        <p:nvSpPr>
+          <p:cNvPr id="5" name="Slide Number Placeholder 4">
+            <a:extLst>
+              <a:ext uri="{FF2B5EF4-FFF2-40B4-BE49-F238E27FC236}">
+                <a16:creationId xmlns:a16="http://schemas.microsoft.com/office/drawing/2014/main" id="{00B66F4C-CC18-1ADD-6E2B-4CA0D75A2DE4}"/>
+              </a:ext>
+            </a:extLst>
+          </p:cNvPr>
+          <p:cNvSpPr>
+            <a:spLocks noGrp="1"/>
+          </p:cNvSpPr>
+          <p:nvPr>
+            <p:ph type="sldNum" sz="quarter" idx="12"/>
+          </p:nvPr>
+        </p:nvSpPr>
+        <p:spPr/>
+        <p:txBody>
+          <a:bodyPr/>
+          <a:lstStyle/>
+          <a:p>
+            <a:fld id="{4EC590C8-968F-4B97-9FB2-6283B74354EF}" type="slidenum">
+              <a:rPr lang="en-IN" smtClean="0"/>
+              <a:t>22</a:t>
+            </a:fld>
+            <a:endParaRPr lang="en-IN"/>
+          </a:p>
+        </p:txBody>
+      </p:sp>
+    </p:spTree>
+    <p:extLst>
+      <p:ext uri="{BB962C8B-B14F-4D97-AF65-F5344CB8AC3E}">
+        <p14:creationId xmlns:p14="http://schemas.microsoft.com/office/powerpoint/2010/main" val="3329514006"/>
+      </p:ext>
+    </p:extLst>
+  </p:cSld>
+  <p:clrMapOvr>
+    <a:masterClrMapping/>
+  </p:clrMapOvr>
+</p:sld>
+</file>
+
+<file path=ppt/slides/slide23.xml><?xml version="1.0" encoding="utf-8"?>
+<p:sld xmlns:a="http://schemas.openxmlformats.org/drawingml/2006/main" xmlns:r="http://schemas.openxmlformats.org/officeDocument/2006/relationships" xmlns:p="http://schemas.openxmlformats.org/presentationml/2006/main">
+  <p:cSld>
+    <p:spTree>
+      <p:nvGrpSpPr>
+        <p:cNvPr id="1" name=""/>
+        <p:cNvGrpSpPr/>
+        <p:nvPr/>
+      </p:nvGrpSpPr>
+      <p:grpSpPr>
+        <a:xfrm>
+          <a:off x="0" y="0"/>
+          <a:ext cx="0" cy="0"/>
+          <a:chOff x="0" y="0"/>
+          <a:chExt cx="0" cy="0"/>
+        </a:xfrm>
+      </p:grpSpPr>
+      <p:sp>
+        <p:nvSpPr>
+          <p:cNvPr id="2" name="Title 1">
+            <a:extLst>
+              <a:ext uri="{FF2B5EF4-FFF2-40B4-BE49-F238E27FC236}">
+                <a16:creationId xmlns:a16="http://schemas.microsoft.com/office/drawing/2014/main" id="{D372D1B7-C7D8-479A-8D2C-42CD58E31774}"/>
+              </a:ext>
+            </a:extLst>
+          </p:cNvPr>
+          <p:cNvSpPr>
+            <a:spLocks noGrp="1"/>
+          </p:cNvSpPr>
+          <p:nvPr>
+            <p:ph type="title"/>
+          </p:nvPr>
+        </p:nvSpPr>
+        <p:spPr/>
+        <p:txBody>
+          <a:bodyPr/>
+          <a:lstStyle/>
+          <a:p>
+            <a:r>
+              <a:rPr lang="en-IN" dirty="0"/>
               <a:t>2. Who Buys ?</a:t>
             </a:r>
           </a:p>
@@ -13562,6 +14196,35 @@
           <a:bodyPr/>
           <a:lstStyle/>
           <a:p>
+            <a:endParaRPr lang="en-IN"/>
+          </a:p>
+        </p:txBody>
+      </p:sp>
+      <p:sp>
+        <p:nvSpPr>
+          <p:cNvPr id="5" name="Slide Number Placeholder 4">
+            <a:extLst>
+              <a:ext uri="{FF2B5EF4-FFF2-40B4-BE49-F238E27FC236}">
+                <a16:creationId xmlns:a16="http://schemas.microsoft.com/office/drawing/2014/main" id="{FB00AAF6-E38C-40A9-8E20-ED5A4CB778DD}"/>
+              </a:ext>
+            </a:extLst>
+          </p:cNvPr>
+          <p:cNvSpPr>
+            <a:spLocks noGrp="1"/>
+          </p:cNvSpPr>
+          <p:nvPr>
+            <p:ph type="sldNum" sz="quarter" idx="12"/>
+          </p:nvPr>
+        </p:nvSpPr>
+        <p:spPr/>
+        <p:txBody>
+          <a:bodyPr/>
+          <a:lstStyle/>
+          <a:p>
+            <a:fld id="{4EC590C8-968F-4B97-9FB2-6283B74354EF}" type="slidenum">
+              <a:rPr lang="en-IN" smtClean="0"/>
+              <a:t>23</a:t>
+            </a:fld>
             <a:endParaRPr lang="en-IN"/>
           </a:p>
         </p:txBody>
@@ -13579,7 +14242,7 @@
 </p:sld>
 </file>
 
-<file path=ppt/slides/slide23.xml><?xml version="1.0" encoding="utf-8"?>
+<file path=ppt/slides/slide24.xml><?xml version="1.0" encoding="utf-8"?>
 <p:sld xmlns:a="http://schemas.openxmlformats.org/drawingml/2006/main" xmlns:r="http://schemas.openxmlformats.org/officeDocument/2006/relationships" xmlns:p="http://schemas.openxmlformats.org/presentationml/2006/main">
   <p:cSld>
     <p:spTree>
@@ -15551,42 +16214,12 @@
           </a:graphicData>
         </a:graphic>
       </p:graphicFrame>
-    </p:spTree>
-    <p:extLst>
-      <p:ext uri="{BB962C8B-B14F-4D97-AF65-F5344CB8AC3E}">
-        <p14:creationId xmlns:p14="http://schemas.microsoft.com/office/powerpoint/2010/main" val="3017909883"/>
-      </p:ext>
-    </p:extLst>
-  </p:cSld>
-  <p:clrMapOvr>
-    <a:masterClrMapping/>
-  </p:clrMapOvr>
-</p:sld>
-</file>
-
-<file path=ppt/slides/slide24.xml><?xml version="1.0" encoding="utf-8"?>
-<p:sld xmlns:a="http://schemas.openxmlformats.org/drawingml/2006/main" xmlns:r="http://schemas.openxmlformats.org/officeDocument/2006/relationships" xmlns:p="http://schemas.openxmlformats.org/presentationml/2006/main">
-  <p:cSld>
-    <p:spTree>
-      <p:nvGrpSpPr>
-        <p:cNvPr id="1" name=""/>
-        <p:cNvGrpSpPr/>
-        <p:nvPr/>
-      </p:nvGrpSpPr>
-      <p:grpSpPr>
-        <a:xfrm>
-          <a:off x="0" y="0"/>
-          <a:ext cx="0" cy="0"/>
-          <a:chOff x="0" y="0"/>
-          <a:chExt cx="0" cy="0"/>
-        </a:xfrm>
-      </p:grpSpPr>
       <p:sp>
         <p:nvSpPr>
-          <p:cNvPr id="2" name="Title 1">
-            <a:extLst>
-              <a:ext uri="{FF2B5EF4-FFF2-40B4-BE49-F238E27FC236}">
-                <a16:creationId xmlns:a16="http://schemas.microsoft.com/office/drawing/2014/main" id="{7472707D-CCF9-42E3-B0D8-2FA9598DBA9F}"/>
+          <p:cNvPr id="5" name="Slide Number Placeholder 4">
+            <a:extLst>
+              <a:ext uri="{FF2B5EF4-FFF2-40B4-BE49-F238E27FC236}">
+                <a16:creationId xmlns:a16="http://schemas.microsoft.com/office/drawing/2014/main" id="{9F3CC007-55A1-BB2A-D081-A4672A1BFF08}"/>
               </a:ext>
             </a:extLst>
           </p:cNvPr>
@@ -15594,7 +16227,7 @@
             <a:spLocks noGrp="1"/>
           </p:cNvSpPr>
           <p:nvPr>
-            <p:ph type="title"/>
+            <p:ph type="sldNum" sz="quarter" idx="12"/>
           </p:nvPr>
         </p:nvSpPr>
         <p:spPr/>
@@ -15602,34 +16235,10 @@
           <a:bodyPr/>
           <a:lstStyle/>
           <a:p>
-            <a:r>
-              <a:rPr lang="en-IN" dirty="0"/>
-              <a:t>3. What is being Bought ?</a:t>
-            </a:r>
-          </a:p>
-        </p:txBody>
-      </p:sp>
-      <p:sp>
-        <p:nvSpPr>
-          <p:cNvPr id="3" name="Text Placeholder 2">
-            <a:extLst>
-              <a:ext uri="{FF2B5EF4-FFF2-40B4-BE49-F238E27FC236}">
-                <a16:creationId xmlns:a16="http://schemas.microsoft.com/office/drawing/2014/main" id="{9356A316-7D6F-47E5-AD52-11C7824609FB}"/>
-              </a:ext>
-            </a:extLst>
-          </p:cNvPr>
-          <p:cNvSpPr>
-            <a:spLocks noGrp="1"/>
-          </p:cNvSpPr>
-          <p:nvPr>
-            <p:ph type="body" idx="1"/>
-          </p:nvPr>
-        </p:nvSpPr>
-        <p:spPr/>
-        <p:txBody>
-          <a:bodyPr/>
-          <a:lstStyle/>
-          <a:p>
+            <a:fld id="{4EC590C8-968F-4B97-9FB2-6283B74354EF}" type="slidenum">
+              <a:rPr lang="en-IN" smtClean="0"/>
+              <a:t>24</a:t>
+            </a:fld>
             <a:endParaRPr lang="en-IN"/>
           </a:p>
         </p:txBody>
@@ -15637,7 +16246,7 @@
     </p:spTree>
     <p:extLst>
       <p:ext uri="{BB962C8B-B14F-4D97-AF65-F5344CB8AC3E}">
-        <p14:creationId xmlns:p14="http://schemas.microsoft.com/office/powerpoint/2010/main" val="3176465611"/>
+        <p14:creationId xmlns:p14="http://schemas.microsoft.com/office/powerpoint/2010/main" val="3017909883"/>
       </p:ext>
     </p:extLst>
   </p:cSld>
@@ -15669,7 +16278,7 @@
           <p:cNvPr id="2" name="Title 1">
             <a:extLst>
               <a:ext uri="{FF2B5EF4-FFF2-40B4-BE49-F238E27FC236}">
-                <a16:creationId xmlns:a16="http://schemas.microsoft.com/office/drawing/2014/main" id="{E8593B9F-244D-462B-9327-50A2F7BAE8B1}"/>
+                <a16:creationId xmlns:a16="http://schemas.microsoft.com/office/drawing/2014/main" id="{7472707D-CCF9-42E3-B0D8-2FA9598DBA9F}"/>
               </a:ext>
             </a:extLst>
           </p:cNvPr>
@@ -15687,17 +16296,17 @@
           <a:p>
             <a:r>
               <a:rPr lang="en-IN" dirty="0"/>
-              <a:t>What is being bought – (1 of 2 )</a:t>
+              <a:t>3. What is being Bought ?</a:t>
             </a:r>
           </a:p>
         </p:txBody>
       </p:sp>
       <p:sp>
         <p:nvSpPr>
-          <p:cNvPr id="3" name="Content Placeholder 2">
-            <a:extLst>
-              <a:ext uri="{FF2B5EF4-FFF2-40B4-BE49-F238E27FC236}">
-                <a16:creationId xmlns:a16="http://schemas.microsoft.com/office/drawing/2014/main" id="{888D73AF-055F-471A-9441-0A0E3ED5884F}"/>
+          <p:cNvPr id="3" name="Text Placeholder 2">
+            <a:extLst>
+              <a:ext uri="{FF2B5EF4-FFF2-40B4-BE49-F238E27FC236}">
+                <a16:creationId xmlns:a16="http://schemas.microsoft.com/office/drawing/2014/main" id="{9356A316-7D6F-47E5-AD52-11C7824609FB}"/>
               </a:ext>
             </a:extLst>
           </p:cNvPr>
@@ -15705,84 +16314,51 @@
             <a:spLocks noGrp="1"/>
           </p:cNvSpPr>
           <p:nvPr>
-            <p:ph sz="half" idx="1"/>
+            <p:ph type="body" idx="1"/>
           </p:nvPr>
         </p:nvSpPr>
-        <p:spPr>
-          <a:xfrm>
-            <a:off x="838200" y="1825625"/>
-            <a:ext cx="3043335" cy="4351338"/>
-          </a:xfrm>
-        </p:spPr>
+        <p:spPr/>
         <p:txBody>
-          <a:bodyPr>
-            <a:normAutofit/>
-          </a:bodyPr>
+          <a:bodyPr/>
           <a:lstStyle/>
           <a:p>
-            <a:r>
-              <a:rPr lang="en-IN" dirty="0"/>
-              <a:t>Top 24 Material by Gross Value contributes 80% of the value.</a:t>
-            </a:r>
-          </a:p>
-          <a:p>
-            <a:endParaRPr lang="en-IN" dirty="0"/>
-          </a:p>
-          <a:p>
-            <a:endParaRPr lang="en-IN" dirty="0"/>
-          </a:p>
-          <a:p>
-            <a:r>
-              <a:rPr lang="en-IN" sz="2000" dirty="0"/>
-              <a:t>The colour shade is by  number of PO </a:t>
-            </a:r>
-            <a:r>
-              <a:rPr lang="en-IN" sz="2000" dirty="0" err="1"/>
-              <a:t>issued,darker</a:t>
-            </a:r>
-            <a:r>
-              <a:rPr lang="en-IN" sz="2000" dirty="0"/>
-              <a:t> is more.</a:t>
-            </a:r>
-          </a:p>
-          <a:p>
-            <a:endParaRPr lang="en-IN" dirty="0"/>
+            <a:endParaRPr lang="en-IN"/>
           </a:p>
         </p:txBody>
       </p:sp>
-      <p:pic>
-        <p:nvPicPr>
-          <p:cNvPr id="10" name="Content Placeholder 9">
-            <a:extLst>
-              <a:ext uri="{FF2B5EF4-FFF2-40B4-BE49-F238E27FC236}">
-                <a16:creationId xmlns:a16="http://schemas.microsoft.com/office/drawing/2014/main" id="{4CB111F0-224E-416E-BAE2-3F5838E51969}"/>
-              </a:ext>
-            </a:extLst>
-          </p:cNvPr>
-          <p:cNvPicPr>
-            <a:picLocks noGrp="1" noChangeAspect="1"/>
-          </p:cNvPicPr>
+      <p:sp>
+        <p:nvSpPr>
+          <p:cNvPr id="5" name="Slide Number Placeholder 4">
+            <a:extLst>
+              <a:ext uri="{FF2B5EF4-FFF2-40B4-BE49-F238E27FC236}">
+                <a16:creationId xmlns:a16="http://schemas.microsoft.com/office/drawing/2014/main" id="{59439B53-D632-DC1B-6053-22A5A6B49941}"/>
+              </a:ext>
+            </a:extLst>
+          </p:cNvPr>
+          <p:cNvSpPr>
+            <a:spLocks noGrp="1"/>
+          </p:cNvSpPr>
           <p:nvPr>
-            <p:ph sz="half" idx="2"/>
+            <p:ph type="sldNum" sz="quarter" idx="12"/>
           </p:nvPr>
-        </p:nvPicPr>
-        <p:blipFill>
-          <a:blip r:embed="rId2"/>
-          <a:stretch>
-            <a:fillRect/>
-          </a:stretch>
-        </p:blipFill>
-        <p:spPr>
-          <a:xfrm>
-            <a:off x="3820515" y="1825625"/>
-            <a:ext cx="7881859" cy="4351338"/>
-          </a:xfrm>
-        </p:spPr>
-      </p:pic>
+        </p:nvSpPr>
+        <p:spPr/>
+        <p:txBody>
+          <a:bodyPr/>
+          <a:lstStyle/>
+          <a:p>
+            <a:fld id="{4EC590C8-968F-4B97-9FB2-6283B74354EF}" type="slidenum">
+              <a:rPr lang="en-IN" smtClean="0"/>
+              <a:t>25</a:t>
+            </a:fld>
+            <a:endParaRPr lang="en-IN"/>
+          </a:p>
+        </p:txBody>
+      </p:sp>
     </p:spTree>
     <p:extLst>
       <p:ext uri="{BB962C8B-B14F-4D97-AF65-F5344CB8AC3E}">
-        <p14:creationId xmlns:p14="http://schemas.microsoft.com/office/powerpoint/2010/main" val="367454897"/>
+        <p14:creationId xmlns:p14="http://schemas.microsoft.com/office/powerpoint/2010/main" val="3176465611"/>
       </p:ext>
     </p:extLst>
   </p:cSld>
@@ -15832,7 +16408,7 @@
           <a:p>
             <a:r>
               <a:rPr lang="en-IN" dirty="0"/>
-              <a:t>What is being bought – ( 2 of 2)</a:t>
+              <a:t>What is being bought – (1 of 2 )</a:t>
             </a:r>
           </a:p>
         </p:txBody>
@@ -15867,7 +16443,7 @@
           <a:p>
             <a:r>
               <a:rPr lang="en-IN" dirty="0"/>
-              <a:t>Top 12 Material by Frequency, contributes 93.5% of the PO issued.</a:t>
+              <a:t>Top 24 Material by Gross Value contributes 80% of the value.</a:t>
             </a:r>
           </a:p>
           <a:p>
@@ -15879,11 +16455,11 @@
           <a:p>
             <a:r>
               <a:rPr lang="en-IN" sz="2000" dirty="0"/>
-              <a:t>The colour shade is by  Gross </a:t>
+              <a:t>The colour shade is by  number of PO </a:t>
             </a:r>
             <a:r>
               <a:rPr lang="en-IN" sz="2000" dirty="0" err="1"/>
-              <a:t>Value,darker</a:t>
+              <a:t>issued,darker</a:t>
             </a:r>
             <a:r>
               <a:rPr lang="en-IN" sz="2000" dirty="0"/>
@@ -15897,10 +16473,10 @@
       </p:sp>
       <p:pic>
         <p:nvPicPr>
-          <p:cNvPr id="7" name="Content Placeholder 6">
-            <a:extLst>
-              <a:ext uri="{FF2B5EF4-FFF2-40B4-BE49-F238E27FC236}">
-                <a16:creationId xmlns:a16="http://schemas.microsoft.com/office/drawing/2014/main" id="{AEF24D3D-DC78-4E87-9112-9CDE091FABB0}"/>
+          <p:cNvPr id="10" name="Content Placeholder 9">
+            <a:extLst>
+              <a:ext uri="{FF2B5EF4-FFF2-40B4-BE49-F238E27FC236}">
+                <a16:creationId xmlns:a16="http://schemas.microsoft.com/office/drawing/2014/main" id="{4CB111F0-224E-416E-BAE2-3F5838E51969}"/>
               </a:ext>
             </a:extLst>
           </p:cNvPr>
@@ -15919,15 +16495,44 @@
         </p:blipFill>
         <p:spPr>
           <a:xfrm>
-            <a:off x="4221163" y="1923100"/>
-            <a:ext cx="7529850" cy="4156387"/>
+            <a:off x="3820515" y="1825625"/>
+            <a:ext cx="7881859" cy="4351338"/>
           </a:xfrm>
         </p:spPr>
       </p:pic>
+      <p:sp>
+        <p:nvSpPr>
+          <p:cNvPr id="5" name="Slide Number Placeholder 4">
+            <a:extLst>
+              <a:ext uri="{FF2B5EF4-FFF2-40B4-BE49-F238E27FC236}">
+                <a16:creationId xmlns:a16="http://schemas.microsoft.com/office/drawing/2014/main" id="{D2B445A8-24B1-493B-4C9B-1D11BCE56B40}"/>
+              </a:ext>
+            </a:extLst>
+          </p:cNvPr>
+          <p:cNvSpPr>
+            <a:spLocks noGrp="1"/>
+          </p:cNvSpPr>
+          <p:nvPr>
+            <p:ph type="sldNum" sz="quarter" idx="12"/>
+          </p:nvPr>
+        </p:nvSpPr>
+        <p:spPr/>
+        <p:txBody>
+          <a:bodyPr/>
+          <a:lstStyle/>
+          <a:p>
+            <a:fld id="{4EC590C8-968F-4B97-9FB2-6283B74354EF}" type="slidenum">
+              <a:rPr lang="en-IN" smtClean="0"/>
+              <a:t>26</a:t>
+            </a:fld>
+            <a:endParaRPr lang="en-IN"/>
+          </a:p>
+        </p:txBody>
+      </p:sp>
     </p:spTree>
     <p:extLst>
       <p:ext uri="{BB962C8B-B14F-4D97-AF65-F5344CB8AC3E}">
-        <p14:creationId xmlns:p14="http://schemas.microsoft.com/office/powerpoint/2010/main" val="392565462"/>
+        <p14:creationId xmlns:p14="http://schemas.microsoft.com/office/powerpoint/2010/main" val="367454897"/>
       </p:ext>
     </p:extLst>
   </p:cSld>
@@ -15977,7 +16582,7 @@
           <a:p>
             <a:r>
               <a:rPr lang="en-IN" dirty="0"/>
-              <a:t>What is being bought – ( 3 of 3)</a:t>
+              <a:t>What is being bought – ( 2 of 2)</a:t>
             </a:r>
           </a:p>
         </p:txBody>
@@ -16006,27 +16611,13 @@
         </p:spPr>
         <p:txBody>
           <a:bodyPr>
-            <a:normAutofit fontScale="92500" lnSpcReduction="10000"/>
+            <a:normAutofit/>
           </a:bodyPr>
           <a:lstStyle/>
           <a:p>
             <a:r>
               <a:rPr lang="en-IN" dirty="0"/>
-              <a:t>Top 5 Material Group by Gross </a:t>
-            </a:r>
-            <a:r>
-              <a:rPr lang="en-IN" dirty="0" err="1"/>
-              <a:t>Value,contributes</a:t>
-            </a:r>
-            <a:r>
-              <a:rPr lang="en-IN" dirty="0"/>
-              <a:t> 91.2% of the value.</a:t>
-            </a:r>
-          </a:p>
-          <a:p>
-            <a:r>
-              <a:rPr lang="en-IN" dirty="0"/>
-              <a:t>Number of Material by Group - </a:t>
+              <a:t>Top 12 Material by Frequency, contributes 93.5% of the PO issued.</a:t>
             </a:r>
           </a:p>
           <a:p>
@@ -16036,22 +16627,16 @@
             <a:endParaRPr lang="en-IN" dirty="0"/>
           </a:p>
           <a:p>
-            <a:endParaRPr lang="en-IN" sz="2000" dirty="0"/>
-          </a:p>
-          <a:p>
-            <a:endParaRPr lang="en-IN" sz="2000" dirty="0"/>
-          </a:p>
-          <a:p>
-            <a:r>
-              <a:rPr lang="en-IN" sz="1600" dirty="0"/>
-              <a:t>The colour shade is by  number of  PO </a:t>
-            </a:r>
-            <a:r>
-              <a:rPr lang="en-IN" sz="1600" dirty="0" err="1"/>
-              <a:t>issued,darker</a:t>
-            </a:r>
-            <a:r>
-              <a:rPr lang="en-IN" sz="1600" dirty="0"/>
+            <a:r>
+              <a:rPr lang="en-IN" sz="2000" dirty="0"/>
+              <a:t>The colour shade is by  Gross </a:t>
+            </a:r>
+            <a:r>
+              <a:rPr lang="en-IN" sz="2000" dirty="0" err="1"/>
+              <a:t>Value,darker</a:t>
+            </a:r>
+            <a:r>
+              <a:rPr lang="en-IN" sz="2000" dirty="0"/>
               <a:t> is more.</a:t>
             </a:r>
           </a:p>
@@ -16062,10 +16647,10 @@
       </p:sp>
       <p:pic>
         <p:nvPicPr>
-          <p:cNvPr id="8" name="Content Placeholder 7">
-            <a:extLst>
-              <a:ext uri="{FF2B5EF4-FFF2-40B4-BE49-F238E27FC236}">
-                <a16:creationId xmlns:a16="http://schemas.microsoft.com/office/drawing/2014/main" id="{C35F4213-06A4-466E-81EE-BCF8F9005C0C}"/>
+          <p:cNvPr id="7" name="Content Placeholder 6">
+            <a:extLst>
+              <a:ext uri="{FF2B5EF4-FFF2-40B4-BE49-F238E27FC236}">
+                <a16:creationId xmlns:a16="http://schemas.microsoft.com/office/drawing/2014/main" id="{AEF24D3D-DC78-4E87-9112-9CDE091FABB0}"/>
               </a:ext>
             </a:extLst>
           </p:cNvPr>
@@ -16084,45 +16669,44 @@
         </p:blipFill>
         <p:spPr>
           <a:xfrm>
-            <a:off x="3881438" y="1832975"/>
-            <a:ext cx="7472362" cy="4336638"/>
+            <a:off x="4221163" y="1923100"/>
+            <a:ext cx="7529850" cy="4156387"/>
           </a:xfrm>
         </p:spPr>
       </p:pic>
-      <p:pic>
-        <p:nvPicPr>
-          <p:cNvPr id="10" name="Picture 9">
-            <a:extLst>
-              <a:ext uri="{FF2B5EF4-FFF2-40B4-BE49-F238E27FC236}">
-                <a16:creationId xmlns:a16="http://schemas.microsoft.com/office/drawing/2014/main" id="{838C2151-DA27-444A-9E30-065A43A0595B}"/>
-              </a:ext>
-            </a:extLst>
-          </p:cNvPr>
-          <p:cNvPicPr>
-            <a:picLocks noChangeAspect="1"/>
-          </p:cNvPicPr>
-          <p:nvPr/>
-        </p:nvPicPr>
-        <p:blipFill>
-          <a:blip r:embed="rId3"/>
-          <a:stretch>
-            <a:fillRect/>
-          </a:stretch>
-        </p:blipFill>
-        <p:spPr>
-          <a:xfrm>
-            <a:off x="1330390" y="4001294"/>
-            <a:ext cx="1600200" cy="1476375"/>
-          </a:xfrm>
-          <a:prstGeom prst="rect">
-            <a:avLst/>
-          </a:prstGeom>
-        </p:spPr>
-      </p:pic>
+      <p:sp>
+        <p:nvSpPr>
+          <p:cNvPr id="5" name="Slide Number Placeholder 4">
+            <a:extLst>
+              <a:ext uri="{FF2B5EF4-FFF2-40B4-BE49-F238E27FC236}">
+                <a16:creationId xmlns:a16="http://schemas.microsoft.com/office/drawing/2014/main" id="{F92BD9CE-CE91-4272-21EC-913F810615DA}"/>
+              </a:ext>
+            </a:extLst>
+          </p:cNvPr>
+          <p:cNvSpPr>
+            <a:spLocks noGrp="1"/>
+          </p:cNvSpPr>
+          <p:nvPr>
+            <p:ph type="sldNum" sz="quarter" idx="12"/>
+          </p:nvPr>
+        </p:nvSpPr>
+        <p:spPr/>
+        <p:txBody>
+          <a:bodyPr/>
+          <a:lstStyle/>
+          <a:p>
+            <a:fld id="{4EC590C8-968F-4B97-9FB2-6283B74354EF}" type="slidenum">
+              <a:rPr lang="en-IN" smtClean="0"/>
+              <a:t>27</a:t>
+            </a:fld>
+            <a:endParaRPr lang="en-IN"/>
+          </a:p>
+        </p:txBody>
+      </p:sp>
     </p:spTree>
     <p:extLst>
       <p:ext uri="{BB962C8B-B14F-4D97-AF65-F5344CB8AC3E}">
-        <p14:creationId xmlns:p14="http://schemas.microsoft.com/office/powerpoint/2010/main" val="705054846"/>
+        <p14:creationId xmlns:p14="http://schemas.microsoft.com/office/powerpoint/2010/main" val="392565462"/>
       </p:ext>
     </p:extLst>
   </p:cSld>
@@ -16154,7 +16738,7 @@
           <p:cNvPr id="2" name="Title 1">
             <a:extLst>
               <a:ext uri="{FF2B5EF4-FFF2-40B4-BE49-F238E27FC236}">
-                <a16:creationId xmlns:a16="http://schemas.microsoft.com/office/drawing/2014/main" id="{77BD573C-62BA-4A72-A73E-90E442A0BF05}"/>
+                <a16:creationId xmlns:a16="http://schemas.microsoft.com/office/drawing/2014/main" id="{E8593B9F-244D-462B-9327-50A2F7BAE8B1}"/>
               </a:ext>
             </a:extLst>
           </p:cNvPr>
@@ -16172,17 +16756,95 @@
           <a:p>
             <a:r>
               <a:rPr lang="en-IN" dirty="0"/>
-              <a:t>Top 10 by Gross Value – Year 2019 by Month</a:t>
-            </a:r>
+              <a:t>What is being bought – ( 3 of 3)</a:t>
+            </a:r>
+          </a:p>
+        </p:txBody>
+      </p:sp>
+      <p:sp>
+        <p:nvSpPr>
+          <p:cNvPr id="3" name="Content Placeholder 2">
+            <a:extLst>
+              <a:ext uri="{FF2B5EF4-FFF2-40B4-BE49-F238E27FC236}">
+                <a16:creationId xmlns:a16="http://schemas.microsoft.com/office/drawing/2014/main" id="{888D73AF-055F-471A-9441-0A0E3ED5884F}"/>
+              </a:ext>
+            </a:extLst>
+          </p:cNvPr>
+          <p:cNvSpPr>
+            <a:spLocks noGrp="1"/>
+          </p:cNvSpPr>
+          <p:nvPr>
+            <p:ph sz="half" idx="1"/>
+          </p:nvPr>
+        </p:nvSpPr>
+        <p:spPr>
+          <a:xfrm>
+            <a:off x="838200" y="1825625"/>
+            <a:ext cx="3043335" cy="4351338"/>
+          </a:xfrm>
+        </p:spPr>
+        <p:txBody>
+          <a:bodyPr>
+            <a:normAutofit fontScale="92500" lnSpcReduction="10000"/>
+          </a:bodyPr>
+          <a:lstStyle/>
+          <a:p>
+            <a:r>
+              <a:rPr lang="en-IN" dirty="0"/>
+              <a:t>Top 5 Material Group by Gross </a:t>
+            </a:r>
+            <a:r>
+              <a:rPr lang="en-IN" dirty="0" err="1"/>
+              <a:t>Value,contributes</a:t>
+            </a:r>
+            <a:r>
+              <a:rPr lang="en-IN" dirty="0"/>
+              <a:t> 91.2% of the value.</a:t>
+            </a:r>
+          </a:p>
+          <a:p>
+            <a:r>
+              <a:rPr lang="en-IN" dirty="0"/>
+              <a:t>Number of Material by Group - </a:t>
+            </a:r>
+          </a:p>
+          <a:p>
+            <a:endParaRPr lang="en-IN" dirty="0"/>
+          </a:p>
+          <a:p>
+            <a:endParaRPr lang="en-IN" dirty="0"/>
+          </a:p>
+          <a:p>
+            <a:endParaRPr lang="en-IN" sz="2000" dirty="0"/>
+          </a:p>
+          <a:p>
+            <a:endParaRPr lang="en-IN" sz="2000" dirty="0"/>
+          </a:p>
+          <a:p>
+            <a:r>
+              <a:rPr lang="en-IN" sz="1600" dirty="0"/>
+              <a:t>The colour shade is by  number of  PO </a:t>
+            </a:r>
+            <a:r>
+              <a:rPr lang="en-IN" sz="1600" dirty="0" err="1"/>
+              <a:t>issued,darker</a:t>
+            </a:r>
+            <a:r>
+              <a:rPr lang="en-IN" sz="1600" dirty="0"/>
+              <a:t> is more.</a:t>
+            </a:r>
+          </a:p>
+          <a:p>
+            <a:endParaRPr lang="en-IN" dirty="0"/>
           </a:p>
         </p:txBody>
       </p:sp>
       <p:pic>
         <p:nvPicPr>
-          <p:cNvPr id="5" name="Content Placeholder 4">
-            <a:extLst>
-              <a:ext uri="{FF2B5EF4-FFF2-40B4-BE49-F238E27FC236}">
-                <a16:creationId xmlns:a16="http://schemas.microsoft.com/office/drawing/2014/main" id="{EF982135-DF0B-4E35-99DA-77F4491789E2}"/>
+          <p:cNvPr id="8" name="Content Placeholder 7">
+            <a:extLst>
+              <a:ext uri="{FF2B5EF4-FFF2-40B4-BE49-F238E27FC236}">
+                <a16:creationId xmlns:a16="http://schemas.microsoft.com/office/drawing/2014/main" id="{C35F4213-06A4-466E-81EE-BCF8F9005C0C}"/>
               </a:ext>
             </a:extLst>
           </p:cNvPr>
@@ -16190,7 +16852,7 @@
             <a:picLocks noGrp="1" noChangeAspect="1"/>
           </p:cNvPicPr>
           <p:nvPr>
-            <p:ph idx="1"/>
+            <p:ph sz="half" idx="2"/>
           </p:nvPr>
         </p:nvPicPr>
         <p:blipFill>
@@ -16201,15 +16863,74 @@
         </p:blipFill>
         <p:spPr>
           <a:xfrm>
-            <a:off x="1026367" y="1825624"/>
-            <a:ext cx="9066212" cy="4453877"/>
+            <a:off x="3881438" y="1832975"/>
+            <a:ext cx="7472362" cy="4336638"/>
           </a:xfrm>
         </p:spPr>
       </p:pic>
+      <p:pic>
+        <p:nvPicPr>
+          <p:cNvPr id="10" name="Picture 9">
+            <a:extLst>
+              <a:ext uri="{FF2B5EF4-FFF2-40B4-BE49-F238E27FC236}">
+                <a16:creationId xmlns:a16="http://schemas.microsoft.com/office/drawing/2014/main" id="{838C2151-DA27-444A-9E30-065A43A0595B}"/>
+              </a:ext>
+            </a:extLst>
+          </p:cNvPr>
+          <p:cNvPicPr>
+            <a:picLocks noChangeAspect="1"/>
+          </p:cNvPicPr>
+          <p:nvPr/>
+        </p:nvPicPr>
+        <p:blipFill>
+          <a:blip r:embed="rId3"/>
+          <a:stretch>
+            <a:fillRect/>
+          </a:stretch>
+        </p:blipFill>
+        <p:spPr>
+          <a:xfrm>
+            <a:off x="1330390" y="4001294"/>
+            <a:ext cx="1600200" cy="1476375"/>
+          </a:xfrm>
+          <a:prstGeom prst="rect">
+            <a:avLst/>
+          </a:prstGeom>
+        </p:spPr>
+      </p:pic>
+      <p:sp>
+        <p:nvSpPr>
+          <p:cNvPr id="5" name="Slide Number Placeholder 4">
+            <a:extLst>
+              <a:ext uri="{FF2B5EF4-FFF2-40B4-BE49-F238E27FC236}">
+                <a16:creationId xmlns:a16="http://schemas.microsoft.com/office/drawing/2014/main" id="{9373631B-4AD2-A9B7-47E3-A3508F492E82}"/>
+              </a:ext>
+            </a:extLst>
+          </p:cNvPr>
+          <p:cNvSpPr>
+            <a:spLocks noGrp="1"/>
+          </p:cNvSpPr>
+          <p:nvPr>
+            <p:ph type="sldNum" sz="quarter" idx="12"/>
+          </p:nvPr>
+        </p:nvSpPr>
+        <p:spPr/>
+        <p:txBody>
+          <a:bodyPr/>
+          <a:lstStyle/>
+          <a:p>
+            <a:fld id="{4EC590C8-968F-4B97-9FB2-6283B74354EF}" type="slidenum">
+              <a:rPr lang="en-IN" smtClean="0"/>
+              <a:t>28</a:t>
+            </a:fld>
+            <a:endParaRPr lang="en-IN"/>
+          </a:p>
+        </p:txBody>
+      </p:sp>
     </p:spTree>
     <p:extLst>
       <p:ext uri="{BB962C8B-B14F-4D97-AF65-F5344CB8AC3E}">
-        <p14:creationId xmlns:p14="http://schemas.microsoft.com/office/powerpoint/2010/main" val="3907733494"/>
+        <p14:creationId xmlns:p14="http://schemas.microsoft.com/office/powerpoint/2010/main" val="705054846"/>
       </p:ext>
     </p:extLst>
   </p:cSld>
@@ -16259,17 +16980,17 @@
           <a:p>
             <a:r>
               <a:rPr lang="en-IN" dirty="0"/>
-              <a:t>No Of PO Issued- Top 10 by Year 2019 and Month</a:t>
+              <a:t>Top 10 by Gross Value – Year 2019 by Month</a:t>
             </a:r>
           </a:p>
         </p:txBody>
       </p:sp>
       <p:pic>
         <p:nvPicPr>
-          <p:cNvPr id="7" name="Content Placeholder 6">
-            <a:extLst>
-              <a:ext uri="{FF2B5EF4-FFF2-40B4-BE49-F238E27FC236}">
-                <a16:creationId xmlns:a16="http://schemas.microsoft.com/office/drawing/2014/main" id="{A08BFC5D-D01D-4826-81E6-2ECCF325C5DA}"/>
+          <p:cNvPr id="5" name="Content Placeholder 4">
+            <a:extLst>
+              <a:ext uri="{FF2B5EF4-FFF2-40B4-BE49-F238E27FC236}">
+                <a16:creationId xmlns:a16="http://schemas.microsoft.com/office/drawing/2014/main" id="{EF982135-DF0B-4E35-99DA-77F4491789E2}"/>
               </a:ext>
             </a:extLst>
           </p:cNvPr>
@@ -16288,50 +17009,44 @@
         </p:blipFill>
         <p:spPr>
           <a:xfrm>
-            <a:off x="1427585" y="2030899"/>
-            <a:ext cx="9741160" cy="4667250"/>
+            <a:off x="1026367" y="1825624"/>
+            <a:ext cx="9066212" cy="4453877"/>
           </a:xfrm>
         </p:spPr>
       </p:pic>
       <p:sp>
         <p:nvSpPr>
-          <p:cNvPr id="5" name="TextBox 4">
-            <a:extLst>
-              <a:ext uri="{FF2B5EF4-FFF2-40B4-BE49-F238E27FC236}">
-                <a16:creationId xmlns:a16="http://schemas.microsoft.com/office/drawing/2014/main" id="{C0D57E14-7098-4396-9A69-F576D69288A8}"/>
-              </a:ext>
-            </a:extLst>
-          </p:cNvPr>
-          <p:cNvSpPr txBox="1"/>
-          <p:nvPr/>
+          <p:cNvPr id="4" name="Slide Number Placeholder 3">
+            <a:extLst>
+              <a:ext uri="{FF2B5EF4-FFF2-40B4-BE49-F238E27FC236}">
+                <a16:creationId xmlns:a16="http://schemas.microsoft.com/office/drawing/2014/main" id="{9BF3F4D3-BCFF-916A-0558-E09A8D76EBB2}"/>
+              </a:ext>
+            </a:extLst>
+          </p:cNvPr>
+          <p:cNvSpPr>
+            <a:spLocks noGrp="1"/>
+          </p:cNvSpPr>
+          <p:nvPr>
+            <p:ph type="sldNum" sz="quarter" idx="12"/>
+          </p:nvPr>
         </p:nvSpPr>
-        <p:spPr>
-          <a:xfrm>
-            <a:off x="1117341" y="1661567"/>
-            <a:ext cx="6097554" cy="338554"/>
-          </a:xfrm>
-          <a:prstGeom prst="rect">
-            <a:avLst/>
-          </a:prstGeom>
-          <a:noFill/>
-        </p:spPr>
+        <p:spPr/>
         <p:txBody>
-          <a:bodyPr wrap="square">
-            <a:spAutoFit/>
-          </a:bodyPr>
+          <a:bodyPr/>
           <a:lstStyle/>
           <a:p>
-            <a:r>
-              <a:rPr lang="en-IN" sz="1600" dirty="0"/>
-              <a:t>The colour shade is by  number of  PO issued, darker is more.</a:t>
-            </a:r>
+            <a:fld id="{4EC590C8-968F-4B97-9FB2-6283B74354EF}" type="slidenum">
+              <a:rPr lang="en-IN" smtClean="0"/>
+              <a:t>29</a:t>
+            </a:fld>
+            <a:endParaRPr lang="en-IN"/>
           </a:p>
         </p:txBody>
       </p:sp>
     </p:spTree>
     <p:extLst>
       <p:ext uri="{BB962C8B-B14F-4D97-AF65-F5344CB8AC3E}">
-        <p14:creationId xmlns:p14="http://schemas.microsoft.com/office/powerpoint/2010/main" val="3619987714"/>
+        <p14:creationId xmlns:p14="http://schemas.microsoft.com/office/powerpoint/2010/main" val="3907733494"/>
       </p:ext>
     </p:extLst>
   </p:cSld>
@@ -16363,7 +17078,7 @@
           <p:cNvPr id="2" name="Title 1">
             <a:extLst>
               <a:ext uri="{FF2B5EF4-FFF2-40B4-BE49-F238E27FC236}">
-                <a16:creationId xmlns:a16="http://schemas.microsoft.com/office/drawing/2014/main" id="{A12087DB-39AB-493B-B015-D3294F66EDC8}"/>
+                <a16:creationId xmlns:a16="http://schemas.microsoft.com/office/drawing/2014/main" id="{42C1387E-FCB8-4CD8-9F4D-34029072981F}"/>
               </a:ext>
             </a:extLst>
           </p:cNvPr>
@@ -16381,17 +17096,17 @@
           <a:p>
             <a:r>
               <a:rPr lang="en-IN" dirty="0"/>
-              <a:t>About the data</a:t>
+              <a:t>Spend Analytics - Process</a:t>
             </a:r>
           </a:p>
         </p:txBody>
       </p:sp>
       <p:sp>
         <p:nvSpPr>
-          <p:cNvPr id="3" name="Content Placeholder 2">
-            <a:extLst>
-              <a:ext uri="{FF2B5EF4-FFF2-40B4-BE49-F238E27FC236}">
-                <a16:creationId xmlns:a16="http://schemas.microsoft.com/office/drawing/2014/main" id="{713C8D91-CBB4-40FA-8E9E-2CEDFDB0D796}"/>
+          <p:cNvPr id="3" name="Text Placeholder 2">
+            <a:extLst>
+              <a:ext uri="{FF2B5EF4-FFF2-40B4-BE49-F238E27FC236}">
+                <a16:creationId xmlns:a16="http://schemas.microsoft.com/office/drawing/2014/main" id="{F9FFDDFC-7059-4641-93C1-74479748FDE9}"/>
               </a:ext>
             </a:extLst>
           </p:cNvPr>
@@ -16399,96 +17114,51 @@
             <a:spLocks noGrp="1"/>
           </p:cNvSpPr>
           <p:nvPr>
-            <p:ph idx="1"/>
+            <p:ph type="body" idx="1"/>
           </p:nvPr>
         </p:nvSpPr>
         <p:spPr/>
         <p:txBody>
-          <a:bodyPr>
-            <a:normAutofit/>
-          </a:bodyPr>
+          <a:bodyPr/>
           <a:lstStyle/>
           <a:p>
-            <a:r>
-              <a:rPr lang="en-IN" dirty="0"/>
-              <a:t>We started with generating a report on the data </a:t>
-            </a:r>
-          </a:p>
-          <a:p>
-            <a:pPr lvl="1"/>
-            <a:r>
-              <a:rPr lang="en-IN" dirty="0"/>
-              <a:t>Business</a:t>
-            </a:r>
-          </a:p>
-          <a:p>
-            <a:pPr lvl="2"/>
-            <a:r>
-              <a:rPr lang="en-IN" dirty="0"/>
-              <a:t>How much Value spent</a:t>
-            </a:r>
-          </a:p>
-          <a:p>
-            <a:pPr lvl="2"/>
-            <a:r>
-              <a:rPr lang="en-IN" dirty="0"/>
-              <a:t>How many Purchase Orders</a:t>
-            </a:r>
-          </a:p>
-          <a:p>
-            <a:pPr lvl="2"/>
-            <a:r>
-              <a:rPr lang="en-IN" dirty="0"/>
-              <a:t>Date Spread</a:t>
-            </a:r>
-          </a:p>
-          <a:p>
-            <a:pPr lvl="1"/>
-            <a:r>
-              <a:rPr lang="en-IN" dirty="0"/>
-              <a:t>Technical</a:t>
-            </a:r>
-          </a:p>
-          <a:p>
-            <a:pPr lvl="2"/>
-            <a:r>
-              <a:rPr lang="en-IN" dirty="0"/>
-              <a:t>Volume of data </a:t>
-            </a:r>
-          </a:p>
-          <a:p>
-            <a:pPr lvl="2"/>
-            <a:r>
-              <a:rPr lang="en-IN" dirty="0"/>
-              <a:t>Percentage Missing values</a:t>
-            </a:r>
-          </a:p>
-          <a:p>
-            <a:pPr lvl="2"/>
-            <a:r>
-              <a:rPr lang="en-IN" dirty="0"/>
-              <a:t>Percentage of Zero Values</a:t>
-            </a:r>
-          </a:p>
-          <a:p>
-            <a:pPr lvl="2"/>
-            <a:r>
-              <a:rPr lang="en-IN" dirty="0"/>
-              <a:t>Features with single value</a:t>
-            </a:r>
-          </a:p>
-          <a:p>
-            <a:r>
-              <a:rPr lang="en-IN" dirty="0"/>
-              <a:t>Tool Used - Python</a:t>
-            </a:r>
+            <a:endParaRPr lang="en-IN"/>
+          </a:p>
+        </p:txBody>
+      </p:sp>
+      <p:sp>
+        <p:nvSpPr>
+          <p:cNvPr id="5" name="Slide Number Placeholder 4">
+            <a:extLst>
+              <a:ext uri="{FF2B5EF4-FFF2-40B4-BE49-F238E27FC236}">
+                <a16:creationId xmlns:a16="http://schemas.microsoft.com/office/drawing/2014/main" id="{26E5D928-2C09-8C8B-CB4D-26902C6327B0}"/>
+              </a:ext>
+            </a:extLst>
+          </p:cNvPr>
+          <p:cNvSpPr>
+            <a:spLocks noGrp="1"/>
+          </p:cNvSpPr>
+          <p:nvPr>
+            <p:ph type="sldNum" sz="quarter" idx="12"/>
+          </p:nvPr>
+        </p:nvSpPr>
+        <p:spPr/>
+        <p:txBody>
+          <a:bodyPr/>
+          <a:lstStyle/>
+          <a:p>
+            <a:fld id="{4EC590C8-968F-4B97-9FB2-6283B74354EF}" type="slidenum">
+              <a:rPr lang="en-IN" smtClean="0"/>
+              <a:t>3</a:t>
+            </a:fld>
+            <a:endParaRPr lang="en-IN"/>
           </a:p>
         </p:txBody>
       </p:sp>
     </p:spTree>
     <p:extLst>
       <p:ext uri="{BB962C8B-B14F-4D97-AF65-F5344CB8AC3E}">
-        <p14:creationId xmlns:p14="http://schemas.microsoft.com/office/powerpoint/2010/main" val="3238424448"/>
+        <p14:creationId xmlns:p14="http://schemas.microsoft.com/office/powerpoint/2010/main" val="1916144639"/>
       </p:ext>
     </p:extLst>
   </p:cSld>
@@ -16499,6 +17169,157 @@
 </file>
 
 <file path=ppt/slides/slide30.xml><?xml version="1.0" encoding="utf-8"?>
+<p:sld xmlns:a="http://schemas.openxmlformats.org/drawingml/2006/main" xmlns:r="http://schemas.openxmlformats.org/officeDocument/2006/relationships" xmlns:p="http://schemas.openxmlformats.org/presentationml/2006/main">
+  <p:cSld>
+    <p:spTree>
+      <p:nvGrpSpPr>
+        <p:cNvPr id="1" name=""/>
+        <p:cNvGrpSpPr/>
+        <p:nvPr/>
+      </p:nvGrpSpPr>
+      <p:grpSpPr>
+        <a:xfrm>
+          <a:off x="0" y="0"/>
+          <a:ext cx="0" cy="0"/>
+          <a:chOff x="0" y="0"/>
+          <a:chExt cx="0" cy="0"/>
+        </a:xfrm>
+      </p:grpSpPr>
+      <p:sp>
+        <p:nvSpPr>
+          <p:cNvPr id="2" name="Title 1">
+            <a:extLst>
+              <a:ext uri="{FF2B5EF4-FFF2-40B4-BE49-F238E27FC236}">
+                <a16:creationId xmlns:a16="http://schemas.microsoft.com/office/drawing/2014/main" id="{77BD573C-62BA-4A72-A73E-90E442A0BF05}"/>
+              </a:ext>
+            </a:extLst>
+          </p:cNvPr>
+          <p:cNvSpPr>
+            <a:spLocks noGrp="1"/>
+          </p:cNvSpPr>
+          <p:nvPr>
+            <p:ph type="title"/>
+          </p:nvPr>
+        </p:nvSpPr>
+        <p:spPr/>
+        <p:txBody>
+          <a:bodyPr/>
+          <a:lstStyle/>
+          <a:p>
+            <a:r>
+              <a:rPr lang="en-IN" dirty="0"/>
+              <a:t>No Of PO Issued- Top 10 by Year 2019 and Month</a:t>
+            </a:r>
+          </a:p>
+        </p:txBody>
+      </p:sp>
+      <p:pic>
+        <p:nvPicPr>
+          <p:cNvPr id="7" name="Content Placeholder 6">
+            <a:extLst>
+              <a:ext uri="{FF2B5EF4-FFF2-40B4-BE49-F238E27FC236}">
+                <a16:creationId xmlns:a16="http://schemas.microsoft.com/office/drawing/2014/main" id="{A08BFC5D-D01D-4826-81E6-2ECCF325C5DA}"/>
+              </a:ext>
+            </a:extLst>
+          </p:cNvPr>
+          <p:cNvPicPr>
+            <a:picLocks noGrp="1" noChangeAspect="1"/>
+          </p:cNvPicPr>
+          <p:nvPr>
+            <p:ph idx="1"/>
+          </p:nvPr>
+        </p:nvPicPr>
+        <p:blipFill>
+          <a:blip r:embed="rId2"/>
+          <a:stretch>
+            <a:fillRect/>
+          </a:stretch>
+        </p:blipFill>
+        <p:spPr>
+          <a:xfrm>
+            <a:off x="1427585" y="2030899"/>
+            <a:ext cx="9741160" cy="4667250"/>
+          </a:xfrm>
+        </p:spPr>
+      </p:pic>
+      <p:sp>
+        <p:nvSpPr>
+          <p:cNvPr id="5" name="TextBox 4">
+            <a:extLst>
+              <a:ext uri="{FF2B5EF4-FFF2-40B4-BE49-F238E27FC236}">
+                <a16:creationId xmlns:a16="http://schemas.microsoft.com/office/drawing/2014/main" id="{C0D57E14-7098-4396-9A69-F576D69288A8}"/>
+              </a:ext>
+            </a:extLst>
+          </p:cNvPr>
+          <p:cNvSpPr txBox="1"/>
+          <p:nvPr/>
+        </p:nvSpPr>
+        <p:spPr>
+          <a:xfrm>
+            <a:off x="1117341" y="1661567"/>
+            <a:ext cx="6097554" cy="338554"/>
+          </a:xfrm>
+          <a:prstGeom prst="rect">
+            <a:avLst/>
+          </a:prstGeom>
+          <a:noFill/>
+        </p:spPr>
+        <p:txBody>
+          <a:bodyPr wrap="square">
+            <a:spAutoFit/>
+          </a:bodyPr>
+          <a:lstStyle/>
+          <a:p>
+            <a:r>
+              <a:rPr lang="en-IN" sz="1600" dirty="0"/>
+              <a:t>The colour shade is by  number of  PO issued, darker is more.</a:t>
+            </a:r>
+          </a:p>
+        </p:txBody>
+      </p:sp>
+      <p:sp>
+        <p:nvSpPr>
+          <p:cNvPr id="4" name="Slide Number Placeholder 3">
+            <a:extLst>
+              <a:ext uri="{FF2B5EF4-FFF2-40B4-BE49-F238E27FC236}">
+                <a16:creationId xmlns:a16="http://schemas.microsoft.com/office/drawing/2014/main" id="{699052B7-24FC-E866-20DF-B86B2D093CFA}"/>
+              </a:ext>
+            </a:extLst>
+          </p:cNvPr>
+          <p:cNvSpPr>
+            <a:spLocks noGrp="1"/>
+          </p:cNvSpPr>
+          <p:nvPr>
+            <p:ph type="sldNum" sz="quarter" idx="12"/>
+          </p:nvPr>
+        </p:nvSpPr>
+        <p:spPr/>
+        <p:txBody>
+          <a:bodyPr/>
+          <a:lstStyle/>
+          <a:p>
+            <a:fld id="{4EC590C8-968F-4B97-9FB2-6283B74354EF}" type="slidenum">
+              <a:rPr lang="en-IN" smtClean="0"/>
+              <a:t>30</a:t>
+            </a:fld>
+            <a:endParaRPr lang="en-IN"/>
+          </a:p>
+        </p:txBody>
+      </p:sp>
+    </p:spTree>
+    <p:extLst>
+      <p:ext uri="{BB962C8B-B14F-4D97-AF65-F5344CB8AC3E}">
+        <p14:creationId xmlns:p14="http://schemas.microsoft.com/office/powerpoint/2010/main" val="3619987714"/>
+      </p:ext>
+    </p:extLst>
+  </p:cSld>
+  <p:clrMapOvr>
+    <a:masterClrMapping/>
+  </p:clrMapOvr>
+</p:sld>
+</file>
+
+<file path=ppt/slides/slide31.xml><?xml version="1.0" encoding="utf-8"?>
 <p:sld xmlns:a="http://schemas.openxmlformats.org/drawingml/2006/main" xmlns:r="http://schemas.openxmlformats.org/officeDocument/2006/relationships" xmlns:p="http://schemas.openxmlformats.org/presentationml/2006/main">
   <p:cSld>
     <p:spTree>
@@ -17362,42 +18183,12 @@
           </a:graphicData>
         </a:graphic>
       </p:graphicFrame>
-    </p:spTree>
-    <p:extLst>
-      <p:ext uri="{BB962C8B-B14F-4D97-AF65-F5344CB8AC3E}">
-        <p14:creationId xmlns:p14="http://schemas.microsoft.com/office/powerpoint/2010/main" val="2968615999"/>
-      </p:ext>
-    </p:extLst>
-  </p:cSld>
-  <p:clrMapOvr>
-    <a:masterClrMapping/>
-  </p:clrMapOvr>
-</p:sld>
-</file>
-
-<file path=ppt/slides/slide31.xml><?xml version="1.0" encoding="utf-8"?>
-<p:sld xmlns:a="http://schemas.openxmlformats.org/drawingml/2006/main" xmlns:r="http://schemas.openxmlformats.org/officeDocument/2006/relationships" xmlns:p="http://schemas.openxmlformats.org/presentationml/2006/main">
-  <p:cSld>
-    <p:spTree>
-      <p:nvGrpSpPr>
-        <p:cNvPr id="1" name=""/>
-        <p:cNvGrpSpPr/>
-        <p:nvPr/>
-      </p:nvGrpSpPr>
-      <p:grpSpPr>
-        <a:xfrm>
-          <a:off x="0" y="0"/>
-          <a:ext cx="0" cy="0"/>
-          <a:chOff x="0" y="0"/>
-          <a:chExt cx="0" cy="0"/>
-        </a:xfrm>
-      </p:grpSpPr>
       <p:sp>
         <p:nvSpPr>
-          <p:cNvPr id="2" name="Title 1">
-            <a:extLst>
-              <a:ext uri="{FF2B5EF4-FFF2-40B4-BE49-F238E27FC236}">
-                <a16:creationId xmlns:a16="http://schemas.microsoft.com/office/drawing/2014/main" id="{C4671CEE-9C83-4276-A52E-925DE854FD58}"/>
+          <p:cNvPr id="5" name="Slide Number Placeholder 4">
+            <a:extLst>
+              <a:ext uri="{FF2B5EF4-FFF2-40B4-BE49-F238E27FC236}">
+                <a16:creationId xmlns:a16="http://schemas.microsoft.com/office/drawing/2014/main" id="{86CBE4C8-9FB6-6CB5-A065-15CEA0B3D344}"/>
               </a:ext>
             </a:extLst>
           </p:cNvPr>
@@ -17405,7 +18196,7 @@
             <a:spLocks noGrp="1"/>
           </p:cNvSpPr>
           <p:nvPr>
-            <p:ph type="ctrTitle"/>
+            <p:ph type="sldNum" sz="quarter" idx="12"/>
           </p:nvPr>
         </p:nvSpPr>
         <p:spPr/>
@@ -17413,34 +18204,10 @@
           <a:bodyPr/>
           <a:lstStyle/>
           <a:p>
-            <a:r>
-              <a:rPr lang="en-IN" dirty="0"/>
-              <a:t>Spend Analytics - Cluster </a:t>
-            </a:r>
-          </a:p>
-        </p:txBody>
-      </p:sp>
-      <p:sp>
-        <p:nvSpPr>
-          <p:cNvPr id="3" name="Subtitle 2">
-            <a:extLst>
-              <a:ext uri="{FF2B5EF4-FFF2-40B4-BE49-F238E27FC236}">
-                <a16:creationId xmlns:a16="http://schemas.microsoft.com/office/drawing/2014/main" id="{D3FAB4B2-B64F-42DA-A335-2C12EB29BF1A}"/>
-              </a:ext>
-            </a:extLst>
-          </p:cNvPr>
-          <p:cNvSpPr>
-            <a:spLocks noGrp="1"/>
-          </p:cNvSpPr>
-          <p:nvPr>
-            <p:ph type="subTitle" idx="1"/>
-          </p:nvPr>
-        </p:nvSpPr>
-        <p:spPr/>
-        <p:txBody>
-          <a:bodyPr/>
-          <a:lstStyle/>
-          <a:p>
+            <a:fld id="{4EC590C8-968F-4B97-9FB2-6283B74354EF}" type="slidenum">
+              <a:rPr lang="en-IN" smtClean="0"/>
+              <a:t>31</a:t>
+            </a:fld>
             <a:endParaRPr lang="en-IN"/>
           </a:p>
         </p:txBody>
@@ -17448,7 +18215,7 @@
     </p:spTree>
     <p:extLst>
       <p:ext uri="{BB962C8B-B14F-4D97-AF65-F5344CB8AC3E}">
-        <p14:creationId xmlns:p14="http://schemas.microsoft.com/office/powerpoint/2010/main" val="409152554"/>
+        <p14:creationId xmlns:p14="http://schemas.microsoft.com/office/powerpoint/2010/main" val="2968615999"/>
       </p:ext>
     </p:extLst>
   </p:cSld>
@@ -17480,7 +18247,7 @@
           <p:cNvPr id="2" name="Title 1">
             <a:extLst>
               <a:ext uri="{FF2B5EF4-FFF2-40B4-BE49-F238E27FC236}">
-                <a16:creationId xmlns:a16="http://schemas.microsoft.com/office/drawing/2014/main" id="{EA13E92B-2DF1-450E-AB0B-D6AE86542973}"/>
+                <a16:creationId xmlns:a16="http://schemas.microsoft.com/office/drawing/2014/main" id="{C4671CEE-9C83-4276-A52E-925DE854FD58}"/>
               </a:ext>
             </a:extLst>
           </p:cNvPr>
@@ -17488,7 +18255,7 @@
             <a:spLocks noGrp="1"/>
           </p:cNvSpPr>
           <p:nvPr>
-            <p:ph type="title"/>
+            <p:ph type="ctrTitle"/>
           </p:nvPr>
         </p:nvSpPr>
         <p:spPr/>
@@ -17498,17 +18265,17 @@
           <a:p>
             <a:r>
               <a:rPr lang="en-IN" dirty="0"/>
-              <a:t>Cluster </a:t>
+              <a:t>Spend Analytics - Cluster </a:t>
             </a:r>
           </a:p>
         </p:txBody>
       </p:sp>
       <p:sp>
         <p:nvSpPr>
-          <p:cNvPr id="3" name="Content Placeholder 2">
-            <a:extLst>
-              <a:ext uri="{FF2B5EF4-FFF2-40B4-BE49-F238E27FC236}">
-                <a16:creationId xmlns:a16="http://schemas.microsoft.com/office/drawing/2014/main" id="{9A156F19-DE88-47A7-A678-2BBF8203777A}"/>
+          <p:cNvPr id="3" name="Subtitle 2">
+            <a:extLst>
+              <a:ext uri="{FF2B5EF4-FFF2-40B4-BE49-F238E27FC236}">
+                <a16:creationId xmlns:a16="http://schemas.microsoft.com/office/drawing/2014/main" id="{D3FAB4B2-B64F-42DA-A335-2C12EB29BF1A}"/>
               </a:ext>
             </a:extLst>
           </p:cNvPr>
@@ -17516,7 +18283,7 @@
             <a:spLocks noGrp="1"/>
           </p:cNvSpPr>
           <p:nvPr>
-            <p:ph idx="1"/>
+            <p:ph type="subTitle" idx="1"/>
           </p:nvPr>
         </p:nvSpPr>
         <p:spPr/>
@@ -17524,80 +18291,43 @@
           <a:bodyPr/>
           <a:lstStyle/>
           <a:p>
-            <a:r>
-              <a:rPr lang="en-IN" dirty="0"/>
-              <a:t>Objective - Cluster items with similar purchasing patterns</a:t>
-            </a:r>
-          </a:p>
-          <a:p>
-            <a:r>
-              <a:rPr lang="en-IN" dirty="0"/>
-              <a:t>Data Used –</a:t>
-            </a:r>
-          </a:p>
-          <a:p>
-            <a:pPr lvl="1"/>
-            <a:r>
-              <a:rPr lang="en-IN" dirty="0"/>
-              <a:t>Removed Assets and Services Material  Group</a:t>
-            </a:r>
-          </a:p>
-          <a:p>
-            <a:pPr lvl="1"/>
-            <a:r>
-              <a:rPr lang="en-IN" dirty="0"/>
-              <a:t>Summarised data by Material name ( Short Text ) </a:t>
-            </a:r>
-          </a:p>
-          <a:p>
-            <a:pPr lvl="3"/>
-            <a:r>
-              <a:rPr lang="en-IN" dirty="0"/>
-              <a:t>There are 6248 unique Material name</a:t>
-            </a:r>
-          </a:p>
-          <a:p>
-            <a:pPr lvl="1"/>
-            <a:r>
-              <a:rPr lang="en-IN" dirty="0"/>
-              <a:t>Computed these values for the Materials - </a:t>
-            </a:r>
-          </a:p>
-          <a:p>
-            <a:pPr marL="1428750" lvl="2" indent="-514350">
-              <a:buFont typeface="+mj-lt"/>
-              <a:buAutoNum type="romanUcPeriod"/>
-            </a:pPr>
-            <a:r>
-              <a:rPr lang="en-IN" dirty="0"/>
-              <a:t>Count number of times the item is bought</a:t>
-            </a:r>
-          </a:p>
-          <a:p>
-            <a:pPr marL="1428750" lvl="2" indent="-514350">
-              <a:buFont typeface="+mj-lt"/>
-              <a:buAutoNum type="romanUcPeriod"/>
-            </a:pPr>
-            <a:r>
-              <a:rPr lang="en-IN" dirty="0"/>
-              <a:t>Sum  Gross Value</a:t>
-            </a:r>
-          </a:p>
-          <a:p>
-            <a:r>
-              <a:rPr lang="en-IN" dirty="0"/>
-              <a:t>Use this summarised data for clustering purpose.</a:t>
-            </a:r>
-          </a:p>
-          <a:p>
-            <a:endParaRPr lang="en-IN" dirty="0"/>
+            <a:endParaRPr lang="en-IN"/>
+          </a:p>
+        </p:txBody>
+      </p:sp>
+      <p:sp>
+        <p:nvSpPr>
+          <p:cNvPr id="5" name="Slide Number Placeholder 4">
+            <a:extLst>
+              <a:ext uri="{FF2B5EF4-FFF2-40B4-BE49-F238E27FC236}">
+                <a16:creationId xmlns:a16="http://schemas.microsoft.com/office/drawing/2014/main" id="{A94BFFF9-7AB8-42BF-E9A6-89E795757FBE}"/>
+              </a:ext>
+            </a:extLst>
+          </p:cNvPr>
+          <p:cNvSpPr>
+            <a:spLocks noGrp="1"/>
+          </p:cNvSpPr>
+          <p:nvPr>
+            <p:ph type="sldNum" sz="quarter" idx="12"/>
+          </p:nvPr>
+        </p:nvSpPr>
+        <p:spPr/>
+        <p:txBody>
+          <a:bodyPr/>
+          <a:lstStyle/>
+          <a:p>
+            <a:fld id="{4EC590C8-968F-4B97-9FB2-6283B74354EF}" type="slidenum">
+              <a:rPr lang="en-IN" smtClean="0"/>
+              <a:t>32</a:t>
+            </a:fld>
+            <a:endParaRPr lang="en-IN"/>
           </a:p>
         </p:txBody>
       </p:sp>
     </p:spTree>
     <p:extLst>
       <p:ext uri="{BB962C8B-B14F-4D97-AF65-F5344CB8AC3E}">
-        <p14:creationId xmlns:p14="http://schemas.microsoft.com/office/powerpoint/2010/main" val="716203358"/>
+        <p14:creationId xmlns:p14="http://schemas.microsoft.com/office/powerpoint/2010/main" val="409152554"/>
       </p:ext>
     </p:extLst>
   </p:cSld>
@@ -17629,7 +18359,7 @@
           <p:cNvPr id="2" name="Title 1">
             <a:extLst>
               <a:ext uri="{FF2B5EF4-FFF2-40B4-BE49-F238E27FC236}">
-                <a16:creationId xmlns:a16="http://schemas.microsoft.com/office/drawing/2014/main" id="{7CE4BACB-CE41-4A5C-9F17-88780A9B1CC3}"/>
+                <a16:creationId xmlns:a16="http://schemas.microsoft.com/office/drawing/2014/main" id="{EA13E92B-2DF1-450E-AB0B-D6AE86542973}"/>
               </a:ext>
             </a:extLst>
           </p:cNvPr>
@@ -17647,7 +18377,7 @@
           <a:p>
             <a:r>
               <a:rPr lang="en-IN" dirty="0"/>
-              <a:t>Elbow Method</a:t>
+              <a:t>Cluster </a:t>
             </a:r>
           </a:p>
         </p:txBody>
@@ -17657,7 +18387,7 @@
           <p:cNvPr id="3" name="Content Placeholder 2">
             <a:extLst>
               <a:ext uri="{FF2B5EF4-FFF2-40B4-BE49-F238E27FC236}">
-                <a16:creationId xmlns:a16="http://schemas.microsoft.com/office/drawing/2014/main" id="{0A56223F-BDB6-4300-9338-42E51261551B}"/>
+                <a16:creationId xmlns:a16="http://schemas.microsoft.com/office/drawing/2014/main" id="{9A156F19-DE88-47A7-A678-2BBF8203777A}"/>
               </a:ext>
             </a:extLst>
           </p:cNvPr>
@@ -17670,46 +18400,72 @@
         </p:nvSpPr>
         <p:spPr/>
         <p:txBody>
-          <a:bodyPr>
-            <a:normAutofit/>
-          </a:bodyPr>
+          <a:bodyPr/>
           <a:lstStyle/>
           <a:p>
             <a:r>
               <a:rPr lang="en-IN" dirty="0"/>
-              <a:t>Using Elbow method, get the number of clusters for </a:t>
-            </a:r>
-            <a:r>
-              <a:rPr lang="en-IN" dirty="0" err="1"/>
-              <a:t>kmeans</a:t>
-            </a:r>
+              <a:t>Objective - Cluster items with similar purchasing patterns</a:t>
+            </a:r>
+          </a:p>
+          <a:p>
             <a:r>
               <a:rPr lang="en-IN" dirty="0"/>
-              <a:t>.</a:t>
-            </a:r>
-          </a:p>
-          <a:p>
-            <a:endParaRPr lang="en-IN" dirty="0"/>
-          </a:p>
-          <a:p>
-            <a:endParaRPr lang="en-IN" dirty="0"/>
-          </a:p>
-          <a:p>
-            <a:endParaRPr lang="en-IN" dirty="0"/>
-          </a:p>
-          <a:p>
-            <a:endParaRPr lang="en-IN" dirty="0"/>
-          </a:p>
-          <a:p>
-            <a:endParaRPr lang="en-IN" dirty="0"/>
-          </a:p>
-          <a:p>
-            <a:endParaRPr lang="en-IN" dirty="0"/>
-          </a:p>
-          <a:p>
+              <a:t>Data Used –</a:t>
+            </a:r>
+          </a:p>
+          <a:p>
+            <a:pPr lvl="1"/>
             <a:r>
               <a:rPr lang="en-IN" dirty="0"/>
-              <a:t>The recommendation for number of cluster is 4.</a:t>
+              <a:t>Removed Assets and Services Material  Group</a:t>
+            </a:r>
+          </a:p>
+          <a:p>
+            <a:pPr lvl="1"/>
+            <a:r>
+              <a:rPr lang="en-IN" dirty="0"/>
+              <a:t>Summarised data by Material name ( Short Text ) </a:t>
+            </a:r>
+          </a:p>
+          <a:p>
+            <a:pPr lvl="3"/>
+            <a:r>
+              <a:rPr lang="en-IN" dirty="0"/>
+              <a:t>There are 6248 unique Material name</a:t>
+            </a:r>
+          </a:p>
+          <a:p>
+            <a:pPr lvl="1"/>
+            <a:r>
+              <a:rPr lang="en-IN" dirty="0"/>
+              <a:t>Computed these values for the Materials - </a:t>
+            </a:r>
+          </a:p>
+          <a:p>
+            <a:pPr marL="1428750" lvl="2" indent="-514350">
+              <a:buFont typeface="+mj-lt"/>
+              <a:buAutoNum type="romanUcPeriod"/>
+            </a:pPr>
+            <a:r>
+              <a:rPr lang="en-IN" dirty="0"/>
+              <a:t>Count number of times the item is bought</a:t>
+            </a:r>
+          </a:p>
+          <a:p>
+            <a:pPr marL="1428750" lvl="2" indent="-514350">
+              <a:buFont typeface="+mj-lt"/>
+              <a:buAutoNum type="romanUcPeriod"/>
+            </a:pPr>
+            <a:r>
+              <a:rPr lang="en-IN" dirty="0"/>
+              <a:t>Sum  Gross Value</a:t>
+            </a:r>
+          </a:p>
+          <a:p>
+            <a:r>
+              <a:rPr lang="en-IN" dirty="0"/>
+              <a:t>Use this summarised data for clustering purpose.</a:t>
             </a:r>
           </a:p>
           <a:p>
@@ -17717,40 +18473,39 @@
           </a:p>
         </p:txBody>
       </p:sp>
-      <p:pic>
-        <p:nvPicPr>
-          <p:cNvPr id="5" name="Picture 4">
-            <a:extLst>
-              <a:ext uri="{FF2B5EF4-FFF2-40B4-BE49-F238E27FC236}">
-                <a16:creationId xmlns:a16="http://schemas.microsoft.com/office/drawing/2014/main" id="{468C0A3C-4763-484A-8367-BE5600200A2E}"/>
-              </a:ext>
-            </a:extLst>
-          </p:cNvPr>
-          <p:cNvPicPr>
-            <a:picLocks noChangeAspect="1"/>
-          </p:cNvPicPr>
-          <p:nvPr/>
-        </p:nvPicPr>
-        <p:blipFill>
-          <a:blip r:embed="rId3"/>
-          <a:stretch>
-            <a:fillRect/>
-          </a:stretch>
-        </p:blipFill>
-        <p:spPr>
-          <a:xfrm>
-            <a:off x="1213526" y="2305050"/>
-            <a:ext cx="9220200" cy="3024939"/>
-          </a:xfrm>
-          <a:prstGeom prst="rect">
-            <a:avLst/>
-          </a:prstGeom>
-        </p:spPr>
-      </p:pic>
+      <p:sp>
+        <p:nvSpPr>
+          <p:cNvPr id="5" name="Slide Number Placeholder 4">
+            <a:extLst>
+              <a:ext uri="{FF2B5EF4-FFF2-40B4-BE49-F238E27FC236}">
+                <a16:creationId xmlns:a16="http://schemas.microsoft.com/office/drawing/2014/main" id="{DD0762CB-F88A-3ACE-4144-B5F42D7CED6C}"/>
+              </a:ext>
+            </a:extLst>
+          </p:cNvPr>
+          <p:cNvSpPr>
+            <a:spLocks noGrp="1"/>
+          </p:cNvSpPr>
+          <p:nvPr>
+            <p:ph type="sldNum" sz="quarter" idx="12"/>
+          </p:nvPr>
+        </p:nvSpPr>
+        <p:spPr/>
+        <p:txBody>
+          <a:bodyPr/>
+          <a:lstStyle/>
+          <a:p>
+            <a:fld id="{4EC590C8-968F-4B97-9FB2-6283B74354EF}" type="slidenum">
+              <a:rPr lang="en-IN" smtClean="0"/>
+              <a:t>33</a:t>
+            </a:fld>
+            <a:endParaRPr lang="en-IN"/>
+          </a:p>
+        </p:txBody>
+      </p:sp>
     </p:spTree>
     <p:extLst>
       <p:ext uri="{BB962C8B-B14F-4D97-AF65-F5344CB8AC3E}">
-        <p14:creationId xmlns:p14="http://schemas.microsoft.com/office/powerpoint/2010/main" val="4238188777"/>
+        <p14:creationId xmlns:p14="http://schemas.microsoft.com/office/powerpoint/2010/main" val="716203358"/>
       </p:ext>
     </p:extLst>
   </p:cSld>
@@ -17782,6 +18537,188 @@
           <p:cNvPr id="2" name="Title 1">
             <a:extLst>
               <a:ext uri="{FF2B5EF4-FFF2-40B4-BE49-F238E27FC236}">
+                <a16:creationId xmlns:a16="http://schemas.microsoft.com/office/drawing/2014/main" id="{7CE4BACB-CE41-4A5C-9F17-88780A9B1CC3}"/>
+              </a:ext>
+            </a:extLst>
+          </p:cNvPr>
+          <p:cNvSpPr>
+            <a:spLocks noGrp="1"/>
+          </p:cNvSpPr>
+          <p:nvPr>
+            <p:ph type="title"/>
+          </p:nvPr>
+        </p:nvSpPr>
+        <p:spPr/>
+        <p:txBody>
+          <a:bodyPr/>
+          <a:lstStyle/>
+          <a:p>
+            <a:r>
+              <a:rPr lang="en-IN" dirty="0"/>
+              <a:t>Elbow Method</a:t>
+            </a:r>
+          </a:p>
+        </p:txBody>
+      </p:sp>
+      <p:sp>
+        <p:nvSpPr>
+          <p:cNvPr id="3" name="Content Placeholder 2">
+            <a:extLst>
+              <a:ext uri="{FF2B5EF4-FFF2-40B4-BE49-F238E27FC236}">
+                <a16:creationId xmlns:a16="http://schemas.microsoft.com/office/drawing/2014/main" id="{0A56223F-BDB6-4300-9338-42E51261551B}"/>
+              </a:ext>
+            </a:extLst>
+          </p:cNvPr>
+          <p:cNvSpPr>
+            <a:spLocks noGrp="1"/>
+          </p:cNvSpPr>
+          <p:nvPr>
+            <p:ph idx="1"/>
+          </p:nvPr>
+        </p:nvSpPr>
+        <p:spPr/>
+        <p:txBody>
+          <a:bodyPr>
+            <a:normAutofit/>
+          </a:bodyPr>
+          <a:lstStyle/>
+          <a:p>
+            <a:r>
+              <a:rPr lang="en-IN" dirty="0"/>
+              <a:t>Using Elbow method, get the number of clusters for </a:t>
+            </a:r>
+            <a:r>
+              <a:rPr lang="en-IN" dirty="0" err="1"/>
+              <a:t>kmeans</a:t>
+            </a:r>
+            <a:r>
+              <a:rPr lang="en-IN" dirty="0"/>
+              <a:t>.</a:t>
+            </a:r>
+          </a:p>
+          <a:p>
+            <a:endParaRPr lang="en-IN" dirty="0"/>
+          </a:p>
+          <a:p>
+            <a:endParaRPr lang="en-IN" dirty="0"/>
+          </a:p>
+          <a:p>
+            <a:endParaRPr lang="en-IN" dirty="0"/>
+          </a:p>
+          <a:p>
+            <a:endParaRPr lang="en-IN" dirty="0"/>
+          </a:p>
+          <a:p>
+            <a:endParaRPr lang="en-IN" dirty="0"/>
+          </a:p>
+          <a:p>
+            <a:endParaRPr lang="en-IN" dirty="0"/>
+          </a:p>
+          <a:p>
+            <a:r>
+              <a:rPr lang="en-IN" dirty="0"/>
+              <a:t>The recommendation for number of cluster is 4.</a:t>
+            </a:r>
+          </a:p>
+          <a:p>
+            <a:endParaRPr lang="en-IN" dirty="0"/>
+          </a:p>
+        </p:txBody>
+      </p:sp>
+      <p:pic>
+        <p:nvPicPr>
+          <p:cNvPr id="5" name="Picture 4">
+            <a:extLst>
+              <a:ext uri="{FF2B5EF4-FFF2-40B4-BE49-F238E27FC236}">
+                <a16:creationId xmlns:a16="http://schemas.microsoft.com/office/drawing/2014/main" id="{468C0A3C-4763-484A-8367-BE5600200A2E}"/>
+              </a:ext>
+            </a:extLst>
+          </p:cNvPr>
+          <p:cNvPicPr>
+            <a:picLocks noChangeAspect="1"/>
+          </p:cNvPicPr>
+          <p:nvPr/>
+        </p:nvPicPr>
+        <p:blipFill>
+          <a:blip r:embed="rId3"/>
+          <a:stretch>
+            <a:fillRect/>
+          </a:stretch>
+        </p:blipFill>
+        <p:spPr>
+          <a:xfrm>
+            <a:off x="1213526" y="2305050"/>
+            <a:ext cx="9220200" cy="3024939"/>
+          </a:xfrm>
+          <a:prstGeom prst="rect">
+            <a:avLst/>
+          </a:prstGeom>
+        </p:spPr>
+      </p:pic>
+      <p:sp>
+        <p:nvSpPr>
+          <p:cNvPr id="6" name="Slide Number Placeholder 5">
+            <a:extLst>
+              <a:ext uri="{FF2B5EF4-FFF2-40B4-BE49-F238E27FC236}">
+                <a16:creationId xmlns:a16="http://schemas.microsoft.com/office/drawing/2014/main" id="{449AC12A-02DB-38ED-8632-E15182279CA9}"/>
+              </a:ext>
+            </a:extLst>
+          </p:cNvPr>
+          <p:cNvSpPr>
+            <a:spLocks noGrp="1"/>
+          </p:cNvSpPr>
+          <p:nvPr>
+            <p:ph type="sldNum" sz="quarter" idx="12"/>
+          </p:nvPr>
+        </p:nvSpPr>
+        <p:spPr/>
+        <p:txBody>
+          <a:bodyPr/>
+          <a:lstStyle/>
+          <a:p>
+            <a:fld id="{4EC590C8-968F-4B97-9FB2-6283B74354EF}" type="slidenum">
+              <a:rPr lang="en-IN" smtClean="0"/>
+              <a:t>34</a:t>
+            </a:fld>
+            <a:endParaRPr lang="en-IN"/>
+          </a:p>
+        </p:txBody>
+      </p:sp>
+    </p:spTree>
+    <p:extLst>
+      <p:ext uri="{BB962C8B-B14F-4D97-AF65-F5344CB8AC3E}">
+        <p14:creationId xmlns:p14="http://schemas.microsoft.com/office/powerpoint/2010/main" val="4238188777"/>
+      </p:ext>
+    </p:extLst>
+  </p:cSld>
+  <p:clrMapOvr>
+    <a:masterClrMapping/>
+  </p:clrMapOvr>
+</p:sld>
+</file>
+
+<file path=ppt/slides/slide35.xml><?xml version="1.0" encoding="utf-8"?>
+<p:sld xmlns:a="http://schemas.openxmlformats.org/drawingml/2006/main" xmlns:r="http://schemas.openxmlformats.org/officeDocument/2006/relationships" xmlns:p="http://schemas.openxmlformats.org/presentationml/2006/main">
+  <p:cSld>
+    <p:spTree>
+      <p:nvGrpSpPr>
+        <p:cNvPr id="1" name=""/>
+        <p:cNvGrpSpPr/>
+        <p:nvPr/>
+      </p:nvGrpSpPr>
+      <p:grpSpPr>
+        <a:xfrm>
+          <a:off x="0" y="0"/>
+          <a:ext cx="0" cy="0"/>
+          <a:chOff x="0" y="0"/>
+          <a:chExt cx="0" cy="0"/>
+        </a:xfrm>
+      </p:grpSpPr>
+      <p:sp>
+        <p:nvSpPr>
+          <p:cNvPr id="2" name="Title 1">
+            <a:extLst>
+              <a:ext uri="{FF2B5EF4-FFF2-40B4-BE49-F238E27FC236}">
                 <a16:creationId xmlns:a16="http://schemas.microsoft.com/office/drawing/2014/main" id="{0F9ABB76-3D0B-40C4-88BC-F56DD56F4E86}"/>
               </a:ext>
             </a:extLst>
@@ -17910,6 +18847,35 @@
           </a:xfrm>
         </p:spPr>
       </p:pic>
+      <p:sp>
+        <p:nvSpPr>
+          <p:cNvPr id="5" name="Slide Number Placeholder 4">
+            <a:extLst>
+              <a:ext uri="{FF2B5EF4-FFF2-40B4-BE49-F238E27FC236}">
+                <a16:creationId xmlns:a16="http://schemas.microsoft.com/office/drawing/2014/main" id="{F2FB1945-94CA-A6D8-837D-D791306B61F7}"/>
+              </a:ext>
+            </a:extLst>
+          </p:cNvPr>
+          <p:cNvSpPr>
+            <a:spLocks noGrp="1"/>
+          </p:cNvSpPr>
+          <p:nvPr>
+            <p:ph type="sldNum" sz="quarter" idx="12"/>
+          </p:nvPr>
+        </p:nvSpPr>
+        <p:spPr/>
+        <p:txBody>
+          <a:bodyPr/>
+          <a:lstStyle/>
+          <a:p>
+            <a:fld id="{4EC590C8-968F-4B97-9FB2-6283B74354EF}" type="slidenum">
+              <a:rPr lang="en-IN" smtClean="0"/>
+              <a:t>35</a:t>
+            </a:fld>
+            <a:endParaRPr lang="en-IN"/>
+          </a:p>
+        </p:txBody>
+      </p:sp>
     </p:spTree>
     <p:extLst>
       <p:ext uri="{BB962C8B-B14F-4D97-AF65-F5344CB8AC3E}">
@@ -17923,7 +18889,7 @@
 </p:sld>
 </file>
 
-<file path=ppt/slides/slide35.xml><?xml version="1.0" encoding="utf-8"?>
+<file path=ppt/slides/slide36.xml><?xml version="1.0" encoding="utf-8"?>
 <p:sld xmlns:a="http://schemas.openxmlformats.org/drawingml/2006/main" xmlns:r="http://schemas.openxmlformats.org/officeDocument/2006/relationships" xmlns:p="http://schemas.openxmlformats.org/presentationml/2006/main">
   <p:cSld>
     <p:spTree>
@@ -19543,42 +20509,12 @@
           </a:graphicData>
         </a:graphic>
       </p:graphicFrame>
-    </p:spTree>
-    <p:extLst>
-      <p:ext uri="{BB962C8B-B14F-4D97-AF65-F5344CB8AC3E}">
-        <p14:creationId xmlns:p14="http://schemas.microsoft.com/office/powerpoint/2010/main" val="1164675127"/>
-      </p:ext>
-    </p:extLst>
-  </p:cSld>
-  <p:clrMapOvr>
-    <a:masterClrMapping/>
-  </p:clrMapOvr>
-</p:sld>
-</file>
-
-<file path=ppt/slides/slide36.xml><?xml version="1.0" encoding="utf-8"?>
-<p:sld xmlns:a="http://schemas.openxmlformats.org/drawingml/2006/main" xmlns:r="http://schemas.openxmlformats.org/officeDocument/2006/relationships" xmlns:p="http://schemas.openxmlformats.org/presentationml/2006/main">
-  <p:cSld>
-    <p:spTree>
-      <p:nvGrpSpPr>
-        <p:cNvPr id="1" name=""/>
-        <p:cNvGrpSpPr/>
-        <p:nvPr/>
-      </p:nvGrpSpPr>
-      <p:grpSpPr>
-        <a:xfrm>
-          <a:off x="0" y="0"/>
-          <a:ext cx="0" cy="0"/>
-          <a:chOff x="0" y="0"/>
-          <a:chExt cx="0" cy="0"/>
-        </a:xfrm>
-      </p:grpSpPr>
       <p:sp>
         <p:nvSpPr>
-          <p:cNvPr id="2" name="Title 1">
-            <a:extLst>
-              <a:ext uri="{FF2B5EF4-FFF2-40B4-BE49-F238E27FC236}">
-                <a16:creationId xmlns:a16="http://schemas.microsoft.com/office/drawing/2014/main" id="{83E2073C-A298-4FE1-9D74-DADDA4635718}"/>
+          <p:cNvPr id="4" name="Slide Number Placeholder 3">
+            <a:extLst>
+              <a:ext uri="{FF2B5EF4-FFF2-40B4-BE49-F238E27FC236}">
+                <a16:creationId xmlns:a16="http://schemas.microsoft.com/office/drawing/2014/main" id="{C0309BBD-0F1D-24E4-7245-C53460DFABD5}"/>
               </a:ext>
             </a:extLst>
           </p:cNvPr>
@@ -19586,7 +20522,7 @@
             <a:spLocks noGrp="1"/>
           </p:cNvSpPr>
           <p:nvPr>
-            <p:ph type="title"/>
+            <p:ph type="sldNum" sz="quarter" idx="12"/>
           </p:nvPr>
         </p:nvSpPr>
         <p:spPr/>
@@ -19594,90 +20530,18 @@
           <a:bodyPr/>
           <a:lstStyle/>
           <a:p>
-            <a:r>
-              <a:rPr lang="en-IN" dirty="0"/>
-              <a:t>Cluster Details (1 of 4)</a:t>
-            </a:r>
+            <a:fld id="{4EC590C8-968F-4B97-9FB2-6283B74354EF}" type="slidenum">
+              <a:rPr lang="en-IN" smtClean="0"/>
+              <a:t>36</a:t>
+            </a:fld>
+            <a:endParaRPr lang="en-IN"/>
           </a:p>
         </p:txBody>
       </p:sp>
-      <p:sp>
-        <p:nvSpPr>
-          <p:cNvPr id="3" name="Content Placeholder 2">
-            <a:extLst>
-              <a:ext uri="{FF2B5EF4-FFF2-40B4-BE49-F238E27FC236}">
-                <a16:creationId xmlns:a16="http://schemas.microsoft.com/office/drawing/2014/main" id="{1B2C8D60-18C3-48AE-829A-485A42E5889C}"/>
-              </a:ext>
-            </a:extLst>
-          </p:cNvPr>
-          <p:cNvSpPr>
-            <a:spLocks noGrp="1"/>
-          </p:cNvSpPr>
-          <p:nvPr>
-            <p:ph sz="half" idx="1"/>
-          </p:nvPr>
-        </p:nvSpPr>
-        <p:spPr>
-          <a:xfrm>
-            <a:off x="838200" y="1825625"/>
-            <a:ext cx="2800739" cy="4351338"/>
-          </a:xfrm>
-        </p:spPr>
-        <p:txBody>
-          <a:bodyPr>
-            <a:normAutofit/>
-          </a:bodyPr>
-          <a:lstStyle/>
-          <a:p>
-            <a:r>
-              <a:rPr lang="en-IN" dirty="0"/>
-              <a:t>The three clusters contribute 81.7% and the first two 39.25% of the total Gross Value.</a:t>
-            </a:r>
-          </a:p>
-          <a:p>
-            <a:r>
-              <a:rPr lang="en-IN" sz="1800" dirty="0"/>
-              <a:t>The colour shade is based on  Number of PO Issued, lighter shade lower no of PO.</a:t>
-            </a:r>
-          </a:p>
-          <a:p>
-            <a:endParaRPr lang="en-IN" dirty="0"/>
-          </a:p>
-        </p:txBody>
-      </p:sp>
-      <p:pic>
-        <p:nvPicPr>
-          <p:cNvPr id="6" name="Content Placeholder 5">
-            <a:extLst>
-              <a:ext uri="{FF2B5EF4-FFF2-40B4-BE49-F238E27FC236}">
-                <a16:creationId xmlns:a16="http://schemas.microsoft.com/office/drawing/2014/main" id="{40C34907-C88B-4D3C-A970-FF1C068A3E0E}"/>
-              </a:ext>
-            </a:extLst>
-          </p:cNvPr>
-          <p:cNvPicPr>
-            <a:picLocks noGrp="1" noChangeAspect="1"/>
-          </p:cNvPicPr>
-          <p:nvPr>
-            <p:ph sz="half" idx="2"/>
-          </p:nvPr>
-        </p:nvPicPr>
-        <p:blipFill>
-          <a:blip r:embed="rId2"/>
-          <a:stretch>
-            <a:fillRect/>
-          </a:stretch>
-        </p:blipFill>
-        <p:spPr>
-          <a:xfrm>
-            <a:off x="4114800" y="1567543"/>
-            <a:ext cx="7239000" cy="3888309"/>
-          </a:xfrm>
-        </p:spPr>
-      </p:pic>
     </p:spTree>
     <p:extLst>
       <p:ext uri="{BB962C8B-B14F-4D97-AF65-F5344CB8AC3E}">
-        <p14:creationId xmlns:p14="http://schemas.microsoft.com/office/powerpoint/2010/main" val="2278575706"/>
+        <p14:creationId xmlns:p14="http://schemas.microsoft.com/office/powerpoint/2010/main" val="1164675127"/>
       </p:ext>
     </p:extLst>
   </p:cSld>
@@ -19727,7 +20591,7 @@
           <a:p>
             <a:r>
               <a:rPr lang="en-IN" dirty="0"/>
-              <a:t>Cluster Details (2 of 4) </a:t>
+              <a:t>Cluster Details (1 of 4)</a:t>
             </a:r>
           </a:p>
         </p:txBody>
@@ -19755,67 +20619,42 @@
           </a:xfrm>
         </p:spPr>
         <p:txBody>
-          <a:bodyPr/>
+          <a:bodyPr>
+            <a:normAutofit/>
+          </a:bodyPr>
           <a:lstStyle/>
           <a:p>
             <a:r>
               <a:rPr lang="en-IN" dirty="0"/>
-              <a:t>The three clusters contribute 62.13% and the first two 59.03 of the total PO Issued.</a:t>
-            </a:r>
-          </a:p>
-          <a:p>
-            <a:r>
-              <a:rPr lang="en-IN" sz="2000" dirty="0"/>
-              <a:t>The colour shade is based on  Gross Value, darker the higher.</a:t>
-            </a:r>
-            <a:endParaRPr lang="en-IN" sz="2800" dirty="0"/>
+              <a:t>The three clusters contribute 81.7% and the first two 39.25% of the total Gross Value.</a:t>
+            </a:r>
+          </a:p>
+          <a:p>
+            <a:r>
+              <a:rPr lang="en-IN" sz="1800" dirty="0"/>
+              <a:t>The colour shade is based on  Number of PO Issued, lighter shade lower no of PO.</a:t>
+            </a:r>
           </a:p>
           <a:p>
             <a:endParaRPr lang="en-IN" dirty="0"/>
-          </a:p>
-          <a:p>
-            <a:endParaRPr lang="en-IN" dirty="0"/>
-          </a:p>
-        </p:txBody>
-      </p:sp>
-      <p:sp>
-        <p:nvSpPr>
-          <p:cNvPr id="5" name="Content Placeholder 4">
-            <a:extLst>
-              <a:ext uri="{FF2B5EF4-FFF2-40B4-BE49-F238E27FC236}">
-                <a16:creationId xmlns:a16="http://schemas.microsoft.com/office/drawing/2014/main" id="{276424D8-7A5C-4F9B-B746-0AE8373AA59F}"/>
-              </a:ext>
-            </a:extLst>
-          </p:cNvPr>
-          <p:cNvSpPr>
-            <a:spLocks noGrp="1"/>
-          </p:cNvSpPr>
-          <p:nvPr>
-            <p:ph sz="half" idx="2"/>
-          </p:nvPr>
-        </p:nvSpPr>
-        <p:spPr/>
-        <p:txBody>
-          <a:bodyPr/>
-          <a:lstStyle/>
-          <a:p>
-            <a:endParaRPr lang="en-IN"/>
           </a:p>
         </p:txBody>
       </p:sp>
       <p:pic>
         <p:nvPicPr>
-          <p:cNvPr id="8" name="Picture 7">
-            <a:extLst>
-              <a:ext uri="{FF2B5EF4-FFF2-40B4-BE49-F238E27FC236}">
-                <a16:creationId xmlns:a16="http://schemas.microsoft.com/office/drawing/2014/main" id="{56D3443F-DCB7-4514-A6C3-003E324D39DD}"/>
+          <p:cNvPr id="6" name="Content Placeholder 5">
+            <a:extLst>
+              <a:ext uri="{FF2B5EF4-FFF2-40B4-BE49-F238E27FC236}">
+                <a16:creationId xmlns:a16="http://schemas.microsoft.com/office/drawing/2014/main" id="{40C34907-C88B-4D3C-A970-FF1C068A3E0E}"/>
               </a:ext>
             </a:extLst>
           </p:cNvPr>
           <p:cNvPicPr>
-            <a:picLocks noChangeAspect="1"/>
+            <a:picLocks noGrp="1" noChangeAspect="1"/>
           </p:cNvPicPr>
-          <p:nvPr/>
+          <p:nvPr>
+            <p:ph sz="half" idx="2"/>
+          </p:nvPr>
         </p:nvPicPr>
         <p:blipFill>
           <a:blip r:embed="rId2"/>
@@ -19825,18 +20664,44 @@
         </p:blipFill>
         <p:spPr>
           <a:xfrm>
-            <a:off x="4553338" y="1745084"/>
-            <a:ext cx="7244151" cy="4512420"/>
+            <a:off x="4114800" y="1567543"/>
+            <a:ext cx="7239000" cy="3888309"/>
           </a:xfrm>
-          <a:prstGeom prst="rect">
-            <a:avLst/>
-          </a:prstGeom>
         </p:spPr>
       </p:pic>
+      <p:sp>
+        <p:nvSpPr>
+          <p:cNvPr id="5" name="Slide Number Placeholder 4">
+            <a:extLst>
+              <a:ext uri="{FF2B5EF4-FFF2-40B4-BE49-F238E27FC236}">
+                <a16:creationId xmlns:a16="http://schemas.microsoft.com/office/drawing/2014/main" id="{54DF6C7A-A818-0308-C603-E1300E516AD7}"/>
+              </a:ext>
+            </a:extLst>
+          </p:cNvPr>
+          <p:cNvSpPr>
+            <a:spLocks noGrp="1"/>
+          </p:cNvSpPr>
+          <p:nvPr>
+            <p:ph type="sldNum" sz="quarter" idx="12"/>
+          </p:nvPr>
+        </p:nvSpPr>
+        <p:spPr/>
+        <p:txBody>
+          <a:bodyPr/>
+          <a:lstStyle/>
+          <a:p>
+            <a:fld id="{4EC590C8-968F-4B97-9FB2-6283B74354EF}" type="slidenum">
+              <a:rPr lang="en-IN" smtClean="0"/>
+              <a:t>37</a:t>
+            </a:fld>
+            <a:endParaRPr lang="en-IN"/>
+          </a:p>
+        </p:txBody>
+      </p:sp>
     </p:spTree>
     <p:extLst>
       <p:ext uri="{BB962C8B-B14F-4D97-AF65-F5344CB8AC3E}">
-        <p14:creationId xmlns:p14="http://schemas.microsoft.com/office/powerpoint/2010/main" val="741541989"/>
+        <p14:creationId xmlns:p14="http://schemas.microsoft.com/office/powerpoint/2010/main" val="2278575706"/>
       </p:ext>
     </p:extLst>
   </p:cSld>
@@ -19868,7 +20733,7 @@
           <p:cNvPr id="2" name="Title 1">
             <a:extLst>
               <a:ext uri="{FF2B5EF4-FFF2-40B4-BE49-F238E27FC236}">
-                <a16:creationId xmlns:a16="http://schemas.microsoft.com/office/drawing/2014/main" id="{EA13E92B-2DF1-450E-AB0B-D6AE86542973}"/>
+                <a16:creationId xmlns:a16="http://schemas.microsoft.com/office/drawing/2014/main" id="{83E2073C-A298-4FE1-9D74-DADDA4635718}"/>
               </a:ext>
             </a:extLst>
           </p:cNvPr>
@@ -19886,7 +20751,7 @@
           <a:p>
             <a:r>
               <a:rPr lang="en-IN" dirty="0"/>
-              <a:t>Cluster Details - 3 of 4</a:t>
+              <a:t>Cluster Details (2 of 4) </a:t>
             </a:r>
           </a:p>
         </p:txBody>
@@ -19896,7 +20761,7 @@
           <p:cNvPr id="3" name="Content Placeholder 2">
             <a:extLst>
               <a:ext uri="{FF2B5EF4-FFF2-40B4-BE49-F238E27FC236}">
-                <a16:creationId xmlns:a16="http://schemas.microsoft.com/office/drawing/2014/main" id="{9A156F19-DE88-47A7-A678-2BBF8203777A}"/>
+                <a16:creationId xmlns:a16="http://schemas.microsoft.com/office/drawing/2014/main" id="{1B2C8D60-18C3-48AE-829A-485A42E5889C}"/>
               </a:ext>
             </a:extLst>
           </p:cNvPr>
@@ -19904,7 +20769,53 @@
             <a:spLocks noGrp="1"/>
           </p:cNvSpPr>
           <p:nvPr>
-            <p:ph idx="1"/>
+            <p:ph sz="half" idx="1"/>
+          </p:nvPr>
+        </p:nvSpPr>
+        <p:spPr>
+          <a:xfrm>
+            <a:off x="838200" y="1825625"/>
+            <a:ext cx="2800739" cy="4351338"/>
+          </a:xfrm>
+        </p:spPr>
+        <p:txBody>
+          <a:bodyPr/>
+          <a:lstStyle/>
+          <a:p>
+            <a:r>
+              <a:rPr lang="en-IN" dirty="0"/>
+              <a:t>The three clusters contribute 62.13% and the first two 59.03 of the total PO Issued.</a:t>
+            </a:r>
+          </a:p>
+          <a:p>
+            <a:r>
+              <a:rPr lang="en-IN" sz="2000" dirty="0"/>
+              <a:t>The colour shade is based on  Gross Value, darker the higher.</a:t>
+            </a:r>
+            <a:endParaRPr lang="en-IN" sz="2800" dirty="0"/>
+          </a:p>
+          <a:p>
+            <a:endParaRPr lang="en-IN" dirty="0"/>
+          </a:p>
+          <a:p>
+            <a:endParaRPr lang="en-IN" dirty="0"/>
+          </a:p>
+        </p:txBody>
+      </p:sp>
+      <p:sp>
+        <p:nvSpPr>
+          <p:cNvPr id="5" name="Content Placeholder 4">
+            <a:extLst>
+              <a:ext uri="{FF2B5EF4-FFF2-40B4-BE49-F238E27FC236}">
+                <a16:creationId xmlns:a16="http://schemas.microsoft.com/office/drawing/2014/main" id="{276424D8-7A5C-4F9B-B746-0AE8373AA59F}"/>
+              </a:ext>
+            </a:extLst>
+          </p:cNvPr>
+          <p:cNvSpPr>
+            <a:spLocks noGrp="1"/>
+          </p:cNvSpPr>
+          <p:nvPr>
+            <p:ph sz="half" idx="2"/>
           </p:nvPr>
         </p:nvSpPr>
         <p:spPr/>
@@ -19912,26 +20823,16 @@
           <a:bodyPr/>
           <a:lstStyle/>
           <a:p>
-            <a:r>
-              <a:rPr lang="en-IN" dirty="0"/>
-              <a:t>Top Materials per group – By Value, colour shade by PO Quantity.</a:t>
-            </a:r>
-          </a:p>
-          <a:p>
-            <a:pPr lvl="2"/>
-            <a:endParaRPr lang="en-IN" dirty="0"/>
-          </a:p>
-          <a:p>
-            <a:endParaRPr lang="en-IN" dirty="0"/>
+            <a:endParaRPr lang="en-IN"/>
           </a:p>
         </p:txBody>
       </p:sp>
       <p:pic>
         <p:nvPicPr>
-          <p:cNvPr id="5" name="Picture 4">
-            <a:extLst>
-              <a:ext uri="{FF2B5EF4-FFF2-40B4-BE49-F238E27FC236}">
-                <a16:creationId xmlns:a16="http://schemas.microsoft.com/office/drawing/2014/main" id="{86E0EF64-6660-45CF-A809-50EAB5C06716}"/>
+          <p:cNvPr id="8" name="Picture 7">
+            <a:extLst>
+              <a:ext uri="{FF2B5EF4-FFF2-40B4-BE49-F238E27FC236}">
+                <a16:creationId xmlns:a16="http://schemas.microsoft.com/office/drawing/2014/main" id="{56D3443F-DCB7-4514-A6C3-003E324D39DD}"/>
               </a:ext>
             </a:extLst>
           </p:cNvPr>
@@ -19948,18 +20849,47 @@
         </p:blipFill>
         <p:spPr>
           <a:xfrm>
-            <a:off x="501805" y="2354094"/>
-            <a:ext cx="11188390" cy="4221703"/>
+            <a:off x="4553338" y="1745084"/>
+            <a:ext cx="7244151" cy="4512420"/>
           </a:xfrm>
           <a:prstGeom prst="rect">
             <a:avLst/>
           </a:prstGeom>
         </p:spPr>
       </p:pic>
+      <p:sp>
+        <p:nvSpPr>
+          <p:cNvPr id="6" name="Slide Number Placeholder 5">
+            <a:extLst>
+              <a:ext uri="{FF2B5EF4-FFF2-40B4-BE49-F238E27FC236}">
+                <a16:creationId xmlns:a16="http://schemas.microsoft.com/office/drawing/2014/main" id="{D98D3DD3-C9A0-F55F-C3DB-913B2FA2F7E9}"/>
+              </a:ext>
+            </a:extLst>
+          </p:cNvPr>
+          <p:cNvSpPr>
+            <a:spLocks noGrp="1"/>
+          </p:cNvSpPr>
+          <p:nvPr>
+            <p:ph type="sldNum" sz="quarter" idx="12"/>
+          </p:nvPr>
+        </p:nvSpPr>
+        <p:spPr/>
+        <p:txBody>
+          <a:bodyPr/>
+          <a:lstStyle/>
+          <a:p>
+            <a:fld id="{4EC590C8-968F-4B97-9FB2-6283B74354EF}" type="slidenum">
+              <a:rPr lang="en-IN" smtClean="0"/>
+              <a:t>38</a:t>
+            </a:fld>
+            <a:endParaRPr lang="en-IN"/>
+          </a:p>
+        </p:txBody>
+      </p:sp>
     </p:spTree>
     <p:extLst>
       <p:ext uri="{BB962C8B-B14F-4D97-AF65-F5344CB8AC3E}">
-        <p14:creationId xmlns:p14="http://schemas.microsoft.com/office/powerpoint/2010/main" val="4116025766"/>
+        <p14:creationId xmlns:p14="http://schemas.microsoft.com/office/powerpoint/2010/main" val="741541989"/>
       </p:ext>
     </p:extLst>
   </p:cSld>
@@ -19991,7 +20921,7 @@
           <p:cNvPr id="2" name="Title 1">
             <a:extLst>
               <a:ext uri="{FF2B5EF4-FFF2-40B4-BE49-F238E27FC236}">
-                <a16:creationId xmlns:a16="http://schemas.microsoft.com/office/drawing/2014/main" id="{137A80E4-56F9-46F2-8890-37399C1EBE4C}"/>
+                <a16:creationId xmlns:a16="http://schemas.microsoft.com/office/drawing/2014/main" id="{EA13E92B-2DF1-450E-AB0B-D6AE86542973}"/>
               </a:ext>
             </a:extLst>
           </p:cNvPr>
@@ -20009,7 +20939,7 @@
           <a:p>
             <a:r>
               <a:rPr lang="en-IN" dirty="0"/>
-              <a:t>Cluster Details – 4 of 4</a:t>
+              <a:t>Cluster Details - 3 of 4</a:t>
             </a:r>
           </a:p>
         </p:txBody>
@@ -20019,7 +20949,7 @@
           <p:cNvPr id="3" name="Content Placeholder 2">
             <a:extLst>
               <a:ext uri="{FF2B5EF4-FFF2-40B4-BE49-F238E27FC236}">
-                <a16:creationId xmlns:a16="http://schemas.microsoft.com/office/drawing/2014/main" id="{1BF48965-0CE1-4C70-87B8-4A5EB97A931F}"/>
+                <a16:creationId xmlns:a16="http://schemas.microsoft.com/office/drawing/2014/main" id="{9A156F19-DE88-47A7-A678-2BBF8203777A}"/>
               </a:ext>
             </a:extLst>
           </p:cNvPr>
@@ -20037,8 +20967,12 @@
           <a:p>
             <a:r>
               <a:rPr lang="en-IN" dirty="0"/>
-              <a:t>Top Materials per group – By Value, colour shade by Net Price.</a:t>
-            </a:r>
+              <a:t>Top Materials per group – By Value, colour shade by PO Quantity.</a:t>
+            </a:r>
+          </a:p>
+          <a:p>
+            <a:pPr lvl="2"/>
+            <a:endParaRPr lang="en-IN" dirty="0"/>
           </a:p>
           <a:p>
             <a:endParaRPr lang="en-IN" dirty="0"/>
@@ -20050,7 +20984,7 @@
           <p:cNvPr id="5" name="Picture 4">
             <a:extLst>
               <a:ext uri="{FF2B5EF4-FFF2-40B4-BE49-F238E27FC236}">
-                <a16:creationId xmlns:a16="http://schemas.microsoft.com/office/drawing/2014/main" id="{2DF5BE55-9C2F-4376-A320-4A1BB2835FF7}"/>
+                <a16:creationId xmlns:a16="http://schemas.microsoft.com/office/drawing/2014/main" id="{86E0EF64-6660-45CF-A809-50EAB5C06716}"/>
               </a:ext>
             </a:extLst>
           </p:cNvPr>
@@ -20067,18 +21001,47 @@
         </p:blipFill>
         <p:spPr>
           <a:xfrm>
-            <a:off x="765110" y="2383388"/>
-            <a:ext cx="8930076" cy="4474612"/>
+            <a:off x="501805" y="2354094"/>
+            <a:ext cx="11188390" cy="4221703"/>
           </a:xfrm>
           <a:prstGeom prst="rect">
             <a:avLst/>
           </a:prstGeom>
         </p:spPr>
       </p:pic>
+      <p:sp>
+        <p:nvSpPr>
+          <p:cNvPr id="6" name="Slide Number Placeholder 5">
+            <a:extLst>
+              <a:ext uri="{FF2B5EF4-FFF2-40B4-BE49-F238E27FC236}">
+                <a16:creationId xmlns:a16="http://schemas.microsoft.com/office/drawing/2014/main" id="{24050AE3-B383-BE01-62DC-50BE634351B8}"/>
+              </a:ext>
+            </a:extLst>
+          </p:cNvPr>
+          <p:cNvSpPr>
+            <a:spLocks noGrp="1"/>
+          </p:cNvSpPr>
+          <p:nvPr>
+            <p:ph type="sldNum" sz="quarter" idx="12"/>
+          </p:nvPr>
+        </p:nvSpPr>
+        <p:spPr/>
+        <p:txBody>
+          <a:bodyPr/>
+          <a:lstStyle/>
+          <a:p>
+            <a:fld id="{4EC590C8-968F-4B97-9FB2-6283B74354EF}" type="slidenum">
+              <a:rPr lang="en-IN" smtClean="0"/>
+              <a:t>39</a:t>
+            </a:fld>
+            <a:endParaRPr lang="en-IN"/>
+          </a:p>
+        </p:txBody>
+      </p:sp>
     </p:spTree>
     <p:extLst>
       <p:ext uri="{BB962C8B-B14F-4D97-AF65-F5344CB8AC3E}">
-        <p14:creationId xmlns:p14="http://schemas.microsoft.com/office/powerpoint/2010/main" val="441487048"/>
+        <p14:creationId xmlns:p14="http://schemas.microsoft.com/office/powerpoint/2010/main" val="4116025766"/>
       </p:ext>
     </p:extLst>
   </p:cSld>
@@ -20128,13 +21091,8 @@
           <a:p>
             <a:r>
               <a:rPr lang="en-IN" dirty="0"/>
-              <a:t>Data </a:t>
-            </a:r>
-            <a:r>
-              <a:rPr lang="en-IN" dirty="0" err="1"/>
-              <a:t>Preprocessing</a:t>
-            </a:r>
-            <a:endParaRPr lang="en-IN" dirty="0"/>
+              <a:t>About the data</a:t>
+            </a:r>
           </a:p>
         </p:txBody>
       </p:sp>
@@ -20144,6 +21102,192 @@
             <a:extLst>
               <a:ext uri="{FF2B5EF4-FFF2-40B4-BE49-F238E27FC236}">
                 <a16:creationId xmlns:a16="http://schemas.microsoft.com/office/drawing/2014/main" id="{713C8D91-CBB4-40FA-8E9E-2CEDFDB0D796}"/>
+              </a:ext>
+            </a:extLst>
+          </p:cNvPr>
+          <p:cNvSpPr>
+            <a:spLocks noGrp="1"/>
+          </p:cNvSpPr>
+          <p:nvPr>
+            <p:ph idx="1"/>
+          </p:nvPr>
+        </p:nvSpPr>
+        <p:spPr/>
+        <p:txBody>
+          <a:bodyPr>
+            <a:normAutofit/>
+          </a:bodyPr>
+          <a:lstStyle/>
+          <a:p>
+            <a:r>
+              <a:rPr lang="en-IN" dirty="0"/>
+              <a:t>We started with generating a report on the data </a:t>
+            </a:r>
+          </a:p>
+          <a:p>
+            <a:pPr lvl="1"/>
+            <a:r>
+              <a:rPr lang="en-IN" dirty="0"/>
+              <a:t>Business</a:t>
+            </a:r>
+          </a:p>
+          <a:p>
+            <a:pPr lvl="2"/>
+            <a:r>
+              <a:rPr lang="en-IN" dirty="0"/>
+              <a:t>How much Value spent</a:t>
+            </a:r>
+          </a:p>
+          <a:p>
+            <a:pPr lvl="2"/>
+            <a:r>
+              <a:rPr lang="en-IN" dirty="0"/>
+              <a:t>How many Purchase Orders</a:t>
+            </a:r>
+          </a:p>
+          <a:p>
+            <a:pPr lvl="2"/>
+            <a:r>
+              <a:rPr lang="en-IN" dirty="0"/>
+              <a:t>Date Spread</a:t>
+            </a:r>
+          </a:p>
+          <a:p>
+            <a:pPr lvl="1"/>
+            <a:r>
+              <a:rPr lang="en-IN" dirty="0"/>
+              <a:t>Technical</a:t>
+            </a:r>
+          </a:p>
+          <a:p>
+            <a:pPr lvl="2"/>
+            <a:r>
+              <a:rPr lang="en-IN" dirty="0"/>
+              <a:t>Volume of data </a:t>
+            </a:r>
+          </a:p>
+          <a:p>
+            <a:pPr lvl="2"/>
+            <a:r>
+              <a:rPr lang="en-IN" dirty="0"/>
+              <a:t>Percentage Missing values</a:t>
+            </a:r>
+          </a:p>
+          <a:p>
+            <a:pPr lvl="2"/>
+            <a:r>
+              <a:rPr lang="en-IN" dirty="0"/>
+              <a:t>Percentage of Zero Values</a:t>
+            </a:r>
+          </a:p>
+          <a:p>
+            <a:pPr lvl="2"/>
+            <a:r>
+              <a:rPr lang="en-IN" dirty="0"/>
+              <a:t>Features with single value</a:t>
+            </a:r>
+          </a:p>
+          <a:p>
+            <a:r>
+              <a:rPr lang="en-IN" dirty="0"/>
+              <a:t>Tool Used - Python</a:t>
+            </a:r>
+          </a:p>
+        </p:txBody>
+      </p:sp>
+      <p:sp>
+        <p:nvSpPr>
+          <p:cNvPr id="5" name="Slide Number Placeholder 4">
+            <a:extLst>
+              <a:ext uri="{FF2B5EF4-FFF2-40B4-BE49-F238E27FC236}">
+                <a16:creationId xmlns:a16="http://schemas.microsoft.com/office/drawing/2014/main" id="{36474C18-7CFD-6CAF-AA83-A9FF59755132}"/>
+              </a:ext>
+            </a:extLst>
+          </p:cNvPr>
+          <p:cNvSpPr>
+            <a:spLocks noGrp="1"/>
+          </p:cNvSpPr>
+          <p:nvPr>
+            <p:ph type="sldNum" sz="quarter" idx="12"/>
+          </p:nvPr>
+        </p:nvSpPr>
+        <p:spPr/>
+        <p:txBody>
+          <a:bodyPr/>
+          <a:lstStyle/>
+          <a:p>
+            <a:fld id="{4EC590C8-968F-4B97-9FB2-6283B74354EF}" type="slidenum">
+              <a:rPr lang="en-IN" smtClean="0"/>
+              <a:t>4</a:t>
+            </a:fld>
+            <a:endParaRPr lang="en-IN"/>
+          </a:p>
+        </p:txBody>
+      </p:sp>
+    </p:spTree>
+    <p:extLst>
+      <p:ext uri="{BB962C8B-B14F-4D97-AF65-F5344CB8AC3E}">
+        <p14:creationId xmlns:p14="http://schemas.microsoft.com/office/powerpoint/2010/main" val="3398109550"/>
+      </p:ext>
+    </p:extLst>
+  </p:cSld>
+  <p:clrMapOvr>
+    <a:masterClrMapping/>
+  </p:clrMapOvr>
+</p:sld>
+</file>
+
+<file path=ppt/slides/slide40.xml><?xml version="1.0" encoding="utf-8"?>
+<p:sld xmlns:a="http://schemas.openxmlformats.org/drawingml/2006/main" xmlns:r="http://schemas.openxmlformats.org/officeDocument/2006/relationships" xmlns:p="http://schemas.openxmlformats.org/presentationml/2006/main">
+  <p:cSld>
+    <p:spTree>
+      <p:nvGrpSpPr>
+        <p:cNvPr id="1" name=""/>
+        <p:cNvGrpSpPr/>
+        <p:nvPr/>
+      </p:nvGrpSpPr>
+      <p:grpSpPr>
+        <a:xfrm>
+          <a:off x="0" y="0"/>
+          <a:ext cx="0" cy="0"/>
+          <a:chOff x="0" y="0"/>
+          <a:chExt cx="0" cy="0"/>
+        </a:xfrm>
+      </p:grpSpPr>
+      <p:sp>
+        <p:nvSpPr>
+          <p:cNvPr id="2" name="Title 1">
+            <a:extLst>
+              <a:ext uri="{FF2B5EF4-FFF2-40B4-BE49-F238E27FC236}">
+                <a16:creationId xmlns:a16="http://schemas.microsoft.com/office/drawing/2014/main" id="{137A80E4-56F9-46F2-8890-37399C1EBE4C}"/>
+              </a:ext>
+            </a:extLst>
+          </p:cNvPr>
+          <p:cNvSpPr>
+            <a:spLocks noGrp="1"/>
+          </p:cNvSpPr>
+          <p:nvPr>
+            <p:ph type="title"/>
+          </p:nvPr>
+        </p:nvSpPr>
+        <p:spPr/>
+        <p:txBody>
+          <a:bodyPr/>
+          <a:lstStyle/>
+          <a:p>
+            <a:r>
+              <a:rPr lang="en-IN" dirty="0"/>
+              <a:t>Cluster Details – 4 of 4</a:t>
+            </a:r>
+          </a:p>
+        </p:txBody>
+      </p:sp>
+      <p:sp>
+        <p:nvSpPr>
+          <p:cNvPr id="3" name="Content Placeholder 2">
+            <a:extLst>
+              <a:ext uri="{FF2B5EF4-FFF2-40B4-BE49-F238E27FC236}">
+                <a16:creationId xmlns:a16="http://schemas.microsoft.com/office/drawing/2014/main" id="{1BF48965-0CE1-4C70-87B8-4A5EB97A931F}"/>
               </a:ext>
             </a:extLst>
           </p:cNvPr>
@@ -20161,53 +21305,77 @@
           <a:p>
             <a:r>
               <a:rPr lang="en-IN" dirty="0"/>
-              <a:t>Filtered out data and kept only for Year 2018 and 2019</a:t>
-            </a:r>
-          </a:p>
-          <a:p>
-            <a:r>
-              <a:rPr lang="en-IN" dirty="0"/>
-              <a:t>Removed 0 Gross Value Observations</a:t>
-            </a:r>
-          </a:p>
-          <a:p>
-            <a:r>
-              <a:rPr lang="en-IN" dirty="0"/>
-              <a:t>Removed features with </a:t>
-            </a:r>
-          </a:p>
-          <a:p>
-            <a:pPr lvl="1"/>
-            <a:r>
-              <a:rPr lang="en-IN" dirty="0"/>
-              <a:t>more than 90% Null  value</a:t>
-            </a:r>
-          </a:p>
-          <a:p>
-            <a:pPr lvl="1"/>
-            <a:r>
-              <a:rPr lang="en-IN" dirty="0"/>
-              <a:t>single value only</a:t>
-            </a:r>
-          </a:p>
-          <a:p>
-            <a:r>
-              <a:rPr lang="en-IN" dirty="0"/>
-              <a:t>Imputed missing values for some features</a:t>
-            </a:r>
-          </a:p>
-          <a:p>
-            <a:r>
-              <a:rPr lang="en-IN" dirty="0"/>
-              <a:t>Tool  used - Python</a:t>
-            </a:r>
+              <a:t>Top Materials per group – By Value, colour shade by Net Price.</a:t>
+            </a:r>
+          </a:p>
+          <a:p>
+            <a:endParaRPr lang="en-IN" dirty="0"/>
+          </a:p>
+        </p:txBody>
+      </p:sp>
+      <p:pic>
+        <p:nvPicPr>
+          <p:cNvPr id="5" name="Picture 4">
+            <a:extLst>
+              <a:ext uri="{FF2B5EF4-FFF2-40B4-BE49-F238E27FC236}">
+                <a16:creationId xmlns:a16="http://schemas.microsoft.com/office/drawing/2014/main" id="{2DF5BE55-9C2F-4376-A320-4A1BB2835FF7}"/>
+              </a:ext>
+            </a:extLst>
+          </p:cNvPr>
+          <p:cNvPicPr>
+            <a:picLocks noChangeAspect="1"/>
+          </p:cNvPicPr>
+          <p:nvPr/>
+        </p:nvPicPr>
+        <p:blipFill>
+          <a:blip r:embed="rId2"/>
+          <a:stretch>
+            <a:fillRect/>
+          </a:stretch>
+        </p:blipFill>
+        <p:spPr>
+          <a:xfrm>
+            <a:off x="765110" y="2383388"/>
+            <a:ext cx="8930076" cy="4474612"/>
+          </a:xfrm>
+          <a:prstGeom prst="rect">
+            <a:avLst/>
+          </a:prstGeom>
+        </p:spPr>
+      </p:pic>
+      <p:sp>
+        <p:nvSpPr>
+          <p:cNvPr id="6" name="Slide Number Placeholder 5">
+            <a:extLst>
+              <a:ext uri="{FF2B5EF4-FFF2-40B4-BE49-F238E27FC236}">
+                <a16:creationId xmlns:a16="http://schemas.microsoft.com/office/drawing/2014/main" id="{7B0FB827-0A05-1120-D8D3-7AD8827417C9}"/>
+              </a:ext>
+            </a:extLst>
+          </p:cNvPr>
+          <p:cNvSpPr>
+            <a:spLocks noGrp="1"/>
+          </p:cNvSpPr>
+          <p:nvPr>
+            <p:ph type="sldNum" sz="quarter" idx="12"/>
+          </p:nvPr>
+        </p:nvSpPr>
+        <p:spPr/>
+        <p:txBody>
+          <a:bodyPr/>
+          <a:lstStyle/>
+          <a:p>
+            <a:fld id="{4EC590C8-968F-4B97-9FB2-6283B74354EF}" type="slidenum">
+              <a:rPr lang="en-IN" smtClean="0"/>
+              <a:t>40</a:t>
+            </a:fld>
+            <a:endParaRPr lang="en-IN"/>
           </a:p>
         </p:txBody>
       </p:sp>
     </p:spTree>
     <p:extLst>
       <p:ext uri="{BB962C8B-B14F-4D97-AF65-F5344CB8AC3E}">
-        <p14:creationId xmlns:p14="http://schemas.microsoft.com/office/powerpoint/2010/main" val="3397996456"/>
+        <p14:creationId xmlns:p14="http://schemas.microsoft.com/office/powerpoint/2010/main" val="441487048"/>
       </p:ext>
     </p:extLst>
   </p:cSld>
@@ -20217,7 +21385,7 @@
 </p:sld>
 </file>
 
-<file path=ppt/slides/slide40.xml><?xml version="1.0" encoding="utf-8"?>
+<file path=ppt/slides/slide41.xml><?xml version="1.0" encoding="utf-8"?>
 <p:sld xmlns:a="http://schemas.openxmlformats.org/drawingml/2006/main" xmlns:r="http://schemas.openxmlformats.org/officeDocument/2006/relationships" xmlns:p="http://schemas.openxmlformats.org/presentationml/2006/main">
   <p:cSld>
     <p:spTree>
@@ -20555,42 +21723,12 @@
           </a:xfrm>
         </p:spPr>
       </p:pic>
-    </p:spTree>
-    <p:extLst>
-      <p:ext uri="{BB962C8B-B14F-4D97-AF65-F5344CB8AC3E}">
-        <p14:creationId xmlns:p14="http://schemas.microsoft.com/office/powerpoint/2010/main" val="1373821350"/>
-      </p:ext>
-    </p:extLst>
-  </p:cSld>
-  <p:clrMapOvr>
-    <a:masterClrMapping/>
-  </p:clrMapOvr>
-</p:sld>
-</file>
-
-<file path=ppt/slides/slide41.xml><?xml version="1.0" encoding="utf-8"?>
-<p:sld xmlns:a="http://schemas.openxmlformats.org/drawingml/2006/main" xmlns:r="http://schemas.openxmlformats.org/officeDocument/2006/relationships" xmlns:p="http://schemas.openxmlformats.org/presentationml/2006/main">
-  <p:cSld>
-    <p:spTree>
-      <p:nvGrpSpPr>
-        <p:cNvPr id="1" name=""/>
-        <p:cNvGrpSpPr/>
-        <p:nvPr/>
-      </p:nvGrpSpPr>
-      <p:grpSpPr>
-        <a:xfrm>
-          <a:off x="0" y="0"/>
-          <a:ext cx="0" cy="0"/>
-          <a:chOff x="0" y="0"/>
-          <a:chExt cx="0" cy="0"/>
-        </a:xfrm>
-      </p:grpSpPr>
       <p:sp>
         <p:nvSpPr>
-          <p:cNvPr id="2" name="Title 1">
-            <a:extLst>
-              <a:ext uri="{FF2B5EF4-FFF2-40B4-BE49-F238E27FC236}">
-                <a16:creationId xmlns:a16="http://schemas.microsoft.com/office/drawing/2014/main" id="{7FE250EE-F6DB-43C9-8137-2117BAA44B9C}"/>
+          <p:cNvPr id="6" name="Slide Number Placeholder 5">
+            <a:extLst>
+              <a:ext uri="{FF2B5EF4-FFF2-40B4-BE49-F238E27FC236}">
+                <a16:creationId xmlns:a16="http://schemas.microsoft.com/office/drawing/2014/main" id="{75C21E34-4FCE-564A-A32D-65415BE24CA4}"/>
               </a:ext>
             </a:extLst>
           </p:cNvPr>
@@ -20598,7 +21736,7 @@
             <a:spLocks noGrp="1"/>
           </p:cNvSpPr>
           <p:nvPr>
-            <p:ph type="title"/>
+            <p:ph type="sldNum" sz="quarter" idx="12"/>
           </p:nvPr>
         </p:nvSpPr>
         <p:spPr/>
@@ -20606,72 +21744,18 @@
           <a:bodyPr/>
           <a:lstStyle/>
           <a:p>
-            <a:r>
-              <a:rPr lang="en-IN" dirty="0"/>
-              <a:t>9 materials by percentage of total Gross value and colour shade by Count of PO</a:t>
-            </a:r>
+            <a:fld id="{4EC590C8-968F-4B97-9FB2-6283B74354EF}" type="slidenum">
+              <a:rPr lang="en-IN" smtClean="0"/>
+              <a:t>41</a:t>
+            </a:fld>
+            <a:endParaRPr lang="en-IN"/>
           </a:p>
         </p:txBody>
       </p:sp>
-      <p:sp>
-        <p:nvSpPr>
-          <p:cNvPr id="4" name="Content Placeholder 3">
-            <a:extLst>
-              <a:ext uri="{FF2B5EF4-FFF2-40B4-BE49-F238E27FC236}">
-                <a16:creationId xmlns:a16="http://schemas.microsoft.com/office/drawing/2014/main" id="{78791285-F347-4339-B1FE-BD74CCE56EBB}"/>
-              </a:ext>
-            </a:extLst>
-          </p:cNvPr>
-          <p:cNvSpPr>
-            <a:spLocks noGrp="1"/>
-          </p:cNvSpPr>
-          <p:nvPr>
-            <p:ph idx="1"/>
-          </p:nvPr>
-        </p:nvSpPr>
-        <p:spPr/>
-        <p:txBody>
-          <a:bodyPr/>
-          <a:lstStyle/>
-          <a:p>
-            <a:endParaRPr lang="en-IN"/>
-          </a:p>
-        </p:txBody>
-      </p:sp>
-      <p:pic>
-        <p:nvPicPr>
-          <p:cNvPr id="7" name="Picture 6">
-            <a:extLst>
-              <a:ext uri="{FF2B5EF4-FFF2-40B4-BE49-F238E27FC236}">
-                <a16:creationId xmlns:a16="http://schemas.microsoft.com/office/drawing/2014/main" id="{A9755CDF-D16E-431F-A052-579DB3048F50}"/>
-              </a:ext>
-            </a:extLst>
-          </p:cNvPr>
-          <p:cNvPicPr>
-            <a:picLocks noChangeAspect="1"/>
-          </p:cNvPicPr>
-          <p:nvPr/>
-        </p:nvPicPr>
-        <p:blipFill>
-          <a:blip r:embed="rId2"/>
-          <a:stretch>
-            <a:fillRect/>
-          </a:stretch>
-        </p:blipFill>
-        <p:spPr>
-          <a:xfrm>
-            <a:off x="950495" y="1797238"/>
-            <a:ext cx="10851097" cy="4603562"/>
-          </a:xfrm>
-          <a:prstGeom prst="rect">
-            <a:avLst/>
-          </a:prstGeom>
-        </p:spPr>
-      </p:pic>
     </p:spTree>
     <p:extLst>
       <p:ext uri="{BB962C8B-B14F-4D97-AF65-F5344CB8AC3E}">
-        <p14:creationId xmlns:p14="http://schemas.microsoft.com/office/powerpoint/2010/main" val="1264989901"/>
+        <p14:creationId xmlns:p14="http://schemas.microsoft.com/office/powerpoint/2010/main" val="1373821350"/>
       </p:ext>
     </p:extLst>
   </p:cSld>
@@ -20721,26 +21805,49 @@
           <a:p>
             <a:r>
               <a:rPr lang="en-IN" dirty="0"/>
-              <a:t>9 materials by percentage of total Gross value and colour shade by average  price</a:t>
-            </a:r>
+              <a:t>9 materials by percentage of total Gross value and colour shade by Count of PO</a:t>
+            </a:r>
+          </a:p>
+        </p:txBody>
+      </p:sp>
+      <p:sp>
+        <p:nvSpPr>
+          <p:cNvPr id="4" name="Content Placeholder 3">
+            <a:extLst>
+              <a:ext uri="{FF2B5EF4-FFF2-40B4-BE49-F238E27FC236}">
+                <a16:creationId xmlns:a16="http://schemas.microsoft.com/office/drawing/2014/main" id="{78791285-F347-4339-B1FE-BD74CCE56EBB}"/>
+              </a:ext>
+            </a:extLst>
+          </p:cNvPr>
+          <p:cNvSpPr>
+            <a:spLocks noGrp="1"/>
+          </p:cNvSpPr>
+          <p:nvPr>
+            <p:ph idx="1"/>
+          </p:nvPr>
+        </p:nvSpPr>
+        <p:spPr/>
+        <p:txBody>
+          <a:bodyPr/>
+          <a:lstStyle/>
+          <a:p>
+            <a:endParaRPr lang="en-IN"/>
           </a:p>
         </p:txBody>
       </p:sp>
       <p:pic>
         <p:nvPicPr>
-          <p:cNvPr id="5" name="Content Placeholder 4">
-            <a:extLst>
-              <a:ext uri="{FF2B5EF4-FFF2-40B4-BE49-F238E27FC236}">
-                <a16:creationId xmlns:a16="http://schemas.microsoft.com/office/drawing/2014/main" id="{52BBF3C3-40F4-4698-AEF4-93CC4C8EE9D6}"/>
+          <p:cNvPr id="7" name="Picture 6">
+            <a:extLst>
+              <a:ext uri="{FF2B5EF4-FFF2-40B4-BE49-F238E27FC236}">
+                <a16:creationId xmlns:a16="http://schemas.microsoft.com/office/drawing/2014/main" id="{A9755CDF-D16E-431F-A052-579DB3048F50}"/>
               </a:ext>
             </a:extLst>
           </p:cNvPr>
           <p:cNvPicPr>
-            <a:picLocks noGrp="1" noChangeAspect="1"/>
+            <a:picLocks noChangeAspect="1"/>
           </p:cNvPicPr>
-          <p:nvPr>
-            <p:ph idx="1"/>
-          </p:nvPr>
+          <p:nvPr/>
         </p:nvPicPr>
         <p:blipFill>
           <a:blip r:embed="rId2"/>
@@ -20750,15 +21857,47 @@
         </p:blipFill>
         <p:spPr>
           <a:xfrm>
-            <a:off x="2419149" y="1825625"/>
-            <a:ext cx="7353701" cy="4351338"/>
+            <a:off x="950495" y="1797238"/>
+            <a:ext cx="10851097" cy="4603562"/>
           </a:xfrm>
+          <a:prstGeom prst="rect">
+            <a:avLst/>
+          </a:prstGeom>
         </p:spPr>
       </p:pic>
+      <p:sp>
+        <p:nvSpPr>
+          <p:cNvPr id="5" name="Slide Number Placeholder 4">
+            <a:extLst>
+              <a:ext uri="{FF2B5EF4-FFF2-40B4-BE49-F238E27FC236}">
+                <a16:creationId xmlns:a16="http://schemas.microsoft.com/office/drawing/2014/main" id="{4B280544-4D1A-0077-DAF3-AC409AE857BA}"/>
+              </a:ext>
+            </a:extLst>
+          </p:cNvPr>
+          <p:cNvSpPr>
+            <a:spLocks noGrp="1"/>
+          </p:cNvSpPr>
+          <p:nvPr>
+            <p:ph type="sldNum" sz="quarter" idx="12"/>
+          </p:nvPr>
+        </p:nvSpPr>
+        <p:spPr/>
+        <p:txBody>
+          <a:bodyPr/>
+          <a:lstStyle/>
+          <a:p>
+            <a:fld id="{4EC590C8-968F-4B97-9FB2-6283B74354EF}" type="slidenum">
+              <a:rPr lang="en-IN" smtClean="0"/>
+              <a:t>42</a:t>
+            </a:fld>
+            <a:endParaRPr lang="en-IN"/>
+          </a:p>
+        </p:txBody>
+      </p:sp>
     </p:spTree>
     <p:extLst>
       <p:ext uri="{BB962C8B-B14F-4D97-AF65-F5344CB8AC3E}">
-        <p14:creationId xmlns:p14="http://schemas.microsoft.com/office/powerpoint/2010/main" val="1095500231"/>
+        <p14:creationId xmlns:p14="http://schemas.microsoft.com/office/powerpoint/2010/main" val="1264989901"/>
       </p:ext>
     </p:extLst>
   </p:cSld>
@@ -20808,7 +21947,7 @@
           <a:p>
             <a:r>
               <a:rPr lang="en-IN" dirty="0"/>
-              <a:t>9 materials by percentage of total PO issued and colour shade by Gross value</a:t>
+              <a:t>9 materials by percentage of total Gross value and colour shade by average  price</a:t>
             </a:r>
           </a:p>
         </p:txBody>
@@ -20818,7 +21957,7 @@
           <p:cNvPr id="5" name="Content Placeholder 4">
             <a:extLst>
               <a:ext uri="{FF2B5EF4-FFF2-40B4-BE49-F238E27FC236}">
-                <a16:creationId xmlns:a16="http://schemas.microsoft.com/office/drawing/2014/main" id="{91A7B57E-A595-4010-9077-5DBE71A43E53}"/>
+                <a16:creationId xmlns:a16="http://schemas.microsoft.com/office/drawing/2014/main" id="{52BBF3C3-40F4-4698-AEF4-93CC4C8EE9D6}"/>
               </a:ext>
             </a:extLst>
           </p:cNvPr>
@@ -20837,15 +21976,44 @@
         </p:blipFill>
         <p:spPr>
           <a:xfrm>
-            <a:off x="2371498" y="1825625"/>
-            <a:ext cx="7449003" cy="4351338"/>
+            <a:off x="2419149" y="1825625"/>
+            <a:ext cx="7353701" cy="4351338"/>
           </a:xfrm>
         </p:spPr>
       </p:pic>
+      <p:sp>
+        <p:nvSpPr>
+          <p:cNvPr id="4" name="Slide Number Placeholder 3">
+            <a:extLst>
+              <a:ext uri="{FF2B5EF4-FFF2-40B4-BE49-F238E27FC236}">
+                <a16:creationId xmlns:a16="http://schemas.microsoft.com/office/drawing/2014/main" id="{D63EF761-FA63-DAF8-FD16-7DE14F538353}"/>
+              </a:ext>
+            </a:extLst>
+          </p:cNvPr>
+          <p:cNvSpPr>
+            <a:spLocks noGrp="1"/>
+          </p:cNvSpPr>
+          <p:nvPr>
+            <p:ph type="sldNum" sz="quarter" idx="12"/>
+          </p:nvPr>
+        </p:nvSpPr>
+        <p:spPr/>
+        <p:txBody>
+          <a:bodyPr/>
+          <a:lstStyle/>
+          <a:p>
+            <a:fld id="{4EC590C8-968F-4B97-9FB2-6283B74354EF}" type="slidenum">
+              <a:rPr lang="en-IN" smtClean="0"/>
+              <a:t>43</a:t>
+            </a:fld>
+            <a:endParaRPr lang="en-IN"/>
+          </a:p>
+        </p:txBody>
+      </p:sp>
     </p:spTree>
     <p:extLst>
       <p:ext uri="{BB962C8B-B14F-4D97-AF65-F5344CB8AC3E}">
-        <p14:creationId xmlns:p14="http://schemas.microsoft.com/office/powerpoint/2010/main" val="783023030"/>
+        <p14:creationId xmlns:p14="http://schemas.microsoft.com/office/powerpoint/2010/main" val="1095500231"/>
       </p:ext>
     </p:extLst>
   </p:cSld>
@@ -20877,7 +22045,7 @@
           <p:cNvPr id="2" name="Title 1">
             <a:extLst>
               <a:ext uri="{FF2B5EF4-FFF2-40B4-BE49-F238E27FC236}">
-                <a16:creationId xmlns:a16="http://schemas.microsoft.com/office/drawing/2014/main" id="{78A64C08-FE67-499D-86A8-AFE2A9AADBFD}"/>
+                <a16:creationId xmlns:a16="http://schemas.microsoft.com/office/drawing/2014/main" id="{7FE250EE-F6DB-43C9-8137-2117BAA44B9C}"/>
               </a:ext>
             </a:extLst>
           </p:cNvPr>
@@ -20885,7 +22053,7 @@
             <a:spLocks noGrp="1"/>
           </p:cNvSpPr>
           <p:nvPr>
-            <p:ph type="ctrTitle"/>
+            <p:ph type="title"/>
           </p:nvPr>
         </p:nvSpPr>
         <p:spPr/>
@@ -20895,17 +22063,46 @@
           <a:p>
             <a:r>
               <a:rPr lang="en-IN" dirty="0"/>
-              <a:t>Cost Saving Opportunity</a:t>
+              <a:t>9 materials by percentage of total PO issued and colour shade by Gross value</a:t>
             </a:r>
           </a:p>
         </p:txBody>
       </p:sp>
+      <p:pic>
+        <p:nvPicPr>
+          <p:cNvPr id="5" name="Content Placeholder 4">
+            <a:extLst>
+              <a:ext uri="{FF2B5EF4-FFF2-40B4-BE49-F238E27FC236}">
+                <a16:creationId xmlns:a16="http://schemas.microsoft.com/office/drawing/2014/main" id="{91A7B57E-A595-4010-9077-5DBE71A43E53}"/>
+              </a:ext>
+            </a:extLst>
+          </p:cNvPr>
+          <p:cNvPicPr>
+            <a:picLocks noGrp="1" noChangeAspect="1"/>
+          </p:cNvPicPr>
+          <p:nvPr>
+            <p:ph idx="1"/>
+          </p:nvPr>
+        </p:nvPicPr>
+        <p:blipFill>
+          <a:blip r:embed="rId2"/>
+          <a:stretch>
+            <a:fillRect/>
+          </a:stretch>
+        </p:blipFill>
+        <p:spPr>
+          <a:xfrm>
+            <a:off x="2371498" y="1825625"/>
+            <a:ext cx="7449003" cy="4351338"/>
+          </a:xfrm>
+        </p:spPr>
+      </p:pic>
       <p:sp>
         <p:nvSpPr>
-          <p:cNvPr id="3" name="Subtitle 2">
-            <a:extLst>
-              <a:ext uri="{FF2B5EF4-FFF2-40B4-BE49-F238E27FC236}">
-                <a16:creationId xmlns:a16="http://schemas.microsoft.com/office/drawing/2014/main" id="{DE67C71A-762D-4A70-AE22-D4322FCC5802}"/>
+          <p:cNvPr id="4" name="Slide Number Placeholder 3">
+            <a:extLst>
+              <a:ext uri="{FF2B5EF4-FFF2-40B4-BE49-F238E27FC236}">
+                <a16:creationId xmlns:a16="http://schemas.microsoft.com/office/drawing/2014/main" id="{533C8BF4-8E37-C122-1F00-4A3FFD1D815E}"/>
               </a:ext>
             </a:extLst>
           </p:cNvPr>
@@ -20913,7 +22110,7 @@
             <a:spLocks noGrp="1"/>
           </p:cNvSpPr>
           <p:nvPr>
-            <p:ph type="subTitle" idx="1"/>
+            <p:ph type="sldNum" sz="quarter" idx="12"/>
           </p:nvPr>
         </p:nvSpPr>
         <p:spPr/>
@@ -20921,14 +22118,18 @@
           <a:bodyPr/>
           <a:lstStyle/>
           <a:p>
-            <a:endParaRPr lang="en-IN" dirty="0"/>
+            <a:fld id="{4EC590C8-968F-4B97-9FB2-6283B74354EF}" type="slidenum">
+              <a:rPr lang="en-IN" smtClean="0"/>
+              <a:t>44</a:t>
+            </a:fld>
+            <a:endParaRPr lang="en-IN"/>
           </a:p>
         </p:txBody>
       </p:sp>
     </p:spTree>
     <p:extLst>
       <p:ext uri="{BB962C8B-B14F-4D97-AF65-F5344CB8AC3E}">
-        <p14:creationId xmlns:p14="http://schemas.microsoft.com/office/powerpoint/2010/main" val="3379812903"/>
+        <p14:creationId xmlns:p14="http://schemas.microsoft.com/office/powerpoint/2010/main" val="783023030"/>
       </p:ext>
     </p:extLst>
   </p:cSld>
@@ -20960,7 +22161,7 @@
           <p:cNvPr id="2" name="Title 1">
             <a:extLst>
               <a:ext uri="{FF2B5EF4-FFF2-40B4-BE49-F238E27FC236}">
-                <a16:creationId xmlns:a16="http://schemas.microsoft.com/office/drawing/2014/main" id="{003E746A-DDB9-4943-8890-BD2466339C7F}"/>
+                <a16:creationId xmlns:a16="http://schemas.microsoft.com/office/drawing/2014/main" id="{78A64C08-FE67-499D-86A8-AFE2A9AADBFD}"/>
               </a:ext>
             </a:extLst>
           </p:cNvPr>
@@ -20968,7 +22169,7 @@
             <a:spLocks noGrp="1"/>
           </p:cNvSpPr>
           <p:nvPr>
-            <p:ph type="title"/>
+            <p:ph type="ctrTitle"/>
           </p:nvPr>
         </p:nvSpPr>
         <p:spPr/>
@@ -20978,17 +22179,17 @@
           <a:p>
             <a:r>
               <a:rPr lang="en-IN" dirty="0"/>
-              <a:t>Analysis on 2 materials per cluster</a:t>
+              <a:t>Cost Saving Opportunity</a:t>
             </a:r>
           </a:p>
         </p:txBody>
       </p:sp>
       <p:sp>
         <p:nvSpPr>
-          <p:cNvPr id="3" name="Content Placeholder 2">
-            <a:extLst>
-              <a:ext uri="{FF2B5EF4-FFF2-40B4-BE49-F238E27FC236}">
-                <a16:creationId xmlns:a16="http://schemas.microsoft.com/office/drawing/2014/main" id="{9B498899-12D1-42F3-ADBC-AED3B822BA05}"/>
+          <p:cNvPr id="3" name="Subtitle 2">
+            <a:extLst>
+              <a:ext uri="{FF2B5EF4-FFF2-40B4-BE49-F238E27FC236}">
+                <a16:creationId xmlns:a16="http://schemas.microsoft.com/office/drawing/2014/main" id="{DE67C71A-762D-4A70-AE22-D4322FCC5802}"/>
               </a:ext>
             </a:extLst>
           </p:cNvPr>
@@ -20996,7 +22197,7 @@
             <a:spLocks noGrp="1"/>
           </p:cNvSpPr>
           <p:nvPr>
-            <p:ph idx="1"/>
+            <p:ph type="subTitle" idx="1"/>
           </p:nvPr>
         </p:nvSpPr>
         <p:spPr/>
@@ -21004,70 +22205,43 @@
           <a:bodyPr/>
           <a:lstStyle/>
           <a:p>
-            <a:r>
-              <a:rPr lang="en-IN" dirty="0"/>
-              <a:t>Analysing 2 material per cluster  - </a:t>
-            </a:r>
-          </a:p>
-          <a:p>
-            <a:pPr lvl="1"/>
-            <a:r>
-              <a:rPr lang="en-IN" dirty="0"/>
-              <a:t>High Freq High Value</a:t>
-            </a:r>
-          </a:p>
-          <a:p>
-            <a:pPr lvl="2"/>
-            <a:r>
-              <a:rPr lang="en-US" dirty="0"/>
-              <a:t>IB Ross Broiler Starter Feed</a:t>
-            </a:r>
-          </a:p>
-          <a:p>
-            <a:pPr lvl="2"/>
-            <a:r>
-              <a:rPr lang="en-US" dirty="0"/>
-              <a:t>IB Ross Broiler Finisher Feed</a:t>
-            </a:r>
-          </a:p>
-          <a:p>
-            <a:pPr lvl="1"/>
-            <a:r>
-              <a:rPr lang="en-IN" dirty="0"/>
-              <a:t>Medium Freq Medium Value</a:t>
-            </a:r>
-          </a:p>
-          <a:p>
-            <a:pPr lvl="2"/>
-            <a:r>
-              <a:rPr lang="en-IN" dirty="0"/>
-              <a:t>Soya Bean (MP)</a:t>
-            </a:r>
-          </a:p>
-          <a:p>
-            <a:pPr lvl="2"/>
-            <a:r>
-              <a:rPr lang="en-IN" dirty="0"/>
-              <a:t>Maize</a:t>
-            </a:r>
-          </a:p>
-          <a:p>
-            <a:pPr lvl="2"/>
             <a:endParaRPr lang="en-IN" dirty="0"/>
           </a:p>
-          <a:p>
-            <a:pPr lvl="1"/>
-            <a:endParaRPr lang="en-IN" dirty="0"/>
-          </a:p>
-          <a:p>
-            <a:endParaRPr lang="en-IN" dirty="0"/>
+        </p:txBody>
+      </p:sp>
+      <p:sp>
+        <p:nvSpPr>
+          <p:cNvPr id="5" name="Slide Number Placeholder 4">
+            <a:extLst>
+              <a:ext uri="{FF2B5EF4-FFF2-40B4-BE49-F238E27FC236}">
+                <a16:creationId xmlns:a16="http://schemas.microsoft.com/office/drawing/2014/main" id="{1BD7E9D2-F462-4A26-3CD9-1DEA87DDDE3D}"/>
+              </a:ext>
+            </a:extLst>
+          </p:cNvPr>
+          <p:cNvSpPr>
+            <a:spLocks noGrp="1"/>
+          </p:cNvSpPr>
+          <p:nvPr>
+            <p:ph type="sldNum" sz="quarter" idx="12"/>
+          </p:nvPr>
+        </p:nvSpPr>
+        <p:spPr/>
+        <p:txBody>
+          <a:bodyPr/>
+          <a:lstStyle/>
+          <a:p>
+            <a:fld id="{4EC590C8-968F-4B97-9FB2-6283B74354EF}" type="slidenum">
+              <a:rPr lang="en-IN" smtClean="0"/>
+              <a:t>45</a:t>
+            </a:fld>
+            <a:endParaRPr lang="en-IN"/>
           </a:p>
         </p:txBody>
       </p:sp>
     </p:spTree>
     <p:extLst>
       <p:ext uri="{BB962C8B-B14F-4D97-AF65-F5344CB8AC3E}">
-        <p14:creationId xmlns:p14="http://schemas.microsoft.com/office/powerpoint/2010/main" val="30871931"/>
+        <p14:creationId xmlns:p14="http://schemas.microsoft.com/office/powerpoint/2010/main" val="3379812903"/>
       </p:ext>
     </p:extLst>
   </p:cSld>
@@ -21099,7 +22273,7 @@
           <p:cNvPr id="2" name="Title 1">
             <a:extLst>
               <a:ext uri="{FF2B5EF4-FFF2-40B4-BE49-F238E27FC236}">
-                <a16:creationId xmlns:a16="http://schemas.microsoft.com/office/drawing/2014/main" id="{F8032565-C06C-4E5A-B014-D624792BBE67}"/>
+                <a16:creationId xmlns:a16="http://schemas.microsoft.com/office/drawing/2014/main" id="{003E746A-DDB9-4943-8890-BD2466339C7F}"/>
               </a:ext>
             </a:extLst>
           </p:cNvPr>
@@ -21117,15 +22291,7 @@
           <a:p>
             <a:r>
               <a:rPr lang="en-IN" dirty="0"/>
-              <a:t>Ordering Trend – for </a:t>
-            </a:r>
-            <a:r>
-              <a:rPr lang="en-US" sz="4400" dirty="0"/>
-              <a:t>IB Ross Broiler Starter Feed for March 2019</a:t>
-            </a:r>
-            <a:r>
-              <a:rPr lang="en-IN" dirty="0"/>
-              <a:t> </a:t>
+              <a:t>Analysis on 2 materials per cluster</a:t>
             </a:r>
           </a:p>
         </p:txBody>
@@ -21135,7 +22301,7 @@
           <p:cNvPr id="3" name="Content Placeholder 2">
             <a:extLst>
               <a:ext uri="{FF2B5EF4-FFF2-40B4-BE49-F238E27FC236}">
-                <a16:creationId xmlns:a16="http://schemas.microsoft.com/office/drawing/2014/main" id="{41FF7113-7A84-4794-BE0B-68B854CB4EDB}"/>
+                <a16:creationId xmlns:a16="http://schemas.microsoft.com/office/drawing/2014/main" id="{9B498899-12D1-42F3-ADBC-AED3B822BA05}"/>
               </a:ext>
             </a:extLst>
           </p:cNvPr>
@@ -21143,96 +22309,107 @@
             <a:spLocks noGrp="1"/>
           </p:cNvSpPr>
           <p:nvPr>
-            <p:ph sz="half" idx="1"/>
+            <p:ph idx="1"/>
           </p:nvPr>
         </p:nvSpPr>
-        <p:spPr>
-          <a:xfrm>
-            <a:off x="838200" y="1825625"/>
-            <a:ext cx="3252537" cy="4351338"/>
-          </a:xfrm>
-        </p:spPr>
+        <p:spPr/>
         <p:txBody>
-          <a:bodyPr>
-            <a:normAutofit lnSpcReduction="10000"/>
-          </a:bodyPr>
+          <a:bodyPr/>
           <a:lstStyle/>
           <a:p>
             <a:r>
               <a:rPr lang="en-IN" dirty="0"/>
-              <a:t>Ordering many times in a single day</a:t>
-            </a:r>
-          </a:p>
-          <a:p>
+              <a:t>Analysing 2 material per cluster  - </a:t>
+            </a:r>
+          </a:p>
+          <a:p>
+            <a:pPr lvl="1"/>
             <a:r>
               <a:rPr lang="en-IN" dirty="0"/>
-              <a:t>2307 PO raised </a:t>
-            </a:r>
-            <a:r>
-              <a:rPr lang="en-IN"/>
-              <a:t>in March </a:t>
-            </a:r>
+              <a:t>High Freq High Value</a:t>
+            </a:r>
+          </a:p>
+          <a:p>
+            <a:pPr lvl="2"/>
+            <a:r>
+              <a:rPr lang="en-US" dirty="0"/>
+              <a:t>IB Ross Broiler Starter Feed</a:t>
+            </a:r>
+          </a:p>
+          <a:p>
+            <a:pPr lvl="2"/>
+            <a:r>
+              <a:rPr lang="en-US" dirty="0"/>
+              <a:t>IB Ross Broiler Finisher Feed</a:t>
+            </a:r>
+          </a:p>
+          <a:p>
+            <a:pPr lvl="1"/>
             <a:r>
               <a:rPr lang="en-IN" dirty="0"/>
-              <a:t>2019</a:t>
-            </a:r>
-          </a:p>
-          <a:p>
+              <a:t>Medium Freq Medium Value</a:t>
+            </a:r>
+          </a:p>
+          <a:p>
+            <a:pPr lvl="2"/>
             <a:r>
               <a:rPr lang="en-IN" dirty="0"/>
-              <a:t>at various price points.</a:t>
-            </a:r>
-          </a:p>
-          <a:p>
+              <a:t>Soya Bean (MP)</a:t>
+            </a:r>
+          </a:p>
+          <a:p>
+            <a:pPr lvl="2"/>
+            <a:r>
+              <a:rPr lang="en-IN" dirty="0"/>
+              <a:t>Maize</a:t>
+            </a:r>
+          </a:p>
+          <a:p>
+            <a:pPr lvl="2"/>
             <a:endParaRPr lang="en-IN" dirty="0"/>
           </a:p>
           <a:p>
-            <a:r>
-              <a:rPr lang="en-IN" sz="2000" dirty="0"/>
-              <a:t>The size of the circle is based on Gross value and Colour on PO Quantity.</a:t>
-            </a:r>
+            <a:pPr lvl="1"/>
+            <a:endParaRPr lang="en-IN" dirty="0"/>
           </a:p>
           <a:p>
             <a:endParaRPr lang="en-IN" dirty="0"/>
           </a:p>
         </p:txBody>
       </p:sp>
-      <p:pic>
-        <p:nvPicPr>
-          <p:cNvPr id="5" name="Content Placeholder 4">
-            <a:extLst>
-              <a:ext uri="{FF2B5EF4-FFF2-40B4-BE49-F238E27FC236}">
-                <a16:creationId xmlns:a16="http://schemas.microsoft.com/office/drawing/2014/main" id="{B0BA39B8-E006-4CC3-BD13-10058852F302}"/>
-              </a:ext>
-            </a:extLst>
-          </p:cNvPr>
-          <p:cNvPicPr>
-            <a:picLocks noGrp="1" noChangeAspect="1"/>
-          </p:cNvPicPr>
+      <p:sp>
+        <p:nvSpPr>
+          <p:cNvPr id="5" name="Slide Number Placeholder 4">
+            <a:extLst>
+              <a:ext uri="{FF2B5EF4-FFF2-40B4-BE49-F238E27FC236}">
+                <a16:creationId xmlns:a16="http://schemas.microsoft.com/office/drawing/2014/main" id="{2E964B5B-A137-AD57-C16C-950A857BAB27}"/>
+              </a:ext>
+            </a:extLst>
+          </p:cNvPr>
+          <p:cNvSpPr>
+            <a:spLocks noGrp="1"/>
+          </p:cNvSpPr>
           <p:nvPr>
-            <p:ph sz="half" idx="2"/>
+            <p:ph type="sldNum" sz="quarter" idx="12"/>
           </p:nvPr>
-        </p:nvPicPr>
-        <p:blipFill>
-          <a:blip r:embed="rId2"/>
-          <a:stretch>
-            <a:fillRect/>
-          </a:stretch>
-        </p:blipFill>
-        <p:spPr>
-          <a:xfrm>
-            <a:off x="4006850" y="1842375"/>
-            <a:ext cx="7346950" cy="4317838"/>
-          </a:xfrm>
-          <a:prstGeom prst="rect">
-            <a:avLst/>
-          </a:prstGeom>
-        </p:spPr>
-      </p:pic>
+        </p:nvSpPr>
+        <p:spPr/>
+        <p:txBody>
+          <a:bodyPr/>
+          <a:lstStyle/>
+          <a:p>
+            <a:fld id="{4EC590C8-968F-4B97-9FB2-6283B74354EF}" type="slidenum">
+              <a:rPr lang="en-IN" smtClean="0"/>
+              <a:t>46</a:t>
+            </a:fld>
+            <a:endParaRPr lang="en-IN"/>
+          </a:p>
+        </p:txBody>
+      </p:sp>
     </p:spTree>
     <p:extLst>
       <p:ext uri="{BB962C8B-B14F-4D97-AF65-F5344CB8AC3E}">
-        <p14:creationId xmlns:p14="http://schemas.microsoft.com/office/powerpoint/2010/main" val="1519980239"/>
+        <p14:creationId xmlns:p14="http://schemas.microsoft.com/office/powerpoint/2010/main" val="30871931"/>
       </p:ext>
     </p:extLst>
   </p:cSld>
@@ -21264,7 +22441,7 @@
           <p:cNvPr id="2" name="Title 1">
             <a:extLst>
               <a:ext uri="{FF2B5EF4-FFF2-40B4-BE49-F238E27FC236}">
-                <a16:creationId xmlns:a16="http://schemas.microsoft.com/office/drawing/2014/main" id="{0626F80F-8B6A-4F71-A689-0C05E720D0A6}"/>
+                <a16:creationId xmlns:a16="http://schemas.microsoft.com/office/drawing/2014/main" id="{F8032565-C06C-4E5A-B014-D624792BBE67}"/>
               </a:ext>
             </a:extLst>
           </p:cNvPr>
@@ -21282,7 +22459,15 @@
           <a:p>
             <a:r>
               <a:rPr lang="en-IN" dirty="0"/>
-              <a:t>Explore Price Variation</a:t>
+              <a:t>Ordering Trend – for </a:t>
+            </a:r>
+            <a:r>
+              <a:rPr lang="en-US" sz="4400" dirty="0"/>
+              <a:t>IB Ross Broiler Starter Feed for March 2019</a:t>
+            </a:r>
+            <a:r>
+              <a:rPr lang="en-IN" dirty="0"/>
+              <a:t> </a:t>
             </a:r>
           </a:p>
         </p:txBody>
@@ -21292,7 +22477,7 @@
           <p:cNvPr id="3" name="Content Placeholder 2">
             <a:extLst>
               <a:ext uri="{FF2B5EF4-FFF2-40B4-BE49-F238E27FC236}">
-                <a16:creationId xmlns:a16="http://schemas.microsoft.com/office/drawing/2014/main" id="{7FBD5AE3-4C74-402E-B84C-C9737251A67E}"/>
+                <a16:creationId xmlns:a16="http://schemas.microsoft.com/office/drawing/2014/main" id="{41FF7113-7A84-4794-BE0B-68B854CB4EDB}"/>
               </a:ext>
             </a:extLst>
           </p:cNvPr>
@@ -21300,7 +22485,106 @@
             <a:spLocks noGrp="1"/>
           </p:cNvSpPr>
           <p:nvPr>
-            <p:ph idx="1"/>
+            <p:ph sz="half" idx="1"/>
+          </p:nvPr>
+        </p:nvSpPr>
+        <p:spPr>
+          <a:xfrm>
+            <a:off x="838200" y="1825625"/>
+            <a:ext cx="3252537" cy="4351338"/>
+          </a:xfrm>
+        </p:spPr>
+        <p:txBody>
+          <a:bodyPr>
+            <a:normAutofit lnSpcReduction="10000"/>
+          </a:bodyPr>
+          <a:lstStyle/>
+          <a:p>
+            <a:r>
+              <a:rPr lang="en-IN" dirty="0"/>
+              <a:t>Ordering many times in a single day</a:t>
+            </a:r>
+          </a:p>
+          <a:p>
+            <a:r>
+              <a:rPr lang="en-IN" dirty="0"/>
+              <a:t>2307 PO raised </a:t>
+            </a:r>
+            <a:r>
+              <a:rPr lang="en-IN"/>
+              <a:t>in March </a:t>
+            </a:r>
+            <a:r>
+              <a:rPr lang="en-IN" dirty="0"/>
+              <a:t>2019</a:t>
+            </a:r>
+          </a:p>
+          <a:p>
+            <a:r>
+              <a:rPr lang="en-IN" dirty="0"/>
+              <a:t>at various price points.</a:t>
+            </a:r>
+          </a:p>
+          <a:p>
+            <a:endParaRPr lang="en-IN" dirty="0"/>
+          </a:p>
+          <a:p>
+            <a:r>
+              <a:rPr lang="en-IN" sz="2000" dirty="0"/>
+              <a:t>The size of the circle is based on Gross value and Colour on PO Quantity.</a:t>
+            </a:r>
+          </a:p>
+          <a:p>
+            <a:endParaRPr lang="en-IN" dirty="0"/>
+          </a:p>
+        </p:txBody>
+      </p:sp>
+      <p:pic>
+        <p:nvPicPr>
+          <p:cNvPr id="5" name="Content Placeholder 4">
+            <a:extLst>
+              <a:ext uri="{FF2B5EF4-FFF2-40B4-BE49-F238E27FC236}">
+                <a16:creationId xmlns:a16="http://schemas.microsoft.com/office/drawing/2014/main" id="{B0BA39B8-E006-4CC3-BD13-10058852F302}"/>
+              </a:ext>
+            </a:extLst>
+          </p:cNvPr>
+          <p:cNvPicPr>
+            <a:picLocks noGrp="1" noChangeAspect="1"/>
+          </p:cNvPicPr>
+          <p:nvPr>
+            <p:ph sz="half" idx="2"/>
+          </p:nvPr>
+        </p:nvPicPr>
+        <p:blipFill>
+          <a:blip r:embed="rId2"/>
+          <a:stretch>
+            <a:fillRect/>
+          </a:stretch>
+        </p:blipFill>
+        <p:spPr>
+          <a:xfrm>
+            <a:off x="4006850" y="1842375"/>
+            <a:ext cx="7346950" cy="4317838"/>
+          </a:xfrm>
+          <a:prstGeom prst="rect">
+            <a:avLst/>
+          </a:prstGeom>
+        </p:spPr>
+      </p:pic>
+      <p:sp>
+        <p:nvSpPr>
+          <p:cNvPr id="6" name="Slide Number Placeholder 5">
+            <a:extLst>
+              <a:ext uri="{FF2B5EF4-FFF2-40B4-BE49-F238E27FC236}">
+                <a16:creationId xmlns:a16="http://schemas.microsoft.com/office/drawing/2014/main" id="{3DE51AB9-BFC3-8D2F-1F1D-54B4AF4C847C}"/>
+              </a:ext>
+            </a:extLst>
+          </p:cNvPr>
+          <p:cNvSpPr>
+            <a:spLocks noGrp="1"/>
+          </p:cNvSpPr>
+          <p:nvPr>
+            <p:ph type="sldNum" sz="quarter" idx="12"/>
           </p:nvPr>
         </p:nvSpPr>
         <p:spPr/>
@@ -21308,57 +22592,18 @@
           <a:bodyPr/>
           <a:lstStyle/>
           <a:p>
-            <a:r>
-              <a:rPr lang="en-IN" dirty="0"/>
-              <a:t>We observe a lot of price variation on a monthly basis from the previous slide.</a:t>
-            </a:r>
-          </a:p>
-          <a:p>
-            <a:r>
-              <a:rPr lang="en-IN" dirty="0"/>
-              <a:t>Will need explore price variation in more detail on – </a:t>
-            </a:r>
-          </a:p>
-          <a:p>
-            <a:pPr lvl="1"/>
-            <a:r>
-              <a:rPr lang="en-IN" dirty="0"/>
-              <a:t>weekly </a:t>
-            </a:r>
-          </a:p>
-          <a:p>
-            <a:pPr lvl="2"/>
-            <a:r>
-              <a:rPr lang="en-IN" dirty="0"/>
-              <a:t>Use Box plot to show the variation in min, max and average prices over the week. </a:t>
-            </a:r>
-          </a:p>
-          <a:p>
-            <a:pPr lvl="1"/>
-            <a:r>
-              <a:rPr lang="en-IN" dirty="0"/>
-              <a:t>daily</a:t>
-            </a:r>
-          </a:p>
-          <a:p>
-            <a:pPr lvl="2"/>
-            <a:r>
-              <a:rPr lang="en-IN" dirty="0"/>
-              <a:t>Use line chart to show the daily price variation</a:t>
-            </a:r>
-          </a:p>
-          <a:p>
-            <a:r>
-              <a:rPr lang="en-IN" dirty="0"/>
-              <a:t>We do this for January 2019.</a:t>
-            </a:r>
+            <a:fld id="{4EC590C8-968F-4B97-9FB2-6283B74354EF}" type="slidenum">
+              <a:rPr lang="en-IN" smtClean="0"/>
+              <a:t>47</a:t>
+            </a:fld>
+            <a:endParaRPr lang="en-IN"/>
           </a:p>
         </p:txBody>
       </p:sp>
     </p:spTree>
     <p:extLst>
       <p:ext uri="{BB962C8B-B14F-4D97-AF65-F5344CB8AC3E}">
-        <p14:creationId xmlns:p14="http://schemas.microsoft.com/office/powerpoint/2010/main" val="508095062"/>
+        <p14:creationId xmlns:p14="http://schemas.microsoft.com/office/powerpoint/2010/main" val="1519980239"/>
       </p:ext>
     </p:extLst>
   </p:cSld>
@@ -21390,7 +22635,7 @@
           <p:cNvPr id="2" name="Title 1">
             <a:extLst>
               <a:ext uri="{FF2B5EF4-FFF2-40B4-BE49-F238E27FC236}">
-                <a16:creationId xmlns:a16="http://schemas.microsoft.com/office/drawing/2014/main" id="{BAEAFBCE-B69D-41B3-9CDE-4B17D9CF04A6}"/>
+                <a16:creationId xmlns:a16="http://schemas.microsoft.com/office/drawing/2014/main" id="{0626F80F-8B6A-4F71-A689-0C05E720D0A6}"/>
               </a:ext>
             </a:extLst>
           </p:cNvPr>
@@ -21408,7 +22653,7 @@
           <a:p>
             <a:r>
               <a:rPr lang="en-IN" dirty="0"/>
-              <a:t>Weekly Price Variation for January 2019- (1 of 4)</a:t>
+              <a:t>Explore Price Variation</a:t>
             </a:r>
           </a:p>
         </p:txBody>
@@ -21418,7 +22663,7 @@
           <p:cNvPr id="3" name="Content Placeholder 2">
             <a:extLst>
               <a:ext uri="{FF2B5EF4-FFF2-40B4-BE49-F238E27FC236}">
-                <a16:creationId xmlns:a16="http://schemas.microsoft.com/office/drawing/2014/main" id="{47907AB0-2A23-42FA-B2FF-FBF4EDE7F81D}"/>
+                <a16:creationId xmlns:a16="http://schemas.microsoft.com/office/drawing/2014/main" id="{7FBD5AE3-4C74-402E-B84C-C9737251A67E}"/>
               </a:ext>
             </a:extLst>
           </p:cNvPr>
@@ -21435,49 +22680,85 @@
           <a:lstStyle/>
           <a:p>
             <a:r>
-              <a:rPr lang="en-US" sz="2400" dirty="0"/>
-              <a:t>IB Ross Broiler Starter Feed - observe weekly price variations.</a:t>
-            </a:r>
-          </a:p>
-          <a:p>
-            <a:endParaRPr lang="en-IN" dirty="0"/>
+              <a:rPr lang="en-IN" dirty="0"/>
+              <a:t>We observe a lot of price variation on a monthly basis from the previous slide.</a:t>
+            </a:r>
+          </a:p>
+          <a:p>
+            <a:r>
+              <a:rPr lang="en-IN" dirty="0"/>
+              <a:t>Will need explore price variation in more detail on – </a:t>
+            </a:r>
+          </a:p>
+          <a:p>
+            <a:pPr lvl="1"/>
+            <a:r>
+              <a:rPr lang="en-IN" dirty="0"/>
+              <a:t>weekly </a:t>
+            </a:r>
+          </a:p>
+          <a:p>
+            <a:pPr lvl="2"/>
+            <a:r>
+              <a:rPr lang="en-IN" dirty="0"/>
+              <a:t>Use Box plot to show the variation in min, max and average prices over the week. </a:t>
+            </a:r>
+          </a:p>
+          <a:p>
+            <a:pPr lvl="1"/>
+            <a:r>
+              <a:rPr lang="en-IN" dirty="0"/>
+              <a:t>daily</a:t>
+            </a:r>
+          </a:p>
+          <a:p>
+            <a:pPr lvl="2"/>
+            <a:r>
+              <a:rPr lang="en-IN" dirty="0"/>
+              <a:t>Use line chart to show the daily price variation</a:t>
+            </a:r>
+          </a:p>
+          <a:p>
+            <a:r>
+              <a:rPr lang="en-IN" dirty="0"/>
+              <a:t>We do this for January 2019.</a:t>
+            </a:r>
           </a:p>
         </p:txBody>
       </p:sp>
-      <p:pic>
-        <p:nvPicPr>
-          <p:cNvPr id="6" name="Picture 5">
-            <a:extLst>
-              <a:ext uri="{FF2B5EF4-FFF2-40B4-BE49-F238E27FC236}">
-                <a16:creationId xmlns:a16="http://schemas.microsoft.com/office/drawing/2014/main" id="{47DC1C91-3891-4E5A-B952-4AA52064DE0C}"/>
-              </a:ext>
-            </a:extLst>
-          </p:cNvPr>
-          <p:cNvPicPr>
-            <a:picLocks noChangeAspect="1"/>
-          </p:cNvPicPr>
-          <p:nvPr/>
-        </p:nvPicPr>
-        <p:blipFill>
-          <a:blip r:embed="rId2"/>
-          <a:stretch>
-            <a:fillRect/>
-          </a:stretch>
-        </p:blipFill>
-        <p:spPr>
-          <a:xfrm>
-            <a:off x="838200" y="2296161"/>
-            <a:ext cx="9751695" cy="4351338"/>
-          </a:xfrm>
-          <a:prstGeom prst="rect">
-            <a:avLst/>
-          </a:prstGeom>
-        </p:spPr>
-      </p:pic>
+      <p:sp>
+        <p:nvSpPr>
+          <p:cNvPr id="5" name="Slide Number Placeholder 4">
+            <a:extLst>
+              <a:ext uri="{FF2B5EF4-FFF2-40B4-BE49-F238E27FC236}">
+                <a16:creationId xmlns:a16="http://schemas.microsoft.com/office/drawing/2014/main" id="{6CCBFEBA-A403-4D66-7A6A-F607E7067021}"/>
+              </a:ext>
+            </a:extLst>
+          </p:cNvPr>
+          <p:cNvSpPr>
+            <a:spLocks noGrp="1"/>
+          </p:cNvSpPr>
+          <p:nvPr>
+            <p:ph type="sldNum" sz="quarter" idx="12"/>
+          </p:nvPr>
+        </p:nvSpPr>
+        <p:spPr/>
+        <p:txBody>
+          <a:bodyPr/>
+          <a:lstStyle/>
+          <a:p>
+            <a:fld id="{4EC590C8-968F-4B97-9FB2-6283B74354EF}" type="slidenum">
+              <a:rPr lang="en-IN" smtClean="0"/>
+              <a:t>48</a:t>
+            </a:fld>
+            <a:endParaRPr lang="en-IN"/>
+          </a:p>
+        </p:txBody>
+      </p:sp>
     </p:spTree>
     <p:extLst>
       <p:ext uri="{BB962C8B-B14F-4D97-AF65-F5344CB8AC3E}">
-        <p14:creationId xmlns:p14="http://schemas.microsoft.com/office/powerpoint/2010/main" val="1157891592"/>
+        <p14:creationId xmlns:p14="http://schemas.microsoft.com/office/powerpoint/2010/main" val="508095062"/>
       </p:ext>
     </p:extLst>
   </p:cSld>
@@ -21527,7 +22808,7 @@
           <a:p>
             <a:r>
               <a:rPr lang="en-IN" dirty="0"/>
-              <a:t>Weekly Price Variation for January 2019 – (2 of 4)</a:t>
+              <a:t>Weekly Price Variation for January 2019- (1 of 4)</a:t>
             </a:r>
           </a:p>
         </p:txBody>
@@ -21555,7 +22836,7 @@
           <a:p>
             <a:r>
               <a:rPr lang="en-US" sz="2400" dirty="0"/>
-              <a:t>IB Ross Broiler Finisher Feed – observe weekly price variations.</a:t>
+              <a:t>IB Ross Broiler Starter Feed - observe weekly price variations.</a:t>
             </a:r>
           </a:p>
           <a:p>
@@ -21565,10 +22846,10 @@
       </p:sp>
       <p:pic>
         <p:nvPicPr>
-          <p:cNvPr id="5" name="Picture 4">
-            <a:extLst>
-              <a:ext uri="{FF2B5EF4-FFF2-40B4-BE49-F238E27FC236}">
-                <a16:creationId xmlns:a16="http://schemas.microsoft.com/office/drawing/2014/main" id="{45362A81-D072-4181-A988-F3C89C56864C}"/>
+          <p:cNvPr id="6" name="Picture 5">
+            <a:extLst>
+              <a:ext uri="{FF2B5EF4-FFF2-40B4-BE49-F238E27FC236}">
+                <a16:creationId xmlns:a16="http://schemas.microsoft.com/office/drawing/2014/main" id="{47DC1C91-3891-4E5A-B952-4AA52064DE0C}"/>
               </a:ext>
             </a:extLst>
           </p:cNvPr>
@@ -21585,18 +22866,47 @@
         </p:blipFill>
         <p:spPr>
           <a:xfrm>
-            <a:off x="1278294" y="2265960"/>
-            <a:ext cx="8909762" cy="4500600"/>
+            <a:off x="838200" y="2296161"/>
+            <a:ext cx="9751695" cy="4351338"/>
           </a:xfrm>
           <a:prstGeom prst="rect">
             <a:avLst/>
           </a:prstGeom>
         </p:spPr>
       </p:pic>
+      <p:sp>
+        <p:nvSpPr>
+          <p:cNvPr id="5" name="Slide Number Placeholder 4">
+            <a:extLst>
+              <a:ext uri="{FF2B5EF4-FFF2-40B4-BE49-F238E27FC236}">
+                <a16:creationId xmlns:a16="http://schemas.microsoft.com/office/drawing/2014/main" id="{BE24A451-064E-15A2-9F3D-BFFAC1F3A0BA}"/>
+              </a:ext>
+            </a:extLst>
+          </p:cNvPr>
+          <p:cNvSpPr>
+            <a:spLocks noGrp="1"/>
+          </p:cNvSpPr>
+          <p:nvPr>
+            <p:ph type="sldNum" sz="quarter" idx="12"/>
+          </p:nvPr>
+        </p:nvSpPr>
+        <p:spPr/>
+        <p:txBody>
+          <a:bodyPr/>
+          <a:lstStyle/>
+          <a:p>
+            <a:fld id="{4EC590C8-968F-4B97-9FB2-6283B74354EF}" type="slidenum">
+              <a:rPr lang="en-IN" smtClean="0"/>
+              <a:t>49</a:t>
+            </a:fld>
+            <a:endParaRPr lang="en-IN"/>
+          </a:p>
+        </p:txBody>
+      </p:sp>
     </p:spTree>
     <p:extLst>
       <p:ext uri="{BB962C8B-B14F-4D97-AF65-F5344CB8AC3E}">
-        <p14:creationId xmlns:p14="http://schemas.microsoft.com/office/powerpoint/2010/main" val="1358890528"/>
+        <p14:creationId xmlns:p14="http://schemas.microsoft.com/office/powerpoint/2010/main" val="1157891592"/>
       </p:ext>
     </p:extLst>
   </p:cSld>
@@ -21646,8 +22956,13 @@
           <a:p>
             <a:r>
               <a:rPr lang="en-IN" dirty="0"/>
-              <a:t>EDA</a:t>
-            </a:r>
+              <a:t>Data </a:t>
+            </a:r>
+            <a:r>
+              <a:rPr lang="en-IN" dirty="0" err="1"/>
+              <a:t>Preprocessing</a:t>
+            </a:r>
+            <a:endParaRPr lang="en-IN" dirty="0"/>
           </a:p>
         </p:txBody>
       </p:sp>
@@ -21674,63 +22989,82 @@
           <a:p>
             <a:r>
               <a:rPr lang="en-IN" dirty="0"/>
-              <a:t>We explored data to  answer questions – </a:t>
+              <a:t>Filtered out data and kept only for Year 2018 and 2019</a:t>
+            </a:r>
+          </a:p>
+          <a:p>
+            <a:r>
+              <a:rPr lang="en-IN" dirty="0"/>
+              <a:t>Removed 0 Gross Value Observations</a:t>
+            </a:r>
+          </a:p>
+          <a:p>
+            <a:r>
+              <a:rPr lang="en-IN" dirty="0"/>
+              <a:t>Removed features with </a:t>
             </a:r>
           </a:p>
           <a:p>
             <a:pPr lvl="1"/>
             <a:r>
               <a:rPr lang="en-IN" dirty="0"/>
-              <a:t>How much was spent ?</a:t>
+              <a:t>more than 90% Null  value</a:t>
             </a:r>
           </a:p>
           <a:p>
             <a:pPr lvl="1"/>
             <a:r>
               <a:rPr lang="en-IN" dirty="0"/>
-              <a:t>Who spends ?</a:t>
-            </a:r>
-          </a:p>
-          <a:p>
-            <a:pPr lvl="1"/>
+              <a:t>single value only</a:t>
+            </a:r>
+          </a:p>
+          <a:p>
             <a:r>
               <a:rPr lang="en-IN" dirty="0"/>
-              <a:t>What is bought ?</a:t>
-            </a:r>
-          </a:p>
-          <a:p>
-            <a:pPr lvl="1"/>
+              <a:t>Imputed missing values for some features</a:t>
+            </a:r>
+          </a:p>
+          <a:p>
             <a:r>
               <a:rPr lang="en-IN" dirty="0"/>
-              <a:t>Get top N materials which are hight ticket items, contributing considerably towards the gross value.</a:t>
-            </a:r>
-          </a:p>
-          <a:p>
-            <a:r>
-              <a:rPr lang="en-IN" dirty="0"/>
-              <a:t>Tool Used – </a:t>
-            </a:r>
-          </a:p>
-          <a:p>
-            <a:pPr lvl="1"/>
-            <a:r>
-              <a:rPr lang="en-IN" dirty="0"/>
-              <a:t>Tableau</a:t>
-            </a:r>
-          </a:p>
-          <a:p>
-            <a:pPr lvl="1"/>
-            <a:r>
-              <a:rPr lang="en-IN" dirty="0"/>
-              <a:t>Have used a bit of Python too </a:t>
-            </a:r>
+              <a:t>Tool  used - Python</a:t>
+            </a:r>
+          </a:p>
+        </p:txBody>
+      </p:sp>
+      <p:sp>
+        <p:nvSpPr>
+          <p:cNvPr id="5" name="Slide Number Placeholder 4">
+            <a:extLst>
+              <a:ext uri="{FF2B5EF4-FFF2-40B4-BE49-F238E27FC236}">
+                <a16:creationId xmlns:a16="http://schemas.microsoft.com/office/drawing/2014/main" id="{2C92D33C-1E95-5ED7-F619-D6BE0F00465E}"/>
+              </a:ext>
+            </a:extLst>
+          </p:cNvPr>
+          <p:cNvSpPr>
+            <a:spLocks noGrp="1"/>
+          </p:cNvSpPr>
+          <p:nvPr>
+            <p:ph type="sldNum" sz="quarter" idx="12"/>
+          </p:nvPr>
+        </p:nvSpPr>
+        <p:spPr/>
+        <p:txBody>
+          <a:bodyPr/>
+          <a:lstStyle/>
+          <a:p>
+            <a:fld id="{4EC590C8-968F-4B97-9FB2-6283B74354EF}" type="slidenum">
+              <a:rPr lang="en-IN" smtClean="0"/>
+              <a:t>5</a:t>
+            </a:fld>
+            <a:endParaRPr lang="en-IN"/>
           </a:p>
         </p:txBody>
       </p:sp>
     </p:spTree>
     <p:extLst>
       <p:ext uri="{BB962C8B-B14F-4D97-AF65-F5344CB8AC3E}">
-        <p14:creationId xmlns:p14="http://schemas.microsoft.com/office/powerpoint/2010/main" val="3455809383"/>
+        <p14:creationId xmlns:p14="http://schemas.microsoft.com/office/powerpoint/2010/main" val="3397996456"/>
       </p:ext>
     </p:extLst>
   </p:cSld>
@@ -21780,7 +23114,7 @@
           <a:p>
             <a:r>
               <a:rPr lang="en-IN" dirty="0"/>
-              <a:t>Weekly Price Variation for January 2019 -  (3 of 4)</a:t>
+              <a:t>Weekly Price Variation for January 2019 – (2 of 4)</a:t>
             </a:r>
           </a:p>
         </p:txBody>
@@ -21808,7 +23142,7 @@
           <a:p>
             <a:r>
               <a:rPr lang="en-US" sz="2400" dirty="0"/>
-              <a:t>Soya Bean(MP) - observe weekly price variations.</a:t>
+              <a:t>IB Ross Broiler Finisher Feed – observe weekly price variations.</a:t>
             </a:r>
           </a:p>
           <a:p>
@@ -21818,10 +23152,10 @@
       </p:sp>
       <p:pic>
         <p:nvPicPr>
-          <p:cNvPr id="6" name="Picture 5">
-            <a:extLst>
-              <a:ext uri="{FF2B5EF4-FFF2-40B4-BE49-F238E27FC236}">
-                <a16:creationId xmlns:a16="http://schemas.microsoft.com/office/drawing/2014/main" id="{92E96370-ED14-42BE-B18A-46A3D050A949}"/>
+          <p:cNvPr id="5" name="Picture 4">
+            <a:extLst>
+              <a:ext uri="{FF2B5EF4-FFF2-40B4-BE49-F238E27FC236}">
+                <a16:creationId xmlns:a16="http://schemas.microsoft.com/office/drawing/2014/main" id="{45362A81-D072-4181-A988-F3C89C56864C}"/>
               </a:ext>
             </a:extLst>
           </p:cNvPr>
@@ -21838,18 +23172,47 @@
         </p:blipFill>
         <p:spPr>
           <a:xfrm>
-            <a:off x="1409252" y="2333700"/>
-            <a:ext cx="7785342" cy="3978200"/>
+            <a:off x="1278294" y="2265960"/>
+            <a:ext cx="8909762" cy="4500600"/>
           </a:xfrm>
           <a:prstGeom prst="rect">
             <a:avLst/>
           </a:prstGeom>
         </p:spPr>
       </p:pic>
+      <p:sp>
+        <p:nvSpPr>
+          <p:cNvPr id="6" name="Slide Number Placeholder 5">
+            <a:extLst>
+              <a:ext uri="{FF2B5EF4-FFF2-40B4-BE49-F238E27FC236}">
+                <a16:creationId xmlns:a16="http://schemas.microsoft.com/office/drawing/2014/main" id="{32FC0387-2DC6-50B2-6D43-AB7106D36435}"/>
+              </a:ext>
+            </a:extLst>
+          </p:cNvPr>
+          <p:cNvSpPr>
+            <a:spLocks noGrp="1"/>
+          </p:cNvSpPr>
+          <p:nvPr>
+            <p:ph type="sldNum" sz="quarter" idx="12"/>
+          </p:nvPr>
+        </p:nvSpPr>
+        <p:spPr/>
+        <p:txBody>
+          <a:bodyPr/>
+          <a:lstStyle/>
+          <a:p>
+            <a:fld id="{4EC590C8-968F-4B97-9FB2-6283B74354EF}" type="slidenum">
+              <a:rPr lang="en-IN" smtClean="0"/>
+              <a:t>50</a:t>
+            </a:fld>
+            <a:endParaRPr lang="en-IN"/>
+          </a:p>
+        </p:txBody>
+      </p:sp>
     </p:spTree>
     <p:extLst>
       <p:ext uri="{BB962C8B-B14F-4D97-AF65-F5344CB8AC3E}">
-        <p14:creationId xmlns:p14="http://schemas.microsoft.com/office/powerpoint/2010/main" val="2405714687"/>
+        <p14:creationId xmlns:p14="http://schemas.microsoft.com/office/powerpoint/2010/main" val="1358890528"/>
       </p:ext>
     </p:extLst>
   </p:cSld>
@@ -21899,7 +23262,7 @@
           <a:p>
             <a:r>
               <a:rPr lang="en-IN" dirty="0"/>
-              <a:t>Weekly Price Variation for January 2019 – (4 of 4)</a:t>
+              <a:t>Weekly Price Variation for January 2019 -  (3 of 4)</a:t>
             </a:r>
           </a:p>
         </p:txBody>
@@ -21927,7 +23290,7 @@
           <a:p>
             <a:r>
               <a:rPr lang="en-US" sz="2400" dirty="0"/>
-              <a:t>Maize - observe weekly price variations.</a:t>
+              <a:t>Soya Bean(MP) - observe weekly price variations.</a:t>
             </a:r>
           </a:p>
           <a:p>
@@ -21940,7 +23303,7 @@
           <p:cNvPr id="6" name="Picture 5">
             <a:extLst>
               <a:ext uri="{FF2B5EF4-FFF2-40B4-BE49-F238E27FC236}">
-                <a16:creationId xmlns:a16="http://schemas.microsoft.com/office/drawing/2014/main" id="{FBE11B29-088D-41C5-89A2-463A47200010}"/>
+                <a16:creationId xmlns:a16="http://schemas.microsoft.com/office/drawing/2014/main" id="{92E96370-ED14-42BE-B18A-46A3D050A949}"/>
               </a:ext>
             </a:extLst>
           </p:cNvPr>
@@ -21957,18 +23320,47 @@
         </p:blipFill>
         <p:spPr>
           <a:xfrm>
-            <a:off x="2978020" y="2189747"/>
-            <a:ext cx="8375780" cy="4494618"/>
+            <a:off x="1409252" y="2333700"/>
+            <a:ext cx="7785342" cy="3978200"/>
           </a:xfrm>
           <a:prstGeom prst="rect">
             <a:avLst/>
           </a:prstGeom>
         </p:spPr>
       </p:pic>
+      <p:sp>
+        <p:nvSpPr>
+          <p:cNvPr id="5" name="Slide Number Placeholder 4">
+            <a:extLst>
+              <a:ext uri="{FF2B5EF4-FFF2-40B4-BE49-F238E27FC236}">
+                <a16:creationId xmlns:a16="http://schemas.microsoft.com/office/drawing/2014/main" id="{EE687D80-E23D-F2D0-291A-F77F6E7A8553}"/>
+              </a:ext>
+            </a:extLst>
+          </p:cNvPr>
+          <p:cNvSpPr>
+            <a:spLocks noGrp="1"/>
+          </p:cNvSpPr>
+          <p:nvPr>
+            <p:ph type="sldNum" sz="quarter" idx="12"/>
+          </p:nvPr>
+        </p:nvSpPr>
+        <p:spPr/>
+        <p:txBody>
+          <a:bodyPr/>
+          <a:lstStyle/>
+          <a:p>
+            <a:fld id="{4EC590C8-968F-4B97-9FB2-6283B74354EF}" type="slidenum">
+              <a:rPr lang="en-IN" smtClean="0"/>
+              <a:t>51</a:t>
+            </a:fld>
+            <a:endParaRPr lang="en-IN"/>
+          </a:p>
+        </p:txBody>
+      </p:sp>
     </p:spTree>
     <p:extLst>
       <p:ext uri="{BB962C8B-B14F-4D97-AF65-F5344CB8AC3E}">
-        <p14:creationId xmlns:p14="http://schemas.microsoft.com/office/powerpoint/2010/main" val="4112132805"/>
+        <p14:creationId xmlns:p14="http://schemas.microsoft.com/office/powerpoint/2010/main" val="2405714687"/>
       </p:ext>
     </p:extLst>
   </p:cSld>
@@ -22000,7 +23392,7 @@
           <p:cNvPr id="2" name="Title 1">
             <a:extLst>
               <a:ext uri="{FF2B5EF4-FFF2-40B4-BE49-F238E27FC236}">
-                <a16:creationId xmlns:a16="http://schemas.microsoft.com/office/drawing/2014/main" id="{7F9BFFFD-3ADE-4122-BF94-35F91A7A4F55}"/>
+                <a16:creationId xmlns:a16="http://schemas.microsoft.com/office/drawing/2014/main" id="{BAEAFBCE-B69D-41B3-9CDE-4B17D9CF04A6}"/>
               </a:ext>
             </a:extLst>
           </p:cNvPr>
@@ -22018,17 +23410,17 @@
           <a:p>
             <a:r>
               <a:rPr lang="en-IN" dirty="0"/>
-              <a:t>Daily Buying Trend - Jan  2019 – (1 of 4)</a:t>
+              <a:t>Weekly Price Variation for January 2019 – (4 of 4)</a:t>
             </a:r>
           </a:p>
         </p:txBody>
       </p:sp>
       <p:sp>
         <p:nvSpPr>
-          <p:cNvPr id="12" name="Content Placeholder 11">
-            <a:extLst>
-              <a:ext uri="{FF2B5EF4-FFF2-40B4-BE49-F238E27FC236}">
-                <a16:creationId xmlns:a16="http://schemas.microsoft.com/office/drawing/2014/main" id="{70C95B63-435C-4E00-844C-DC93E902990D}"/>
+          <p:cNvPr id="3" name="Content Placeholder 2">
+            <a:extLst>
+              <a:ext uri="{FF2B5EF4-FFF2-40B4-BE49-F238E27FC236}">
+                <a16:creationId xmlns:a16="http://schemas.microsoft.com/office/drawing/2014/main" id="{47907AB0-2A23-42FA-B2FF-FBF4EDE7F81D}"/>
               </a:ext>
             </a:extLst>
           </p:cNvPr>
@@ -22036,50 +23428,37 @@
             <a:spLocks noGrp="1"/>
           </p:cNvSpPr>
           <p:nvPr>
-            <p:ph sz="half" idx="1"/>
+            <p:ph idx="1"/>
           </p:nvPr>
         </p:nvSpPr>
-        <p:spPr>
-          <a:xfrm>
-            <a:off x="838200" y="1825625"/>
-            <a:ext cx="6525126" cy="580691"/>
-          </a:xfrm>
-        </p:spPr>
+        <p:spPr/>
         <p:txBody>
-          <a:bodyPr>
-            <a:normAutofit/>
-          </a:bodyPr>
+          <a:bodyPr/>
           <a:lstStyle/>
           <a:p>
-            <a:pPr marL="0" indent="0">
-              <a:buNone/>
-            </a:pPr>
-            <a:r>
-              <a:rPr lang="en-IN" sz="2400" dirty="0"/>
-              <a:t>High Freq High Value - </a:t>
-            </a:r>
             <a:r>
               <a:rPr lang="en-US" sz="2400" dirty="0"/>
-              <a:t>IB Ross Broiler Starter Feed</a:t>
-            </a:r>
+              <a:t>Maize - observe weekly price variations.</a:t>
+            </a:r>
+          </a:p>
+          <a:p>
+            <a:endParaRPr lang="en-IN" dirty="0"/>
           </a:p>
         </p:txBody>
       </p:sp>
       <p:pic>
         <p:nvPicPr>
-          <p:cNvPr id="10" name="Content Placeholder 3">
-            <a:extLst>
-              <a:ext uri="{FF2B5EF4-FFF2-40B4-BE49-F238E27FC236}">
-                <a16:creationId xmlns:a16="http://schemas.microsoft.com/office/drawing/2014/main" id="{8208C152-C9FA-43F0-BFC5-825B407D410E}"/>
+          <p:cNvPr id="6" name="Picture 5">
+            <a:extLst>
+              <a:ext uri="{FF2B5EF4-FFF2-40B4-BE49-F238E27FC236}">
+                <a16:creationId xmlns:a16="http://schemas.microsoft.com/office/drawing/2014/main" id="{FBE11B29-088D-41C5-89A2-463A47200010}"/>
               </a:ext>
             </a:extLst>
           </p:cNvPr>
           <p:cNvPicPr>
-            <a:picLocks noGrp="1" noChangeAspect="1"/>
+            <a:picLocks noChangeAspect="1"/>
           </p:cNvPicPr>
-          <p:nvPr>
-            <p:ph sz="half" idx="2"/>
-          </p:nvPr>
+          <p:nvPr/>
         </p:nvPicPr>
         <p:blipFill>
           <a:blip r:embed="rId2"/>
@@ -22089,15 +23468,47 @@
         </p:blipFill>
         <p:spPr>
           <a:xfrm>
-            <a:off x="1515979" y="2634983"/>
-            <a:ext cx="8911389" cy="3857892"/>
+            <a:off x="2978020" y="2189747"/>
+            <a:ext cx="8375780" cy="4494618"/>
           </a:xfrm>
+          <a:prstGeom prst="rect">
+            <a:avLst/>
+          </a:prstGeom>
         </p:spPr>
       </p:pic>
+      <p:sp>
+        <p:nvSpPr>
+          <p:cNvPr id="5" name="Slide Number Placeholder 4">
+            <a:extLst>
+              <a:ext uri="{FF2B5EF4-FFF2-40B4-BE49-F238E27FC236}">
+                <a16:creationId xmlns:a16="http://schemas.microsoft.com/office/drawing/2014/main" id="{41A2E4F7-BC06-E8E4-6E08-7DB0B05B4F5A}"/>
+              </a:ext>
+            </a:extLst>
+          </p:cNvPr>
+          <p:cNvSpPr>
+            <a:spLocks noGrp="1"/>
+          </p:cNvSpPr>
+          <p:nvPr>
+            <p:ph type="sldNum" sz="quarter" idx="12"/>
+          </p:nvPr>
+        </p:nvSpPr>
+        <p:spPr/>
+        <p:txBody>
+          <a:bodyPr/>
+          <a:lstStyle/>
+          <a:p>
+            <a:fld id="{4EC590C8-968F-4B97-9FB2-6283B74354EF}" type="slidenum">
+              <a:rPr lang="en-IN" smtClean="0"/>
+              <a:t>52</a:t>
+            </a:fld>
+            <a:endParaRPr lang="en-IN"/>
+          </a:p>
+        </p:txBody>
+      </p:sp>
     </p:spTree>
     <p:extLst>
       <p:ext uri="{BB962C8B-B14F-4D97-AF65-F5344CB8AC3E}">
-        <p14:creationId xmlns:p14="http://schemas.microsoft.com/office/powerpoint/2010/main" val="2219867739"/>
+        <p14:creationId xmlns:p14="http://schemas.microsoft.com/office/powerpoint/2010/main" val="4112132805"/>
       </p:ext>
     </p:extLst>
   </p:cSld>
@@ -22147,17 +23558,17 @@
           <a:p>
             <a:r>
               <a:rPr lang="en-IN" dirty="0"/>
-              <a:t>Daily Buying Trend - Jan  2019 – (2 of 4)</a:t>
+              <a:t>Daily Buying Trend - Jan  2019 – (1 of 4)</a:t>
             </a:r>
           </a:p>
         </p:txBody>
       </p:sp>
       <p:sp>
         <p:nvSpPr>
-          <p:cNvPr id="8" name="Content Placeholder 7">
-            <a:extLst>
-              <a:ext uri="{FF2B5EF4-FFF2-40B4-BE49-F238E27FC236}">
-                <a16:creationId xmlns:a16="http://schemas.microsoft.com/office/drawing/2014/main" id="{E29524D3-38B4-463D-8A70-5548728537BF}"/>
+          <p:cNvPr id="12" name="Content Placeholder 11">
+            <a:extLst>
+              <a:ext uri="{FF2B5EF4-FFF2-40B4-BE49-F238E27FC236}">
+                <a16:creationId xmlns:a16="http://schemas.microsoft.com/office/drawing/2014/main" id="{70C95B63-435C-4E00-844C-DC93E902990D}"/>
               </a:ext>
             </a:extLst>
           </p:cNvPr>
@@ -22165,51 +23576,18 @@
             <a:spLocks noGrp="1"/>
           </p:cNvSpPr>
           <p:nvPr>
-            <p:ph sz="half" idx="2"/>
+            <p:ph sz="half" idx="1"/>
           </p:nvPr>
         </p:nvSpPr>
         <p:spPr>
           <a:xfrm>
-            <a:off x="4208106" y="1825625"/>
-            <a:ext cx="7145694" cy="4351338"/>
+            <a:off x="838200" y="1825625"/>
+            <a:ext cx="6525126" cy="580691"/>
           </a:xfrm>
         </p:spPr>
         <p:txBody>
-          <a:bodyPr/>
-          <a:lstStyle/>
-          <a:p>
-            <a:r>
-              <a:rPr lang="en-IN" dirty="0"/>
-              <a:t> </a:t>
-            </a:r>
-          </a:p>
-        </p:txBody>
-      </p:sp>
-      <p:sp>
-        <p:nvSpPr>
-          <p:cNvPr id="7" name="TextBox 6">
-            <a:extLst>
-              <a:ext uri="{FF2B5EF4-FFF2-40B4-BE49-F238E27FC236}">
-                <a16:creationId xmlns:a16="http://schemas.microsoft.com/office/drawing/2014/main" id="{6D2A4E41-8C56-4CE1-BA8E-B934D9E047A5}"/>
-              </a:ext>
-            </a:extLst>
-          </p:cNvPr>
-          <p:cNvSpPr txBox="1"/>
-          <p:nvPr/>
-        </p:nvSpPr>
-        <p:spPr>
-          <a:xfrm>
-            <a:off x="606649" y="1535979"/>
-            <a:ext cx="6094206" cy="461665"/>
-          </a:xfrm>
-          <a:prstGeom prst="rect">
-            <a:avLst/>
-          </a:prstGeom>
-          <a:noFill/>
-        </p:spPr>
-        <p:txBody>
-          <a:bodyPr wrap="square">
-            <a:spAutoFit/>
+          <a:bodyPr>
+            <a:normAutofit/>
           </a:bodyPr>
           <a:lstStyle/>
           <a:p>
@@ -22221,26 +23599,27 @@
               <a:t>High Freq High Value - </a:t>
             </a:r>
             <a:r>
-              <a:rPr lang="en-US" sz="2000" dirty="0"/>
-              <a:t>IB Ross Broiler Finisher Feed</a:t>
-            </a:r>
-            <a:endParaRPr lang="en-US" sz="1800" dirty="0"/>
+              <a:rPr lang="en-US" sz="2400" dirty="0"/>
+              <a:t>IB Ross Broiler Starter Feed</a:t>
+            </a:r>
           </a:p>
         </p:txBody>
       </p:sp>
       <p:pic>
         <p:nvPicPr>
-          <p:cNvPr id="11" name="Content Placeholder 3">
-            <a:extLst>
-              <a:ext uri="{FF2B5EF4-FFF2-40B4-BE49-F238E27FC236}">
-                <a16:creationId xmlns:a16="http://schemas.microsoft.com/office/drawing/2014/main" id="{323F99F7-3269-497C-AEFF-3D90FE8B6CC3}"/>
+          <p:cNvPr id="10" name="Content Placeholder 3">
+            <a:extLst>
+              <a:ext uri="{FF2B5EF4-FFF2-40B4-BE49-F238E27FC236}">
+                <a16:creationId xmlns:a16="http://schemas.microsoft.com/office/drawing/2014/main" id="{8208C152-C9FA-43F0-BFC5-825B407D410E}"/>
               </a:ext>
             </a:extLst>
           </p:cNvPr>
           <p:cNvPicPr>
-            <a:picLocks noChangeAspect="1"/>
+            <a:picLocks noGrp="1" noChangeAspect="1"/>
           </p:cNvPicPr>
-          <p:nvPr/>
+          <p:nvPr>
+            <p:ph sz="half" idx="2"/>
+          </p:nvPr>
         </p:nvPicPr>
         <p:blipFill>
           <a:blip r:embed="rId2"/>
@@ -22250,18 +23629,44 @@
         </p:blipFill>
         <p:spPr>
           <a:xfrm>
-            <a:off x="974558" y="2132581"/>
-            <a:ext cx="9501797" cy="4044382"/>
+            <a:off x="1515979" y="2634983"/>
+            <a:ext cx="8911389" cy="3857892"/>
           </a:xfrm>
-          <a:prstGeom prst="rect">
-            <a:avLst/>
-          </a:prstGeom>
         </p:spPr>
       </p:pic>
+      <p:sp>
+        <p:nvSpPr>
+          <p:cNvPr id="4" name="Slide Number Placeholder 3">
+            <a:extLst>
+              <a:ext uri="{FF2B5EF4-FFF2-40B4-BE49-F238E27FC236}">
+                <a16:creationId xmlns:a16="http://schemas.microsoft.com/office/drawing/2014/main" id="{BDDEBB44-8E64-16C9-072E-B35281BF21C9}"/>
+              </a:ext>
+            </a:extLst>
+          </p:cNvPr>
+          <p:cNvSpPr>
+            <a:spLocks noGrp="1"/>
+          </p:cNvSpPr>
+          <p:nvPr>
+            <p:ph type="sldNum" sz="quarter" idx="12"/>
+          </p:nvPr>
+        </p:nvSpPr>
+        <p:spPr/>
+        <p:txBody>
+          <a:bodyPr/>
+          <a:lstStyle/>
+          <a:p>
+            <a:fld id="{4EC590C8-968F-4B97-9FB2-6283B74354EF}" type="slidenum">
+              <a:rPr lang="en-IN" smtClean="0"/>
+              <a:t>53</a:t>
+            </a:fld>
+            <a:endParaRPr lang="en-IN"/>
+          </a:p>
+        </p:txBody>
+      </p:sp>
     </p:spTree>
     <p:extLst>
       <p:ext uri="{BB962C8B-B14F-4D97-AF65-F5344CB8AC3E}">
-        <p14:creationId xmlns:p14="http://schemas.microsoft.com/office/powerpoint/2010/main" val="4119964954"/>
+        <p14:creationId xmlns:p14="http://schemas.microsoft.com/office/powerpoint/2010/main" val="2219867739"/>
       </p:ext>
     </p:extLst>
   </p:cSld>
@@ -22311,26 +23716,100 @@
           <a:p>
             <a:r>
               <a:rPr lang="en-IN" dirty="0"/>
-              <a:t>Daily Buying Trend - Jan  2019 – (3 of 4)</a:t>
-            </a:r>
+              <a:t>Daily Buying Trend - Jan  2019 – (2 of 4)</a:t>
+            </a:r>
+          </a:p>
+        </p:txBody>
+      </p:sp>
+      <p:sp>
+        <p:nvSpPr>
+          <p:cNvPr id="8" name="Content Placeholder 7">
+            <a:extLst>
+              <a:ext uri="{FF2B5EF4-FFF2-40B4-BE49-F238E27FC236}">
+                <a16:creationId xmlns:a16="http://schemas.microsoft.com/office/drawing/2014/main" id="{E29524D3-38B4-463D-8A70-5548728537BF}"/>
+              </a:ext>
+            </a:extLst>
+          </p:cNvPr>
+          <p:cNvSpPr>
+            <a:spLocks noGrp="1"/>
+          </p:cNvSpPr>
+          <p:nvPr>
+            <p:ph sz="half" idx="2"/>
+          </p:nvPr>
+        </p:nvSpPr>
+        <p:spPr>
+          <a:xfrm>
+            <a:off x="4208106" y="1825625"/>
+            <a:ext cx="7145694" cy="4351338"/>
+          </a:xfrm>
+        </p:spPr>
+        <p:txBody>
+          <a:bodyPr/>
+          <a:lstStyle/>
+          <a:p>
+            <a:r>
+              <a:rPr lang="en-IN" dirty="0"/>
+              <a:t> </a:t>
+            </a:r>
+          </a:p>
+        </p:txBody>
+      </p:sp>
+      <p:sp>
+        <p:nvSpPr>
+          <p:cNvPr id="7" name="TextBox 6">
+            <a:extLst>
+              <a:ext uri="{FF2B5EF4-FFF2-40B4-BE49-F238E27FC236}">
+                <a16:creationId xmlns:a16="http://schemas.microsoft.com/office/drawing/2014/main" id="{6D2A4E41-8C56-4CE1-BA8E-B934D9E047A5}"/>
+              </a:ext>
+            </a:extLst>
+          </p:cNvPr>
+          <p:cNvSpPr txBox="1"/>
+          <p:nvPr/>
+        </p:nvSpPr>
+        <p:spPr>
+          <a:xfrm>
+            <a:off x="606649" y="1535979"/>
+            <a:ext cx="6094206" cy="461665"/>
+          </a:xfrm>
+          <a:prstGeom prst="rect">
+            <a:avLst/>
+          </a:prstGeom>
+          <a:noFill/>
+        </p:spPr>
+        <p:txBody>
+          <a:bodyPr wrap="square">
+            <a:spAutoFit/>
+          </a:bodyPr>
+          <a:lstStyle/>
+          <a:p>
+            <a:pPr marL="0" indent="0">
+              <a:buNone/>
+            </a:pPr>
+            <a:r>
+              <a:rPr lang="en-IN" sz="2400" dirty="0"/>
+              <a:t>High Freq High Value - </a:t>
+            </a:r>
+            <a:r>
+              <a:rPr lang="en-US" sz="2000" dirty="0"/>
+              <a:t>IB Ross Broiler Finisher Feed</a:t>
+            </a:r>
+            <a:endParaRPr lang="en-US" sz="1800" dirty="0"/>
           </a:p>
         </p:txBody>
       </p:sp>
       <p:pic>
         <p:nvPicPr>
-          <p:cNvPr id="11" name="Content Placeholder 10">
-            <a:extLst>
-              <a:ext uri="{FF2B5EF4-FFF2-40B4-BE49-F238E27FC236}">
-                <a16:creationId xmlns:a16="http://schemas.microsoft.com/office/drawing/2014/main" id="{D0C86C3F-D482-43BA-9DFB-6115A70A5DCC}"/>
+          <p:cNvPr id="11" name="Content Placeholder 3">
+            <a:extLst>
+              <a:ext uri="{FF2B5EF4-FFF2-40B4-BE49-F238E27FC236}">
+                <a16:creationId xmlns:a16="http://schemas.microsoft.com/office/drawing/2014/main" id="{323F99F7-3269-497C-AEFF-3D90FE8B6CC3}"/>
               </a:ext>
             </a:extLst>
           </p:cNvPr>
           <p:cNvPicPr>
-            <a:picLocks noGrp="1" noChangeAspect="1"/>
+            <a:picLocks noChangeAspect="1"/>
           </p:cNvPicPr>
-          <p:nvPr>
-            <p:ph sz="half" idx="2"/>
-          </p:nvPr>
+          <p:nvPr/>
         </p:nvPicPr>
         <p:blipFill>
           <a:blip r:embed="rId2"/>
@@ -22340,17 +23819,20 @@
         </p:blipFill>
         <p:spPr>
           <a:xfrm>
-            <a:off x="838200" y="2141537"/>
-            <a:ext cx="10079074" cy="4351338"/>
+            <a:off x="974558" y="2132581"/>
+            <a:ext cx="9501797" cy="4044382"/>
           </a:xfrm>
+          <a:prstGeom prst="rect">
+            <a:avLst/>
+          </a:prstGeom>
         </p:spPr>
       </p:pic>
       <p:sp>
         <p:nvSpPr>
-          <p:cNvPr id="12" name="Content Placeholder 11">
-            <a:extLst>
-              <a:ext uri="{FF2B5EF4-FFF2-40B4-BE49-F238E27FC236}">
-                <a16:creationId xmlns:a16="http://schemas.microsoft.com/office/drawing/2014/main" id="{70C95B63-435C-4E00-844C-DC93E902990D}"/>
+          <p:cNvPr id="4" name="Slide Number Placeholder 3">
+            <a:extLst>
+              <a:ext uri="{FF2B5EF4-FFF2-40B4-BE49-F238E27FC236}">
+                <a16:creationId xmlns:a16="http://schemas.microsoft.com/office/drawing/2014/main" id="{4AD4B797-673A-349D-50DA-322B8FE4F482}"/>
               </a:ext>
             </a:extLst>
           </p:cNvPr>
@@ -22358,36 +23840,26 @@
             <a:spLocks noGrp="1"/>
           </p:cNvSpPr>
           <p:nvPr>
-            <p:ph sz="half" idx="1"/>
+            <p:ph type="sldNum" sz="quarter" idx="12"/>
           </p:nvPr>
         </p:nvSpPr>
-        <p:spPr>
-          <a:xfrm>
-            <a:off x="838200" y="1825625"/>
-            <a:ext cx="6368716" cy="520533"/>
-          </a:xfrm>
-        </p:spPr>
+        <p:spPr/>
         <p:txBody>
-          <a:bodyPr>
-            <a:normAutofit/>
-          </a:bodyPr>
+          <a:bodyPr/>
           <a:lstStyle/>
           <a:p>
-            <a:pPr marL="0" indent="0">
-              <a:buNone/>
-            </a:pPr>
-            <a:r>
-              <a:rPr lang="en-IN" sz="2400" dirty="0"/>
-              <a:t>Medium Freq Medium Value - Soya Bean (MP)</a:t>
-            </a:r>
-            <a:endParaRPr lang="en-IN" dirty="0"/>
+            <a:fld id="{4EC590C8-968F-4B97-9FB2-6283B74354EF}" type="slidenum">
+              <a:rPr lang="en-IN" smtClean="0"/>
+              <a:t>54</a:t>
+            </a:fld>
+            <a:endParaRPr lang="en-IN"/>
           </a:p>
         </p:txBody>
       </p:sp>
     </p:spTree>
     <p:extLst>
       <p:ext uri="{BB962C8B-B14F-4D97-AF65-F5344CB8AC3E}">
-        <p14:creationId xmlns:p14="http://schemas.microsoft.com/office/powerpoint/2010/main" val="1664227811"/>
+        <p14:creationId xmlns:p14="http://schemas.microsoft.com/office/powerpoint/2010/main" val="4119964954"/>
       </p:ext>
     </p:extLst>
   </p:cSld>
@@ -22437,17 +23909,17 @@
           <a:p>
             <a:r>
               <a:rPr lang="en-IN" dirty="0"/>
-              <a:t>Daily Buying Trend - Jan  2019 – ( 4 of 4)</a:t>
+              <a:t>Daily Buying Trend - Jan  2019 – (3 of 4)</a:t>
             </a:r>
           </a:p>
         </p:txBody>
       </p:sp>
       <p:pic>
         <p:nvPicPr>
-          <p:cNvPr id="9" name="Content Placeholder 8">
-            <a:extLst>
-              <a:ext uri="{FF2B5EF4-FFF2-40B4-BE49-F238E27FC236}">
-                <a16:creationId xmlns:a16="http://schemas.microsoft.com/office/drawing/2014/main" id="{8DE36EA1-CBDC-4B41-953A-B15D9A59A9A3}"/>
+          <p:cNvPr id="11" name="Content Placeholder 10">
+            <a:extLst>
+              <a:ext uri="{FF2B5EF4-FFF2-40B4-BE49-F238E27FC236}">
+                <a16:creationId xmlns:a16="http://schemas.microsoft.com/office/drawing/2014/main" id="{D0C86C3F-D482-43BA-9DFB-6115A70A5DCC}"/>
               </a:ext>
             </a:extLst>
           </p:cNvPr>
@@ -22466,8 +23938,8 @@
         </p:blipFill>
         <p:spPr>
           <a:xfrm>
-            <a:off x="838200" y="2223632"/>
-            <a:ext cx="9861884" cy="4271821"/>
+            <a:off x="838200" y="2141537"/>
+            <a:ext cx="10079074" cy="4351338"/>
           </a:xfrm>
         </p:spPr>
       </p:pic>
@@ -22490,7 +23962,7 @@
         <p:spPr>
           <a:xfrm>
             <a:off x="838200" y="1825625"/>
-            <a:ext cx="7154862" cy="749133"/>
+            <a:ext cx="6368716" cy="520533"/>
           </a:xfrm>
         </p:spPr>
         <p:txBody>
@@ -22504,19 +23976,45 @@
             </a:pPr>
             <a:r>
               <a:rPr lang="en-IN" sz="2400" dirty="0"/>
-              <a:t>Medium Freq Medium Value - </a:t>
-            </a:r>
-            <a:r>
-              <a:rPr lang="en-IN" dirty="0"/>
-              <a:t>Maize</a:t>
-            </a:r>
+              <a:t>Medium Freq Medium Value - Soya Bean (MP)</a:t>
+            </a:r>
+            <a:endParaRPr lang="en-IN" dirty="0"/>
+          </a:p>
+        </p:txBody>
+      </p:sp>
+      <p:sp>
+        <p:nvSpPr>
+          <p:cNvPr id="4" name="Slide Number Placeholder 3">
+            <a:extLst>
+              <a:ext uri="{FF2B5EF4-FFF2-40B4-BE49-F238E27FC236}">
+                <a16:creationId xmlns:a16="http://schemas.microsoft.com/office/drawing/2014/main" id="{B0035F07-F418-0319-B4F4-438D2DE7CB8B}"/>
+              </a:ext>
+            </a:extLst>
+          </p:cNvPr>
+          <p:cNvSpPr>
+            <a:spLocks noGrp="1"/>
+          </p:cNvSpPr>
+          <p:nvPr>
+            <p:ph type="sldNum" sz="quarter" idx="12"/>
+          </p:nvPr>
+        </p:nvSpPr>
+        <p:spPr/>
+        <p:txBody>
+          <a:bodyPr/>
+          <a:lstStyle/>
+          <a:p>
+            <a:fld id="{4EC590C8-968F-4B97-9FB2-6283B74354EF}" type="slidenum">
+              <a:rPr lang="en-IN" smtClean="0"/>
+              <a:t>55</a:t>
+            </a:fld>
+            <a:endParaRPr lang="en-IN"/>
           </a:p>
         </p:txBody>
       </p:sp>
     </p:spTree>
     <p:extLst>
       <p:ext uri="{BB962C8B-B14F-4D97-AF65-F5344CB8AC3E}">
-        <p14:creationId xmlns:p14="http://schemas.microsoft.com/office/powerpoint/2010/main" val="1956820477"/>
+        <p14:creationId xmlns:p14="http://schemas.microsoft.com/office/powerpoint/2010/main" val="1664227811"/>
       </p:ext>
     </p:extLst>
   </p:cSld>
@@ -22548,7 +24046,7 @@
           <p:cNvPr id="2" name="Title 1">
             <a:extLst>
               <a:ext uri="{FF2B5EF4-FFF2-40B4-BE49-F238E27FC236}">
-                <a16:creationId xmlns:a16="http://schemas.microsoft.com/office/drawing/2014/main" id="{2458BBE0-0C66-4E83-8554-6B51B6A4662C}"/>
+                <a16:creationId xmlns:a16="http://schemas.microsoft.com/office/drawing/2014/main" id="{7F9BFFFD-3ADE-4122-BF94-35F91A7A4F55}"/>
               </a:ext>
             </a:extLst>
           </p:cNvPr>
@@ -22566,53 +24064,26 @@
           <a:p>
             <a:r>
               <a:rPr lang="en-IN" dirty="0"/>
-              <a:t>Price Variations ( 1of 2 ) </a:t>
-            </a:r>
-          </a:p>
-        </p:txBody>
-      </p:sp>
-      <p:sp>
-        <p:nvSpPr>
-          <p:cNvPr id="3" name="Content Placeholder 2">
-            <a:extLst>
-              <a:ext uri="{FF2B5EF4-FFF2-40B4-BE49-F238E27FC236}">
-                <a16:creationId xmlns:a16="http://schemas.microsoft.com/office/drawing/2014/main" id="{756DC4EF-0934-457F-AD05-70D29AD9224E}"/>
-              </a:ext>
-            </a:extLst>
-          </p:cNvPr>
-          <p:cNvSpPr>
-            <a:spLocks noGrp="1"/>
-          </p:cNvSpPr>
-          <p:nvPr>
-            <p:ph idx="1"/>
-          </p:nvPr>
-        </p:nvSpPr>
-        <p:spPr/>
-        <p:txBody>
-          <a:bodyPr/>
-          <a:lstStyle/>
-          <a:p>
-            <a:r>
-              <a:rPr lang="en-US" sz="2800" dirty="0"/>
-              <a:t>IB Ross Broiler Starter Feed            IB Ross Broiler Finisher Feed </a:t>
-            </a:r>
-            <a:endParaRPr lang="en-IN" dirty="0"/>
+              <a:t>Daily Buying Trend - Jan  2019 – ( 4 of 4)</a:t>
+            </a:r>
           </a:p>
         </p:txBody>
       </p:sp>
       <p:pic>
         <p:nvPicPr>
-          <p:cNvPr id="5" name="Picture 4">
-            <a:extLst>
-              <a:ext uri="{FF2B5EF4-FFF2-40B4-BE49-F238E27FC236}">
-                <a16:creationId xmlns:a16="http://schemas.microsoft.com/office/drawing/2014/main" id="{EAA9657B-DC44-4BEA-870A-948ABFF4E171}"/>
+          <p:cNvPr id="9" name="Content Placeholder 8">
+            <a:extLst>
+              <a:ext uri="{FF2B5EF4-FFF2-40B4-BE49-F238E27FC236}">
+                <a16:creationId xmlns:a16="http://schemas.microsoft.com/office/drawing/2014/main" id="{8DE36EA1-CBDC-4B41-953A-B15D9A59A9A3}"/>
               </a:ext>
             </a:extLst>
           </p:cNvPr>
           <p:cNvPicPr>
-            <a:picLocks noChangeAspect="1"/>
+            <a:picLocks noGrp="1" noChangeAspect="1"/>
           </p:cNvPicPr>
-          <p:nvPr/>
+          <p:nvPr>
+            <p:ph sz="half" idx="2"/>
+          </p:nvPr>
         </p:nvPicPr>
         <p:blipFill>
           <a:blip r:embed="rId2"/>
@@ -22622,48 +24093,86 @@
         </p:blipFill>
         <p:spPr>
           <a:xfrm>
-            <a:off x="1302419" y="2412958"/>
-            <a:ext cx="3619500" cy="4038600"/>
+            <a:off x="838200" y="2223632"/>
+            <a:ext cx="9861884" cy="4271821"/>
           </a:xfrm>
-          <a:prstGeom prst="rect">
-            <a:avLst/>
-          </a:prstGeom>
         </p:spPr>
       </p:pic>
-      <p:pic>
-        <p:nvPicPr>
-          <p:cNvPr id="7" name="Picture 6">
-            <a:extLst>
-              <a:ext uri="{FF2B5EF4-FFF2-40B4-BE49-F238E27FC236}">
-                <a16:creationId xmlns:a16="http://schemas.microsoft.com/office/drawing/2014/main" id="{00CE026D-F0A8-4249-99D3-5D0192ACECAA}"/>
-              </a:ext>
-            </a:extLst>
-          </p:cNvPr>
-          <p:cNvPicPr>
-            <a:picLocks noChangeAspect="1"/>
-          </p:cNvPicPr>
-          <p:nvPr/>
-        </p:nvPicPr>
-        <p:blipFill>
-          <a:blip r:embed="rId3"/>
-          <a:stretch>
-            <a:fillRect/>
-          </a:stretch>
-        </p:blipFill>
+      <p:sp>
+        <p:nvSpPr>
+          <p:cNvPr id="12" name="Content Placeholder 11">
+            <a:extLst>
+              <a:ext uri="{FF2B5EF4-FFF2-40B4-BE49-F238E27FC236}">
+                <a16:creationId xmlns:a16="http://schemas.microsoft.com/office/drawing/2014/main" id="{70C95B63-435C-4E00-844C-DC93E902990D}"/>
+              </a:ext>
+            </a:extLst>
+          </p:cNvPr>
+          <p:cNvSpPr>
+            <a:spLocks noGrp="1"/>
+          </p:cNvSpPr>
+          <p:nvPr>
+            <p:ph sz="half" idx="1"/>
+          </p:nvPr>
+        </p:nvSpPr>
         <p:spPr>
           <a:xfrm>
-            <a:off x="5957637" y="2361385"/>
-            <a:ext cx="3429000" cy="3952875"/>
+            <a:off x="838200" y="1825625"/>
+            <a:ext cx="7154862" cy="749133"/>
           </a:xfrm>
-          <a:prstGeom prst="rect">
-            <a:avLst/>
-          </a:prstGeom>
         </p:spPr>
-      </p:pic>
+        <p:txBody>
+          <a:bodyPr>
+            <a:normAutofit/>
+          </a:bodyPr>
+          <a:lstStyle/>
+          <a:p>
+            <a:pPr marL="0" indent="0">
+              <a:buNone/>
+            </a:pPr>
+            <a:r>
+              <a:rPr lang="en-IN" sz="2400" dirty="0"/>
+              <a:t>Medium Freq Medium Value - </a:t>
+            </a:r>
+            <a:r>
+              <a:rPr lang="en-IN" dirty="0"/>
+              <a:t>Maize</a:t>
+            </a:r>
+          </a:p>
+        </p:txBody>
+      </p:sp>
+      <p:sp>
+        <p:nvSpPr>
+          <p:cNvPr id="4" name="Slide Number Placeholder 3">
+            <a:extLst>
+              <a:ext uri="{FF2B5EF4-FFF2-40B4-BE49-F238E27FC236}">
+                <a16:creationId xmlns:a16="http://schemas.microsoft.com/office/drawing/2014/main" id="{EF099FAB-2820-5116-3600-ABCEF09E42F7}"/>
+              </a:ext>
+            </a:extLst>
+          </p:cNvPr>
+          <p:cNvSpPr>
+            <a:spLocks noGrp="1"/>
+          </p:cNvSpPr>
+          <p:nvPr>
+            <p:ph type="sldNum" sz="quarter" idx="12"/>
+          </p:nvPr>
+        </p:nvSpPr>
+        <p:spPr/>
+        <p:txBody>
+          <a:bodyPr/>
+          <a:lstStyle/>
+          <a:p>
+            <a:fld id="{4EC590C8-968F-4B97-9FB2-6283B74354EF}" type="slidenum">
+              <a:rPr lang="en-IN" smtClean="0"/>
+              <a:t>56</a:t>
+            </a:fld>
+            <a:endParaRPr lang="en-IN"/>
+          </a:p>
+        </p:txBody>
+      </p:sp>
     </p:spTree>
     <p:extLst>
       <p:ext uri="{BB962C8B-B14F-4D97-AF65-F5344CB8AC3E}">
-        <p14:creationId xmlns:p14="http://schemas.microsoft.com/office/powerpoint/2010/main" val="2559707799"/>
+        <p14:creationId xmlns:p14="http://schemas.microsoft.com/office/powerpoint/2010/main" val="1956820477"/>
       </p:ext>
     </p:extLst>
   </p:cSld>
@@ -22713,7 +24222,7 @@
           <a:p>
             <a:r>
               <a:rPr lang="en-IN" dirty="0"/>
-              <a:t>Price Variations ( 2 of 2 ) </a:t>
+              <a:t>Price Variations ( 1of 2 ) </a:t>
             </a:r>
           </a:p>
         </p:txBody>
@@ -22741,7 +24250,7 @@
           <a:p>
             <a:r>
               <a:rPr lang="en-US" sz="2800" dirty="0"/>
-              <a:t>Maize					Soya Bean ( MP) </a:t>
+              <a:t>IB Ross Broiler Starter Feed            IB Ross Broiler Finisher Feed </a:t>
             </a:r>
             <a:endParaRPr lang="en-IN" dirty="0"/>
           </a:p>
@@ -22752,7 +24261,7 @@
           <p:cNvPr id="5" name="Picture 4">
             <a:extLst>
               <a:ext uri="{FF2B5EF4-FFF2-40B4-BE49-F238E27FC236}">
-                <a16:creationId xmlns:a16="http://schemas.microsoft.com/office/drawing/2014/main" id="{30F41E8C-59A6-4C98-8A87-737E2CDE7381}"/>
+                <a16:creationId xmlns:a16="http://schemas.microsoft.com/office/drawing/2014/main" id="{EAA9657B-DC44-4BEA-870A-948ABFF4E171}"/>
               </a:ext>
             </a:extLst>
           </p:cNvPr>
@@ -22769,8 +24278,8 @@
         </p:blipFill>
         <p:spPr>
           <a:xfrm>
-            <a:off x="744956" y="2406650"/>
-            <a:ext cx="3771900" cy="4086225"/>
+            <a:off x="1302419" y="2412958"/>
+            <a:ext cx="3619500" cy="4038600"/>
           </a:xfrm>
           <a:prstGeom prst="rect">
             <a:avLst/>
@@ -22782,7 +24291,7 @@
           <p:cNvPr id="7" name="Picture 6">
             <a:extLst>
               <a:ext uri="{FF2B5EF4-FFF2-40B4-BE49-F238E27FC236}">
-                <a16:creationId xmlns:a16="http://schemas.microsoft.com/office/drawing/2014/main" id="{1513A16A-CC0F-4313-816B-64722734D1E9}"/>
+                <a16:creationId xmlns:a16="http://schemas.microsoft.com/office/drawing/2014/main" id="{00CE026D-F0A8-4249-99D3-5D0192ACECAA}"/>
               </a:ext>
             </a:extLst>
           </p:cNvPr>
@@ -22799,18 +24308,47 @@
         </p:blipFill>
         <p:spPr>
           <a:xfrm>
-            <a:off x="6264191" y="2425699"/>
-            <a:ext cx="3609975" cy="4048125"/>
+            <a:off x="5957637" y="2361385"/>
+            <a:ext cx="3429000" cy="3952875"/>
           </a:xfrm>
           <a:prstGeom prst="rect">
             <a:avLst/>
           </a:prstGeom>
         </p:spPr>
       </p:pic>
+      <p:sp>
+        <p:nvSpPr>
+          <p:cNvPr id="6" name="Slide Number Placeholder 5">
+            <a:extLst>
+              <a:ext uri="{FF2B5EF4-FFF2-40B4-BE49-F238E27FC236}">
+                <a16:creationId xmlns:a16="http://schemas.microsoft.com/office/drawing/2014/main" id="{4E736AA0-3B4A-3235-0808-04912E601A71}"/>
+              </a:ext>
+            </a:extLst>
+          </p:cNvPr>
+          <p:cNvSpPr>
+            <a:spLocks noGrp="1"/>
+          </p:cNvSpPr>
+          <p:nvPr>
+            <p:ph type="sldNum" sz="quarter" idx="12"/>
+          </p:nvPr>
+        </p:nvSpPr>
+        <p:spPr/>
+        <p:txBody>
+          <a:bodyPr/>
+          <a:lstStyle/>
+          <a:p>
+            <a:fld id="{4EC590C8-968F-4B97-9FB2-6283B74354EF}" type="slidenum">
+              <a:rPr lang="en-IN" smtClean="0"/>
+              <a:t>57</a:t>
+            </a:fld>
+            <a:endParaRPr lang="en-IN"/>
+          </a:p>
+        </p:txBody>
+      </p:sp>
     </p:spTree>
     <p:extLst>
       <p:ext uri="{BB962C8B-B14F-4D97-AF65-F5344CB8AC3E}">
-        <p14:creationId xmlns:p14="http://schemas.microsoft.com/office/powerpoint/2010/main" val="3188132547"/>
+        <p14:creationId xmlns:p14="http://schemas.microsoft.com/office/powerpoint/2010/main" val="2559707799"/>
       </p:ext>
     </p:extLst>
   </p:cSld>
@@ -22842,7 +24380,7 @@
           <p:cNvPr id="2" name="Title 1">
             <a:extLst>
               <a:ext uri="{FF2B5EF4-FFF2-40B4-BE49-F238E27FC236}">
-                <a16:creationId xmlns:a16="http://schemas.microsoft.com/office/drawing/2014/main" id="{1EF03542-B2D8-4164-9207-30D111F2F214}"/>
+                <a16:creationId xmlns:a16="http://schemas.microsoft.com/office/drawing/2014/main" id="{2458BBE0-0C66-4E83-8554-6B51B6A4662C}"/>
               </a:ext>
             </a:extLst>
           </p:cNvPr>
@@ -22860,7 +24398,7 @@
           <a:p>
             <a:r>
               <a:rPr lang="en-IN" dirty="0"/>
-              <a:t>Pricing Observations</a:t>
+              <a:t>Price Variations ( 2 of 2 ) </a:t>
             </a:r>
           </a:p>
         </p:txBody>
@@ -22870,7 +24408,7 @@
           <p:cNvPr id="3" name="Content Placeholder 2">
             <a:extLst>
               <a:ext uri="{FF2B5EF4-FFF2-40B4-BE49-F238E27FC236}">
-                <a16:creationId xmlns:a16="http://schemas.microsoft.com/office/drawing/2014/main" id="{469C60E5-E9A4-4442-989E-44851E3D8B9F}"/>
+                <a16:creationId xmlns:a16="http://schemas.microsoft.com/office/drawing/2014/main" id="{756DC4EF-0934-457F-AD05-70D29AD9224E}"/>
               </a:ext>
             </a:extLst>
           </p:cNvPr>
@@ -22887,6 +24425,182 @@
           <a:lstStyle/>
           <a:p>
             <a:r>
+              <a:rPr lang="en-US" sz="2800" dirty="0"/>
+              <a:t>Maize					Soya Bean ( MP) </a:t>
+            </a:r>
+            <a:endParaRPr lang="en-IN" dirty="0"/>
+          </a:p>
+        </p:txBody>
+      </p:sp>
+      <p:pic>
+        <p:nvPicPr>
+          <p:cNvPr id="5" name="Picture 4">
+            <a:extLst>
+              <a:ext uri="{FF2B5EF4-FFF2-40B4-BE49-F238E27FC236}">
+                <a16:creationId xmlns:a16="http://schemas.microsoft.com/office/drawing/2014/main" id="{30F41E8C-59A6-4C98-8A87-737E2CDE7381}"/>
+              </a:ext>
+            </a:extLst>
+          </p:cNvPr>
+          <p:cNvPicPr>
+            <a:picLocks noChangeAspect="1"/>
+          </p:cNvPicPr>
+          <p:nvPr/>
+        </p:nvPicPr>
+        <p:blipFill>
+          <a:blip r:embed="rId2"/>
+          <a:stretch>
+            <a:fillRect/>
+          </a:stretch>
+        </p:blipFill>
+        <p:spPr>
+          <a:xfrm>
+            <a:off x="744956" y="2406650"/>
+            <a:ext cx="3771900" cy="4086225"/>
+          </a:xfrm>
+          <a:prstGeom prst="rect">
+            <a:avLst/>
+          </a:prstGeom>
+        </p:spPr>
+      </p:pic>
+      <p:pic>
+        <p:nvPicPr>
+          <p:cNvPr id="7" name="Picture 6">
+            <a:extLst>
+              <a:ext uri="{FF2B5EF4-FFF2-40B4-BE49-F238E27FC236}">
+                <a16:creationId xmlns:a16="http://schemas.microsoft.com/office/drawing/2014/main" id="{1513A16A-CC0F-4313-816B-64722734D1E9}"/>
+              </a:ext>
+            </a:extLst>
+          </p:cNvPr>
+          <p:cNvPicPr>
+            <a:picLocks noChangeAspect="1"/>
+          </p:cNvPicPr>
+          <p:nvPr/>
+        </p:nvPicPr>
+        <p:blipFill>
+          <a:blip r:embed="rId3"/>
+          <a:stretch>
+            <a:fillRect/>
+          </a:stretch>
+        </p:blipFill>
+        <p:spPr>
+          <a:xfrm>
+            <a:off x="6264191" y="2425699"/>
+            <a:ext cx="3609975" cy="4048125"/>
+          </a:xfrm>
+          <a:prstGeom prst="rect">
+            <a:avLst/>
+          </a:prstGeom>
+        </p:spPr>
+      </p:pic>
+      <p:sp>
+        <p:nvSpPr>
+          <p:cNvPr id="6" name="Slide Number Placeholder 5">
+            <a:extLst>
+              <a:ext uri="{FF2B5EF4-FFF2-40B4-BE49-F238E27FC236}">
+                <a16:creationId xmlns:a16="http://schemas.microsoft.com/office/drawing/2014/main" id="{8DA5BB9C-A02B-3351-7394-A7E4F7F81D79}"/>
+              </a:ext>
+            </a:extLst>
+          </p:cNvPr>
+          <p:cNvSpPr>
+            <a:spLocks noGrp="1"/>
+          </p:cNvSpPr>
+          <p:nvPr>
+            <p:ph type="sldNum" sz="quarter" idx="12"/>
+          </p:nvPr>
+        </p:nvSpPr>
+        <p:spPr/>
+        <p:txBody>
+          <a:bodyPr/>
+          <a:lstStyle/>
+          <a:p>
+            <a:fld id="{4EC590C8-968F-4B97-9FB2-6283B74354EF}" type="slidenum">
+              <a:rPr lang="en-IN" smtClean="0"/>
+              <a:t>58</a:t>
+            </a:fld>
+            <a:endParaRPr lang="en-IN"/>
+          </a:p>
+        </p:txBody>
+      </p:sp>
+    </p:spTree>
+    <p:extLst>
+      <p:ext uri="{BB962C8B-B14F-4D97-AF65-F5344CB8AC3E}">
+        <p14:creationId xmlns:p14="http://schemas.microsoft.com/office/powerpoint/2010/main" val="3188132547"/>
+      </p:ext>
+    </p:extLst>
+  </p:cSld>
+  <p:clrMapOvr>
+    <a:masterClrMapping/>
+  </p:clrMapOvr>
+</p:sld>
+</file>
+
+<file path=ppt/slides/slide59.xml><?xml version="1.0" encoding="utf-8"?>
+<p:sld xmlns:a="http://schemas.openxmlformats.org/drawingml/2006/main" xmlns:r="http://schemas.openxmlformats.org/officeDocument/2006/relationships" xmlns:p="http://schemas.openxmlformats.org/presentationml/2006/main">
+  <p:cSld>
+    <p:spTree>
+      <p:nvGrpSpPr>
+        <p:cNvPr id="1" name=""/>
+        <p:cNvGrpSpPr/>
+        <p:nvPr/>
+      </p:nvGrpSpPr>
+      <p:grpSpPr>
+        <a:xfrm>
+          <a:off x="0" y="0"/>
+          <a:ext cx="0" cy="0"/>
+          <a:chOff x="0" y="0"/>
+          <a:chExt cx="0" cy="0"/>
+        </a:xfrm>
+      </p:grpSpPr>
+      <p:sp>
+        <p:nvSpPr>
+          <p:cNvPr id="2" name="Title 1">
+            <a:extLst>
+              <a:ext uri="{FF2B5EF4-FFF2-40B4-BE49-F238E27FC236}">
+                <a16:creationId xmlns:a16="http://schemas.microsoft.com/office/drawing/2014/main" id="{1EF03542-B2D8-4164-9207-30D111F2F214}"/>
+              </a:ext>
+            </a:extLst>
+          </p:cNvPr>
+          <p:cNvSpPr>
+            <a:spLocks noGrp="1"/>
+          </p:cNvSpPr>
+          <p:nvPr>
+            <p:ph type="title"/>
+          </p:nvPr>
+        </p:nvSpPr>
+        <p:spPr/>
+        <p:txBody>
+          <a:bodyPr/>
+          <a:lstStyle/>
+          <a:p>
+            <a:r>
+              <a:rPr lang="en-IN" dirty="0"/>
+              <a:t>Pricing Observations</a:t>
+            </a:r>
+          </a:p>
+        </p:txBody>
+      </p:sp>
+      <p:sp>
+        <p:nvSpPr>
+          <p:cNvPr id="3" name="Content Placeholder 2">
+            <a:extLst>
+              <a:ext uri="{FF2B5EF4-FFF2-40B4-BE49-F238E27FC236}">
+                <a16:creationId xmlns:a16="http://schemas.microsoft.com/office/drawing/2014/main" id="{469C60E5-E9A4-4442-989E-44851E3D8B9F}"/>
+              </a:ext>
+            </a:extLst>
+          </p:cNvPr>
+          <p:cNvSpPr>
+            <a:spLocks noGrp="1"/>
+          </p:cNvSpPr>
+          <p:nvPr>
+            <p:ph idx="1"/>
+          </p:nvPr>
+        </p:nvSpPr>
+        <p:spPr/>
+        <p:txBody>
+          <a:bodyPr/>
+          <a:lstStyle/>
+          <a:p>
+            <a:r>
               <a:rPr lang="en-IN" dirty="0"/>
               <a:t>We observe the prices of materials </a:t>
             </a:r>
@@ -22911,6 +24625,35 @@
           </a:p>
           <a:p>
             <a:endParaRPr lang="en-IN" dirty="0"/>
+          </a:p>
+        </p:txBody>
+      </p:sp>
+      <p:sp>
+        <p:nvSpPr>
+          <p:cNvPr id="5" name="Slide Number Placeholder 4">
+            <a:extLst>
+              <a:ext uri="{FF2B5EF4-FFF2-40B4-BE49-F238E27FC236}">
+                <a16:creationId xmlns:a16="http://schemas.microsoft.com/office/drawing/2014/main" id="{962FEC2F-97AA-59A0-F9DD-B755CFA536D0}"/>
+              </a:ext>
+            </a:extLst>
+          </p:cNvPr>
+          <p:cNvSpPr>
+            <a:spLocks noGrp="1"/>
+          </p:cNvSpPr>
+          <p:nvPr>
+            <p:ph type="sldNum" sz="quarter" idx="12"/>
+          </p:nvPr>
+        </p:nvSpPr>
+        <p:spPr/>
+        <p:txBody>
+          <a:bodyPr/>
+          <a:lstStyle/>
+          <a:p>
+            <a:fld id="{4EC590C8-968F-4B97-9FB2-6283B74354EF}" type="slidenum">
+              <a:rPr lang="en-IN" smtClean="0"/>
+              <a:t>59</a:t>
+            </a:fld>
+            <a:endParaRPr lang="en-IN"/>
           </a:p>
         </p:txBody>
       </p:sp>
@@ -22927,7 +24670,170 @@
 </p:sld>
 </file>
 
-<file path=ppt/slides/slide59.xml><?xml version="1.0" encoding="utf-8"?>
+<file path=ppt/slides/slide6.xml><?xml version="1.0" encoding="utf-8"?>
+<p:sld xmlns:a="http://schemas.openxmlformats.org/drawingml/2006/main" xmlns:r="http://schemas.openxmlformats.org/officeDocument/2006/relationships" xmlns:p="http://schemas.openxmlformats.org/presentationml/2006/main">
+  <p:cSld>
+    <p:spTree>
+      <p:nvGrpSpPr>
+        <p:cNvPr id="1" name=""/>
+        <p:cNvGrpSpPr/>
+        <p:nvPr/>
+      </p:nvGrpSpPr>
+      <p:grpSpPr>
+        <a:xfrm>
+          <a:off x="0" y="0"/>
+          <a:ext cx="0" cy="0"/>
+          <a:chOff x="0" y="0"/>
+          <a:chExt cx="0" cy="0"/>
+        </a:xfrm>
+      </p:grpSpPr>
+      <p:sp>
+        <p:nvSpPr>
+          <p:cNvPr id="2" name="Title 1">
+            <a:extLst>
+              <a:ext uri="{FF2B5EF4-FFF2-40B4-BE49-F238E27FC236}">
+                <a16:creationId xmlns:a16="http://schemas.microsoft.com/office/drawing/2014/main" id="{A12087DB-39AB-493B-B015-D3294F66EDC8}"/>
+              </a:ext>
+            </a:extLst>
+          </p:cNvPr>
+          <p:cNvSpPr>
+            <a:spLocks noGrp="1"/>
+          </p:cNvSpPr>
+          <p:nvPr>
+            <p:ph type="title"/>
+          </p:nvPr>
+        </p:nvSpPr>
+        <p:spPr/>
+        <p:txBody>
+          <a:bodyPr/>
+          <a:lstStyle/>
+          <a:p>
+            <a:r>
+              <a:rPr lang="en-IN" dirty="0"/>
+              <a:t>EDA</a:t>
+            </a:r>
+          </a:p>
+        </p:txBody>
+      </p:sp>
+      <p:sp>
+        <p:nvSpPr>
+          <p:cNvPr id="3" name="Content Placeholder 2">
+            <a:extLst>
+              <a:ext uri="{FF2B5EF4-FFF2-40B4-BE49-F238E27FC236}">
+                <a16:creationId xmlns:a16="http://schemas.microsoft.com/office/drawing/2014/main" id="{713C8D91-CBB4-40FA-8E9E-2CEDFDB0D796}"/>
+              </a:ext>
+            </a:extLst>
+          </p:cNvPr>
+          <p:cNvSpPr>
+            <a:spLocks noGrp="1"/>
+          </p:cNvSpPr>
+          <p:nvPr>
+            <p:ph idx="1"/>
+          </p:nvPr>
+        </p:nvSpPr>
+        <p:spPr/>
+        <p:txBody>
+          <a:bodyPr/>
+          <a:lstStyle/>
+          <a:p>
+            <a:r>
+              <a:rPr lang="en-IN" dirty="0"/>
+              <a:t>We explored data to  answer questions – </a:t>
+            </a:r>
+          </a:p>
+          <a:p>
+            <a:pPr lvl="1"/>
+            <a:r>
+              <a:rPr lang="en-IN" dirty="0"/>
+              <a:t>How much was spent ?</a:t>
+            </a:r>
+          </a:p>
+          <a:p>
+            <a:pPr lvl="1"/>
+            <a:r>
+              <a:rPr lang="en-IN" dirty="0"/>
+              <a:t>Who spends ?</a:t>
+            </a:r>
+          </a:p>
+          <a:p>
+            <a:pPr lvl="1"/>
+            <a:r>
+              <a:rPr lang="en-IN" dirty="0"/>
+              <a:t>What is bought ?</a:t>
+            </a:r>
+          </a:p>
+          <a:p>
+            <a:pPr lvl="1"/>
+            <a:r>
+              <a:rPr lang="en-IN" dirty="0"/>
+              <a:t>Get top N materials which are hight ticket items, contributing considerably towards the gross value.</a:t>
+            </a:r>
+          </a:p>
+          <a:p>
+            <a:r>
+              <a:rPr lang="en-IN" dirty="0"/>
+              <a:t>Tool Used – </a:t>
+            </a:r>
+          </a:p>
+          <a:p>
+            <a:pPr lvl="1"/>
+            <a:r>
+              <a:rPr lang="en-IN" dirty="0"/>
+              <a:t>Tableau</a:t>
+            </a:r>
+          </a:p>
+          <a:p>
+            <a:pPr lvl="1"/>
+            <a:r>
+              <a:rPr lang="en-IN" dirty="0"/>
+              <a:t>Have used a bit of Python too </a:t>
+            </a:r>
+          </a:p>
+        </p:txBody>
+      </p:sp>
+      <p:sp>
+        <p:nvSpPr>
+          <p:cNvPr id="5" name="Slide Number Placeholder 4">
+            <a:extLst>
+              <a:ext uri="{FF2B5EF4-FFF2-40B4-BE49-F238E27FC236}">
+                <a16:creationId xmlns:a16="http://schemas.microsoft.com/office/drawing/2014/main" id="{E67A1F53-36BA-062E-1EC9-120FB19E93DE}"/>
+              </a:ext>
+            </a:extLst>
+          </p:cNvPr>
+          <p:cNvSpPr>
+            <a:spLocks noGrp="1"/>
+          </p:cNvSpPr>
+          <p:nvPr>
+            <p:ph type="sldNum" sz="quarter" idx="12"/>
+          </p:nvPr>
+        </p:nvSpPr>
+        <p:spPr/>
+        <p:txBody>
+          <a:bodyPr/>
+          <a:lstStyle/>
+          <a:p>
+            <a:fld id="{4EC590C8-968F-4B97-9FB2-6283B74354EF}" type="slidenum">
+              <a:rPr lang="en-IN" smtClean="0"/>
+              <a:t>6</a:t>
+            </a:fld>
+            <a:endParaRPr lang="en-IN"/>
+          </a:p>
+        </p:txBody>
+      </p:sp>
+    </p:spTree>
+    <p:extLst>
+      <p:ext uri="{BB962C8B-B14F-4D97-AF65-F5344CB8AC3E}">
+        <p14:creationId xmlns:p14="http://schemas.microsoft.com/office/powerpoint/2010/main" val="3455809383"/>
+      </p:ext>
+    </p:extLst>
+  </p:cSld>
+  <p:clrMapOvr>
+    <a:masterClrMapping/>
+  </p:clrMapOvr>
+</p:sld>
+</file>
+
+<file path=ppt/slides/slide60.xml><?xml version="1.0" encoding="utf-8"?>
 <p:sld xmlns:a="http://schemas.openxmlformats.org/drawingml/2006/main" xmlns:r="http://schemas.openxmlformats.org/officeDocument/2006/relationships" xmlns:p="http://schemas.openxmlformats.org/presentationml/2006/main">
   <p:cSld>
     <p:spTree>
@@ -25889,42 +27795,12 @@
           </a:graphicData>
         </a:graphic>
       </p:graphicFrame>
-    </p:spTree>
-    <p:extLst>
-      <p:ext uri="{BB962C8B-B14F-4D97-AF65-F5344CB8AC3E}">
-        <p14:creationId xmlns:p14="http://schemas.microsoft.com/office/powerpoint/2010/main" val="1651319469"/>
-      </p:ext>
-    </p:extLst>
-  </p:cSld>
-  <p:clrMapOvr>
-    <a:masterClrMapping/>
-  </p:clrMapOvr>
-</p:sld>
-</file>
-
-<file path=ppt/slides/slide6.xml><?xml version="1.0" encoding="utf-8"?>
-<p:sld xmlns:a="http://schemas.openxmlformats.org/drawingml/2006/main" xmlns:r="http://schemas.openxmlformats.org/officeDocument/2006/relationships" xmlns:p="http://schemas.openxmlformats.org/presentationml/2006/main">
-  <p:cSld>
-    <p:spTree>
-      <p:nvGrpSpPr>
-        <p:cNvPr id="1" name=""/>
-        <p:cNvGrpSpPr/>
-        <p:nvPr/>
-      </p:nvGrpSpPr>
-      <p:grpSpPr>
-        <a:xfrm>
-          <a:off x="0" y="0"/>
-          <a:ext cx="0" cy="0"/>
-          <a:chOff x="0" y="0"/>
-          <a:chExt cx="0" cy="0"/>
-        </a:xfrm>
-      </p:grpSpPr>
       <p:sp>
         <p:nvSpPr>
-          <p:cNvPr id="2" name="Title 1">
-            <a:extLst>
-              <a:ext uri="{FF2B5EF4-FFF2-40B4-BE49-F238E27FC236}">
-                <a16:creationId xmlns:a16="http://schemas.microsoft.com/office/drawing/2014/main" id="{A12087DB-39AB-493B-B015-D3294F66EDC8}"/>
+          <p:cNvPr id="6" name="Slide Number Placeholder 5">
+            <a:extLst>
+              <a:ext uri="{FF2B5EF4-FFF2-40B4-BE49-F238E27FC236}">
+                <a16:creationId xmlns:a16="http://schemas.microsoft.com/office/drawing/2014/main" id="{A1C0EC5B-F23D-43E6-A244-108E1B0D1950}"/>
               </a:ext>
             </a:extLst>
           </p:cNvPr>
@@ -25932,7 +27808,7 @@
             <a:spLocks noGrp="1"/>
           </p:cNvSpPr>
           <p:nvPr>
-            <p:ph type="title"/>
+            <p:ph type="sldNum" sz="quarter" idx="12"/>
           </p:nvPr>
         </p:nvSpPr>
         <p:spPr/>
@@ -25940,204 +27816,18 @@
           <a:bodyPr/>
           <a:lstStyle/>
           <a:p>
-            <a:r>
-              <a:rPr lang="en-IN" dirty="0"/>
-              <a:t>Clustering - 1 of 4</a:t>
-            </a:r>
-          </a:p>
-        </p:txBody>
-      </p:sp>
-      <p:sp>
-        <p:nvSpPr>
-          <p:cNvPr id="3" name="Content Placeholder 2">
-            <a:extLst>
-              <a:ext uri="{FF2B5EF4-FFF2-40B4-BE49-F238E27FC236}">
-                <a16:creationId xmlns:a16="http://schemas.microsoft.com/office/drawing/2014/main" id="{713C8D91-CBB4-40FA-8E9E-2CEDFDB0D796}"/>
-              </a:ext>
-            </a:extLst>
-          </p:cNvPr>
-          <p:cNvSpPr>
-            <a:spLocks noGrp="1"/>
-          </p:cNvSpPr>
-          <p:nvPr>
-            <p:ph idx="1"/>
-          </p:nvPr>
-        </p:nvSpPr>
-        <p:spPr/>
-        <p:txBody>
-          <a:bodyPr/>
-          <a:lstStyle/>
-          <a:p>
-            <a:r>
-              <a:rPr lang="en-IN" dirty="0"/>
-              <a:t>Important feature for Spend Analytics is – </a:t>
-            </a:r>
-          </a:p>
-          <a:p>
-            <a:pPr lvl="1"/>
-            <a:r>
-              <a:rPr lang="en-IN" dirty="0"/>
-              <a:t>Gross Value and Net Price</a:t>
-            </a:r>
-          </a:p>
-          <a:p>
-            <a:pPr lvl="1"/>
-            <a:r>
-              <a:rPr lang="en-IN" dirty="0"/>
-              <a:t>Frequency of buying the material</a:t>
-            </a:r>
-          </a:p>
-          <a:p>
-            <a:r>
-              <a:rPr lang="en-IN" dirty="0"/>
-              <a:t>We summarised the data on Material Name on these information – </a:t>
-            </a:r>
-          </a:p>
-          <a:p>
-            <a:pPr lvl="1"/>
-            <a:r>
-              <a:rPr lang="en-IN" dirty="0"/>
-              <a:t>Sum of Gross Value</a:t>
-            </a:r>
-          </a:p>
-          <a:p>
-            <a:pPr lvl="1"/>
-            <a:r>
-              <a:rPr lang="en-IN" dirty="0"/>
-              <a:t>Imputed the Number of times the material is bought</a:t>
-            </a:r>
-          </a:p>
-          <a:p>
-            <a:pPr lvl="1"/>
-            <a:r>
-              <a:rPr lang="en-IN" dirty="0"/>
-              <a:t>We used this data for clustering</a:t>
-            </a:r>
+            <a:fld id="{4EC590C8-968F-4B97-9FB2-6283B74354EF}" type="slidenum">
+              <a:rPr lang="en-IN" smtClean="0"/>
+              <a:t>60</a:t>
+            </a:fld>
+            <a:endParaRPr lang="en-IN"/>
           </a:p>
         </p:txBody>
       </p:sp>
     </p:spTree>
     <p:extLst>
       <p:ext uri="{BB962C8B-B14F-4D97-AF65-F5344CB8AC3E}">
-        <p14:creationId xmlns:p14="http://schemas.microsoft.com/office/powerpoint/2010/main" val="1280240431"/>
-      </p:ext>
-    </p:extLst>
-  </p:cSld>
-  <p:clrMapOvr>
-    <a:masterClrMapping/>
-  </p:clrMapOvr>
-</p:sld>
-</file>
-
-<file path=ppt/slides/slide60.xml><?xml version="1.0" encoding="utf-8"?>
-<p:sld xmlns:a="http://schemas.openxmlformats.org/drawingml/2006/main" xmlns:r="http://schemas.openxmlformats.org/officeDocument/2006/relationships" xmlns:p="http://schemas.openxmlformats.org/presentationml/2006/main">
-  <p:cSld>
-    <p:spTree>
-      <p:nvGrpSpPr>
-        <p:cNvPr id="1" name=""/>
-        <p:cNvGrpSpPr/>
-        <p:nvPr/>
-      </p:nvGrpSpPr>
-      <p:grpSpPr>
-        <a:xfrm>
-          <a:off x="0" y="0"/>
-          <a:ext cx="0" cy="0"/>
-          <a:chOff x="0" y="0"/>
-          <a:chExt cx="0" cy="0"/>
-        </a:xfrm>
-      </p:grpSpPr>
-      <p:sp>
-        <p:nvSpPr>
-          <p:cNvPr id="2" name="Title 1">
-            <a:extLst>
-              <a:ext uri="{FF2B5EF4-FFF2-40B4-BE49-F238E27FC236}">
-                <a16:creationId xmlns:a16="http://schemas.microsoft.com/office/drawing/2014/main" id="{98D43FEC-DFAD-437D-B8B4-46E812292BC1}"/>
-              </a:ext>
-            </a:extLst>
-          </p:cNvPr>
-          <p:cNvSpPr>
-            <a:spLocks noGrp="1"/>
-          </p:cNvSpPr>
-          <p:nvPr>
-            <p:ph type="title"/>
-          </p:nvPr>
-        </p:nvSpPr>
-        <p:spPr/>
-        <p:txBody>
-          <a:bodyPr/>
-          <a:lstStyle/>
-          <a:p>
-            <a:r>
-              <a:rPr lang="en-IN" dirty="0"/>
-              <a:t>Cost Saving Opportunities - Recommendations</a:t>
-            </a:r>
-          </a:p>
-        </p:txBody>
-      </p:sp>
-      <p:sp>
-        <p:nvSpPr>
-          <p:cNvPr id="3" name="Content Placeholder 2">
-            <a:extLst>
-              <a:ext uri="{FF2B5EF4-FFF2-40B4-BE49-F238E27FC236}">
-                <a16:creationId xmlns:a16="http://schemas.microsoft.com/office/drawing/2014/main" id="{71A27C98-E632-481F-9FE3-836070E7BD00}"/>
-              </a:ext>
-            </a:extLst>
-          </p:cNvPr>
-          <p:cNvSpPr>
-            <a:spLocks noGrp="1"/>
-          </p:cNvSpPr>
-          <p:nvPr>
-            <p:ph idx="1"/>
-          </p:nvPr>
-        </p:nvSpPr>
-        <p:spPr/>
-        <p:txBody>
-          <a:bodyPr>
-            <a:normAutofit/>
-          </a:bodyPr>
-          <a:lstStyle/>
-          <a:p>
-            <a:r>
-              <a:rPr lang="en-IN" dirty="0"/>
-              <a:t>Savings can be made if purchase is planned and materials bought in bulk at start of the month at minimum price.</a:t>
-            </a:r>
-          </a:p>
-          <a:p>
-            <a:endParaRPr lang="en-IN" dirty="0"/>
-          </a:p>
-          <a:p>
-            <a:r>
-              <a:rPr lang="en-IN" dirty="0"/>
-              <a:t>Bulk purchase – Expect discounts from suppliers</a:t>
-            </a:r>
-          </a:p>
-          <a:p>
-            <a:pPr lvl="2"/>
-            <a:r>
-              <a:rPr lang="en-IN" dirty="0"/>
-              <a:t>Can also save on costs related to – </a:t>
-            </a:r>
-          </a:p>
-          <a:p>
-            <a:pPr lvl="3"/>
-            <a:r>
-              <a:rPr lang="en-IN" dirty="0"/>
-              <a:t>Logistics</a:t>
-            </a:r>
-          </a:p>
-          <a:p>
-            <a:pPr lvl="3"/>
-            <a:r>
-              <a:rPr lang="en-IN" dirty="0"/>
-              <a:t>Vendor Transportation </a:t>
-            </a:r>
-          </a:p>
-        </p:txBody>
-      </p:sp>
-    </p:spTree>
-    <p:extLst>
-      <p:ext uri="{BB962C8B-B14F-4D97-AF65-F5344CB8AC3E}">
-        <p14:creationId xmlns:p14="http://schemas.microsoft.com/office/powerpoint/2010/main" val="361450181"/>
+        <p14:creationId xmlns:p14="http://schemas.microsoft.com/office/powerpoint/2010/main" val="1651319469"/>
       </p:ext>
     </p:extLst>
   </p:cSld>
@@ -26169,7 +27859,7 @@
           <p:cNvPr id="2" name="Title 1">
             <a:extLst>
               <a:ext uri="{FF2B5EF4-FFF2-40B4-BE49-F238E27FC236}">
-                <a16:creationId xmlns:a16="http://schemas.microsoft.com/office/drawing/2014/main" id="{D9A592E2-01E5-4340-A01A-44722BCD2247}"/>
+                <a16:creationId xmlns:a16="http://schemas.microsoft.com/office/drawing/2014/main" id="{98D43FEC-DFAD-437D-B8B4-46E812292BC1}"/>
               </a:ext>
             </a:extLst>
           </p:cNvPr>
@@ -26177,7 +27867,7 @@
             <a:spLocks noGrp="1"/>
           </p:cNvSpPr>
           <p:nvPr>
-            <p:ph type="ctrTitle"/>
+            <p:ph type="title"/>
           </p:nvPr>
         </p:nvSpPr>
         <p:spPr/>
@@ -26187,17 +27877,17 @@
           <a:p>
             <a:r>
               <a:rPr lang="en-IN" dirty="0"/>
-              <a:t>Dashboard</a:t>
+              <a:t>Cost Saving Opportunities - Recommendations</a:t>
             </a:r>
           </a:p>
         </p:txBody>
       </p:sp>
       <p:sp>
         <p:nvSpPr>
-          <p:cNvPr id="3" name="Subtitle 2">
-            <a:extLst>
-              <a:ext uri="{FF2B5EF4-FFF2-40B4-BE49-F238E27FC236}">
-                <a16:creationId xmlns:a16="http://schemas.microsoft.com/office/drawing/2014/main" id="{1D4FEAC8-4CF5-48C1-941D-C2A97ABD4699}"/>
+          <p:cNvPr id="3" name="Content Placeholder 2">
+            <a:extLst>
+              <a:ext uri="{FF2B5EF4-FFF2-40B4-BE49-F238E27FC236}">
+                <a16:creationId xmlns:a16="http://schemas.microsoft.com/office/drawing/2014/main" id="{71A27C98-E632-481F-9FE3-836070E7BD00}"/>
               </a:ext>
             </a:extLst>
           </p:cNvPr>
@@ -26205,7 +27895,67 @@
             <a:spLocks noGrp="1"/>
           </p:cNvSpPr>
           <p:nvPr>
-            <p:ph type="subTitle" idx="1"/>
+            <p:ph idx="1"/>
+          </p:nvPr>
+        </p:nvSpPr>
+        <p:spPr/>
+        <p:txBody>
+          <a:bodyPr>
+            <a:normAutofit/>
+          </a:bodyPr>
+          <a:lstStyle/>
+          <a:p>
+            <a:r>
+              <a:rPr lang="en-IN" dirty="0"/>
+              <a:t>Savings can be made if purchase is planned and materials bought in bulk at start of the month at minimum price.</a:t>
+            </a:r>
+          </a:p>
+          <a:p>
+            <a:endParaRPr lang="en-IN" dirty="0"/>
+          </a:p>
+          <a:p>
+            <a:r>
+              <a:rPr lang="en-IN" dirty="0"/>
+              <a:t>Bulk purchase – Expect discounts from suppliers</a:t>
+            </a:r>
+          </a:p>
+          <a:p>
+            <a:pPr lvl="2"/>
+            <a:r>
+              <a:rPr lang="en-IN" dirty="0"/>
+              <a:t>Can also save on costs related to – </a:t>
+            </a:r>
+          </a:p>
+          <a:p>
+            <a:pPr lvl="3"/>
+            <a:r>
+              <a:rPr lang="en-IN" dirty="0"/>
+              <a:t>Logistics</a:t>
+            </a:r>
+          </a:p>
+          <a:p>
+            <a:pPr lvl="3"/>
+            <a:r>
+              <a:rPr lang="en-IN" dirty="0"/>
+              <a:t>Vendor Transportation </a:t>
+            </a:r>
+          </a:p>
+        </p:txBody>
+      </p:sp>
+      <p:sp>
+        <p:nvSpPr>
+          <p:cNvPr id="5" name="Slide Number Placeholder 4">
+            <a:extLst>
+              <a:ext uri="{FF2B5EF4-FFF2-40B4-BE49-F238E27FC236}">
+                <a16:creationId xmlns:a16="http://schemas.microsoft.com/office/drawing/2014/main" id="{2CC46D67-E52E-F6FD-54E4-AC696D167C41}"/>
+              </a:ext>
+            </a:extLst>
+          </p:cNvPr>
+          <p:cNvSpPr>
+            <a:spLocks noGrp="1"/>
+          </p:cNvSpPr>
+          <p:nvPr>
+            <p:ph type="sldNum" sz="quarter" idx="12"/>
           </p:nvPr>
         </p:nvSpPr>
         <p:spPr/>
@@ -26213,6 +27963,10 @@
           <a:bodyPr/>
           <a:lstStyle/>
           <a:p>
+            <a:fld id="{4EC590C8-968F-4B97-9FB2-6283B74354EF}" type="slidenum">
+              <a:rPr lang="en-IN" smtClean="0"/>
+              <a:t>61</a:t>
+            </a:fld>
             <a:endParaRPr lang="en-IN"/>
           </a:p>
         </p:txBody>
@@ -26220,7 +27974,7 @@
     </p:spTree>
     <p:extLst>
       <p:ext uri="{BB962C8B-B14F-4D97-AF65-F5344CB8AC3E}">
-        <p14:creationId xmlns:p14="http://schemas.microsoft.com/office/powerpoint/2010/main" val="1610242234"/>
+        <p14:creationId xmlns:p14="http://schemas.microsoft.com/office/powerpoint/2010/main" val="361450181"/>
       </p:ext>
     </p:extLst>
   </p:cSld>
@@ -26252,7 +28006,7 @@
           <p:cNvPr id="2" name="Title 1">
             <a:extLst>
               <a:ext uri="{FF2B5EF4-FFF2-40B4-BE49-F238E27FC236}">
-                <a16:creationId xmlns:a16="http://schemas.microsoft.com/office/drawing/2014/main" id="{74DFB661-5107-4D8B-80EA-A7CE5070DD17}"/>
+                <a16:creationId xmlns:a16="http://schemas.microsoft.com/office/drawing/2014/main" id="{D9A592E2-01E5-4340-A01A-44722BCD2247}"/>
               </a:ext>
             </a:extLst>
           </p:cNvPr>
@@ -26260,7 +28014,7 @@
             <a:spLocks noGrp="1"/>
           </p:cNvSpPr>
           <p:nvPr>
-            <p:ph type="title"/>
+            <p:ph type="ctrTitle"/>
           </p:nvPr>
         </p:nvSpPr>
         <p:spPr/>
@@ -26275,86 +28029,64 @@
           </a:p>
         </p:txBody>
       </p:sp>
-      <p:pic>
-        <p:nvPicPr>
-          <p:cNvPr id="5" name="Content Placeholder 4">
-            <a:extLst>
-              <a:ext uri="{FF2B5EF4-FFF2-40B4-BE49-F238E27FC236}">
-                <a16:creationId xmlns:a16="http://schemas.microsoft.com/office/drawing/2014/main" id="{5739832A-80E2-40C0-AE93-25612CF01897}"/>
-              </a:ext>
-            </a:extLst>
-          </p:cNvPr>
-          <p:cNvPicPr>
-            <a:picLocks noGrp="1" noChangeAspect="1"/>
-          </p:cNvPicPr>
+      <p:sp>
+        <p:nvSpPr>
+          <p:cNvPr id="3" name="Subtitle 2">
+            <a:extLst>
+              <a:ext uri="{FF2B5EF4-FFF2-40B4-BE49-F238E27FC236}">
+                <a16:creationId xmlns:a16="http://schemas.microsoft.com/office/drawing/2014/main" id="{1D4FEAC8-4CF5-48C1-941D-C2A97ABD4699}"/>
+              </a:ext>
+            </a:extLst>
+          </p:cNvPr>
+          <p:cNvSpPr>
+            <a:spLocks noGrp="1"/>
+          </p:cNvSpPr>
           <p:nvPr>
-            <p:ph idx="1"/>
+            <p:ph type="subTitle" idx="1"/>
           </p:nvPr>
-        </p:nvPicPr>
-        <p:blipFill>
-          <a:blip r:embed="rId2"/>
-          <a:stretch>
-            <a:fillRect/>
-          </a:stretch>
-        </p:blipFill>
-        <p:spPr>
-          <a:xfrm>
-            <a:off x="2218109" y="1825625"/>
-            <a:ext cx="7755781" cy="4351338"/>
-          </a:xfrm>
-        </p:spPr>
-      </p:pic>
-      <p:pic>
-        <p:nvPicPr>
-          <p:cNvPr id="6" name="Picture 2">
-            <a:extLst>
-              <a:ext uri="{FF2B5EF4-FFF2-40B4-BE49-F238E27FC236}">
-                <a16:creationId xmlns:a16="http://schemas.microsoft.com/office/drawing/2014/main" id="{5A7CD741-AE6A-4179-97C9-AF8AA90E58F1}"/>
-              </a:ext>
-            </a:extLst>
-          </p:cNvPr>
-          <p:cNvPicPr>
-            <a:picLocks noChangeAspect="1" noChangeArrowheads="1"/>
-          </p:cNvPicPr>
-          <p:nvPr/>
-        </p:nvPicPr>
-        <p:blipFill>
-          <a:blip r:embed="rId3">
-            <a:extLst>
-              <a:ext uri="{28A0092B-C50C-407E-A947-70E740481C1C}">
-                <a14:useLocalDpi xmlns:a14="http://schemas.microsoft.com/office/drawing/2010/main" val="0"/>
-              </a:ext>
-            </a:extLst>
-          </a:blip>
-          <a:srcRect/>
-          <a:stretch>
-            <a:fillRect/>
-          </a:stretch>
-        </p:blipFill>
-        <p:spPr bwMode="auto">
-          <a:xfrm>
-            <a:off x="1297999" y="1445478"/>
-            <a:ext cx="760294" cy="760294"/>
-          </a:xfrm>
-          <a:prstGeom prst="rect">
-            <a:avLst/>
-          </a:prstGeom>
-          <a:noFill/>
-          <a:extLst>
-            <a:ext uri="{909E8E84-426E-40DD-AFC4-6F175D3DCCD1}">
-              <a14:hiddenFill xmlns:a14="http://schemas.microsoft.com/office/drawing/2010/main">
-                <a:solidFill>
-                  <a:srgbClr val="FFFFFF"/>
-                </a:solidFill>
-              </a14:hiddenFill>
-            </a:ext>
-          </a:extLst>
-        </p:spPr>
-      </p:pic>
+        </p:nvSpPr>
+        <p:spPr/>
+        <p:txBody>
+          <a:bodyPr/>
+          <a:lstStyle/>
+          <a:p>
+            <a:endParaRPr lang="en-IN"/>
+          </a:p>
+        </p:txBody>
+      </p:sp>
+      <p:sp>
+        <p:nvSpPr>
+          <p:cNvPr id="5" name="Slide Number Placeholder 4">
+            <a:extLst>
+              <a:ext uri="{FF2B5EF4-FFF2-40B4-BE49-F238E27FC236}">
+                <a16:creationId xmlns:a16="http://schemas.microsoft.com/office/drawing/2014/main" id="{46B7C9D1-B962-C644-818F-2AACD48600DF}"/>
+              </a:ext>
+            </a:extLst>
+          </p:cNvPr>
+          <p:cNvSpPr>
+            <a:spLocks noGrp="1"/>
+          </p:cNvSpPr>
+          <p:nvPr>
+            <p:ph type="sldNum" sz="quarter" idx="12"/>
+          </p:nvPr>
+        </p:nvSpPr>
+        <p:spPr/>
+        <p:txBody>
+          <a:bodyPr/>
+          <a:lstStyle/>
+          <a:p>
+            <a:fld id="{4EC590C8-968F-4B97-9FB2-6283B74354EF}" type="slidenum">
+              <a:rPr lang="en-IN" smtClean="0"/>
+              <a:t>62</a:t>
+            </a:fld>
+            <a:endParaRPr lang="en-IN"/>
+          </a:p>
+        </p:txBody>
+      </p:sp>
     </p:spTree>
     <p:extLst>
       <p:ext uri="{BB962C8B-B14F-4D97-AF65-F5344CB8AC3E}">
-        <p14:creationId xmlns:p14="http://schemas.microsoft.com/office/powerpoint/2010/main" val="2578895140"/>
+        <p14:creationId xmlns:p14="http://schemas.microsoft.com/office/powerpoint/2010/main" val="1610242234"/>
       </p:ext>
     </p:extLst>
   </p:cSld>
@@ -26386,6 +28118,169 @@
           <p:cNvPr id="2" name="Title 1">
             <a:extLst>
               <a:ext uri="{FF2B5EF4-FFF2-40B4-BE49-F238E27FC236}">
+                <a16:creationId xmlns:a16="http://schemas.microsoft.com/office/drawing/2014/main" id="{74DFB661-5107-4D8B-80EA-A7CE5070DD17}"/>
+              </a:ext>
+            </a:extLst>
+          </p:cNvPr>
+          <p:cNvSpPr>
+            <a:spLocks noGrp="1"/>
+          </p:cNvSpPr>
+          <p:nvPr>
+            <p:ph type="title"/>
+          </p:nvPr>
+        </p:nvSpPr>
+        <p:spPr/>
+        <p:txBody>
+          <a:bodyPr/>
+          <a:lstStyle/>
+          <a:p>
+            <a:r>
+              <a:rPr lang="en-IN" dirty="0"/>
+              <a:t>Dashboard</a:t>
+            </a:r>
+          </a:p>
+        </p:txBody>
+      </p:sp>
+      <p:pic>
+        <p:nvPicPr>
+          <p:cNvPr id="5" name="Content Placeholder 4">
+            <a:extLst>
+              <a:ext uri="{FF2B5EF4-FFF2-40B4-BE49-F238E27FC236}">
+                <a16:creationId xmlns:a16="http://schemas.microsoft.com/office/drawing/2014/main" id="{5739832A-80E2-40C0-AE93-25612CF01897}"/>
+              </a:ext>
+            </a:extLst>
+          </p:cNvPr>
+          <p:cNvPicPr>
+            <a:picLocks noGrp="1" noChangeAspect="1"/>
+          </p:cNvPicPr>
+          <p:nvPr>
+            <p:ph idx="1"/>
+          </p:nvPr>
+        </p:nvPicPr>
+        <p:blipFill>
+          <a:blip r:embed="rId2"/>
+          <a:stretch>
+            <a:fillRect/>
+          </a:stretch>
+        </p:blipFill>
+        <p:spPr>
+          <a:xfrm>
+            <a:off x="2218109" y="1825625"/>
+            <a:ext cx="7755781" cy="4351338"/>
+          </a:xfrm>
+        </p:spPr>
+      </p:pic>
+      <p:pic>
+        <p:nvPicPr>
+          <p:cNvPr id="6" name="Picture 2">
+            <a:extLst>
+              <a:ext uri="{FF2B5EF4-FFF2-40B4-BE49-F238E27FC236}">
+                <a16:creationId xmlns:a16="http://schemas.microsoft.com/office/drawing/2014/main" id="{5A7CD741-AE6A-4179-97C9-AF8AA90E58F1}"/>
+              </a:ext>
+            </a:extLst>
+          </p:cNvPr>
+          <p:cNvPicPr>
+            <a:picLocks noChangeAspect="1" noChangeArrowheads="1"/>
+          </p:cNvPicPr>
+          <p:nvPr/>
+        </p:nvPicPr>
+        <p:blipFill>
+          <a:blip r:embed="rId3">
+            <a:extLst>
+              <a:ext uri="{28A0092B-C50C-407E-A947-70E740481C1C}">
+                <a14:useLocalDpi xmlns:a14="http://schemas.microsoft.com/office/drawing/2010/main" val="0"/>
+              </a:ext>
+            </a:extLst>
+          </a:blip>
+          <a:srcRect/>
+          <a:stretch>
+            <a:fillRect/>
+          </a:stretch>
+        </p:blipFill>
+        <p:spPr bwMode="auto">
+          <a:xfrm>
+            <a:off x="1297999" y="1445478"/>
+            <a:ext cx="760294" cy="760294"/>
+          </a:xfrm>
+          <a:prstGeom prst="rect">
+            <a:avLst/>
+          </a:prstGeom>
+          <a:noFill/>
+          <a:extLst>
+            <a:ext uri="{909E8E84-426E-40DD-AFC4-6F175D3DCCD1}">
+              <a14:hiddenFill xmlns:a14="http://schemas.microsoft.com/office/drawing/2010/main">
+                <a:solidFill>
+                  <a:srgbClr val="FFFFFF"/>
+                </a:solidFill>
+              </a14:hiddenFill>
+            </a:ext>
+          </a:extLst>
+        </p:spPr>
+      </p:pic>
+      <p:sp>
+        <p:nvSpPr>
+          <p:cNvPr id="4" name="Slide Number Placeholder 3">
+            <a:extLst>
+              <a:ext uri="{FF2B5EF4-FFF2-40B4-BE49-F238E27FC236}">
+                <a16:creationId xmlns:a16="http://schemas.microsoft.com/office/drawing/2014/main" id="{ED63E4E0-5F57-F88B-38FD-8B6EB630FCA6}"/>
+              </a:ext>
+            </a:extLst>
+          </p:cNvPr>
+          <p:cNvSpPr>
+            <a:spLocks noGrp="1"/>
+          </p:cNvSpPr>
+          <p:nvPr>
+            <p:ph type="sldNum" sz="quarter" idx="12"/>
+          </p:nvPr>
+        </p:nvSpPr>
+        <p:spPr/>
+        <p:txBody>
+          <a:bodyPr/>
+          <a:lstStyle/>
+          <a:p>
+            <a:fld id="{4EC590C8-968F-4B97-9FB2-6283B74354EF}" type="slidenum">
+              <a:rPr lang="en-IN" smtClean="0"/>
+              <a:t>63</a:t>
+            </a:fld>
+            <a:endParaRPr lang="en-IN"/>
+          </a:p>
+        </p:txBody>
+      </p:sp>
+    </p:spTree>
+    <p:extLst>
+      <p:ext uri="{BB962C8B-B14F-4D97-AF65-F5344CB8AC3E}">
+        <p14:creationId xmlns:p14="http://schemas.microsoft.com/office/powerpoint/2010/main" val="2578895140"/>
+      </p:ext>
+    </p:extLst>
+  </p:cSld>
+  <p:clrMapOvr>
+    <a:masterClrMapping/>
+  </p:clrMapOvr>
+</p:sld>
+</file>
+
+<file path=ppt/slides/slide64.xml><?xml version="1.0" encoding="utf-8"?>
+<p:sld xmlns:a="http://schemas.openxmlformats.org/drawingml/2006/main" xmlns:r="http://schemas.openxmlformats.org/officeDocument/2006/relationships" xmlns:p="http://schemas.openxmlformats.org/presentationml/2006/main">
+  <p:cSld>
+    <p:spTree>
+      <p:nvGrpSpPr>
+        <p:cNvPr id="1" name=""/>
+        <p:cNvGrpSpPr/>
+        <p:nvPr/>
+      </p:nvGrpSpPr>
+      <p:grpSpPr>
+        <a:xfrm>
+          <a:off x="0" y="0"/>
+          <a:ext cx="0" cy="0"/>
+          <a:chOff x="0" y="0"/>
+          <a:chExt cx="0" cy="0"/>
+        </a:xfrm>
+      </p:grpSpPr>
+      <p:sp>
+        <p:nvSpPr>
+          <p:cNvPr id="2" name="Title 1">
+            <a:extLst>
+              <a:ext uri="{FF2B5EF4-FFF2-40B4-BE49-F238E27FC236}">
                 <a16:creationId xmlns:a16="http://schemas.microsoft.com/office/drawing/2014/main" id="{D03F311A-421E-4F3A-B3AE-4EB02E61CB3C}"/>
               </a:ext>
             </a:extLst>
@@ -26485,6 +28380,35 @@
           </a:xfrm>
         </p:spPr>
       </p:pic>
+      <p:sp>
+        <p:nvSpPr>
+          <p:cNvPr id="4" name="Slide Number Placeholder 3">
+            <a:extLst>
+              <a:ext uri="{FF2B5EF4-FFF2-40B4-BE49-F238E27FC236}">
+                <a16:creationId xmlns:a16="http://schemas.microsoft.com/office/drawing/2014/main" id="{7815FBC6-FF40-8245-7939-FCD17D882E52}"/>
+              </a:ext>
+            </a:extLst>
+          </p:cNvPr>
+          <p:cNvSpPr>
+            <a:spLocks noGrp="1"/>
+          </p:cNvSpPr>
+          <p:nvPr>
+            <p:ph type="sldNum" sz="quarter" idx="12"/>
+          </p:nvPr>
+        </p:nvSpPr>
+        <p:spPr/>
+        <p:txBody>
+          <a:bodyPr/>
+          <a:lstStyle/>
+          <a:p>
+            <a:fld id="{4EC590C8-968F-4B97-9FB2-6283B74354EF}" type="slidenum">
+              <a:rPr lang="en-IN" smtClean="0"/>
+              <a:t>64</a:t>
+            </a:fld>
+            <a:endParaRPr lang="en-IN"/>
+          </a:p>
+        </p:txBody>
+      </p:sp>
     </p:spTree>
     <p:extLst>
       <p:ext uri="{BB962C8B-B14F-4D97-AF65-F5344CB8AC3E}">
@@ -26538,7 +28462,7 @@
           <a:p>
             <a:r>
               <a:rPr lang="en-IN" dirty="0"/>
-              <a:t>Clustering - 2 of 4</a:t>
+              <a:t>Clustering - 1 of 4</a:t>
             </a:r>
           </a:p>
         </p:txBody>
@@ -26566,52 +28490,85 @@
           <a:p>
             <a:r>
               <a:rPr lang="en-IN" dirty="0"/>
-              <a:t>The purpose of clustering was to find common group of materials in terms of its Gross value and the number of times it is bought</a:t>
-            </a:r>
-          </a:p>
-          <a:p>
+              <a:t>Important feature for Spend Analytics is – </a:t>
+            </a:r>
+          </a:p>
+          <a:p>
+            <a:pPr lvl="1"/>
             <a:r>
               <a:rPr lang="en-IN" dirty="0"/>
-              <a:t>We explored both K-means and Hierarchical clustering</a:t>
-            </a:r>
-          </a:p>
-          <a:p>
+              <a:t>Gross Value and Net Price</a:t>
+            </a:r>
+          </a:p>
+          <a:p>
+            <a:pPr lvl="1"/>
             <a:r>
               <a:rPr lang="en-IN" dirty="0"/>
-              <a:t>We used elbow method to get the number of cluster </a:t>
+              <a:t>Frequency of buying the material</a:t>
             </a:r>
           </a:p>
           <a:p>
             <a:r>
               <a:rPr lang="en-IN" dirty="0"/>
-              <a:t>Also  explored combination of features for </a:t>
-            </a:r>
-            <a:r>
-              <a:rPr lang="en-IN" dirty="0" err="1"/>
-              <a:t>kmeans</a:t>
-            </a:r>
-            <a:endParaRPr lang="en-IN" dirty="0"/>
-          </a:p>
-          <a:p>
+              <a:t>We summarised the data on Material Name on these information – </a:t>
+            </a:r>
+          </a:p>
+          <a:p>
+            <a:pPr lvl="1"/>
             <a:r>
               <a:rPr lang="en-IN" dirty="0"/>
-              <a:t>The selection criteria for the final </a:t>
-            </a:r>
-            <a:r>
-              <a:rPr lang="en-IN" dirty="0" err="1"/>
-              <a:t>kmean</a:t>
-            </a:r>
+              <a:t>Sum of Gross Value</a:t>
+            </a:r>
+          </a:p>
+          <a:p>
+            <a:pPr lvl="1"/>
             <a:r>
               <a:rPr lang="en-IN" dirty="0"/>
-              <a:t> clustering was lesser inertia amongst them</a:t>
-            </a:r>
+              <a:t>Imputed the Number of times the material is bought</a:t>
+            </a:r>
+          </a:p>
+          <a:p>
+            <a:pPr lvl="1"/>
+            <a:r>
+              <a:rPr lang="en-IN" dirty="0"/>
+              <a:t>We used this data for clustering</a:t>
+            </a:r>
+          </a:p>
+        </p:txBody>
+      </p:sp>
+      <p:sp>
+        <p:nvSpPr>
+          <p:cNvPr id="5" name="Slide Number Placeholder 4">
+            <a:extLst>
+              <a:ext uri="{FF2B5EF4-FFF2-40B4-BE49-F238E27FC236}">
+                <a16:creationId xmlns:a16="http://schemas.microsoft.com/office/drawing/2014/main" id="{01C39873-5766-9C1C-6287-96D4DF114DF5}"/>
+              </a:ext>
+            </a:extLst>
+          </p:cNvPr>
+          <p:cNvSpPr>
+            <a:spLocks noGrp="1"/>
+          </p:cNvSpPr>
+          <p:nvPr>
+            <p:ph type="sldNum" sz="quarter" idx="12"/>
+          </p:nvPr>
+        </p:nvSpPr>
+        <p:spPr/>
+        <p:txBody>
+          <a:bodyPr/>
+          <a:lstStyle/>
+          <a:p>
+            <a:fld id="{4EC590C8-968F-4B97-9FB2-6283B74354EF}" type="slidenum">
+              <a:rPr lang="en-IN" smtClean="0"/>
+              <a:t>7</a:t>
+            </a:fld>
+            <a:endParaRPr lang="en-IN"/>
           </a:p>
         </p:txBody>
       </p:sp>
     </p:spTree>
     <p:extLst>
       <p:ext uri="{BB962C8B-B14F-4D97-AF65-F5344CB8AC3E}">
-        <p14:creationId xmlns:p14="http://schemas.microsoft.com/office/powerpoint/2010/main" val="28316606"/>
+        <p14:creationId xmlns:p14="http://schemas.microsoft.com/office/powerpoint/2010/main" val="1280240431"/>
       </p:ext>
     </p:extLst>
   </p:cSld>
@@ -26661,7 +28618,7 @@
           <a:p>
             <a:r>
               <a:rPr lang="en-IN" dirty="0"/>
-              <a:t>Clustering - 3 of 4</a:t>
+              <a:t>Clustering - 2 of 4</a:t>
             </a:r>
           </a:p>
         </p:txBody>
@@ -26689,57 +28646,81 @@
           <a:p>
             <a:r>
               <a:rPr lang="en-IN" dirty="0"/>
-              <a:t>For Hierarchical clustering, the visual of the </a:t>
-            </a:r>
-            <a:r>
-              <a:rPr lang="en-IN" dirty="0" err="1"/>
-              <a:t>dendogram</a:t>
-            </a:r>
+              <a:t>The purpose of clustering was to find common group of materials in terms of its Gross value and the number of times it is bought</a:t>
+            </a:r>
+          </a:p>
+          <a:p>
             <a:r>
               <a:rPr lang="en-IN" dirty="0"/>
-              <a:t> was not clear enough to decide on the number of cluster.</a:t>
+              <a:t>We explored both K-means and Hierarchical clustering</a:t>
             </a:r>
           </a:p>
           <a:p>
             <a:r>
               <a:rPr lang="en-IN" dirty="0"/>
-              <a:t>Used 4 cluster for Hierarchical clustering also. </a:t>
+              <a:t>We used elbow method to get the number of cluster </a:t>
             </a:r>
           </a:p>
           <a:p>
             <a:r>
               <a:rPr lang="en-IN" dirty="0"/>
-              <a:t>Got almost similar results as the </a:t>
+              <a:t>Also  explored combination of features for </a:t>
             </a:r>
             <a:r>
               <a:rPr lang="en-IN" dirty="0" err="1"/>
               <a:t>kmeans</a:t>
             </a:r>
+            <a:endParaRPr lang="en-IN" dirty="0"/>
+          </a:p>
+          <a:p>
             <a:r>
               <a:rPr lang="en-IN" dirty="0"/>
-              <a:t> clustering.</a:t>
-            </a:r>
-          </a:p>
-          <a:p>
+              <a:t>The selection criteria for the final </a:t>
+            </a:r>
+            <a:r>
+              <a:rPr lang="en-IN" dirty="0" err="1"/>
+              <a:t>kmean</a:t>
+            </a:r>
             <a:r>
               <a:rPr lang="en-IN" dirty="0"/>
-              <a:t>Finally used </a:t>
-            </a:r>
-            <a:r>
-              <a:rPr lang="en-IN" dirty="0" err="1"/>
-              <a:t>kmeans</a:t>
-            </a:r>
-            <a:r>
-              <a:rPr lang="en-IN" dirty="0"/>
-              <a:t> with 4 clusters for further analysis.</a:t>
-            </a:r>
+              <a:t> clustering was lesser inertia amongst them</a:t>
+            </a:r>
+          </a:p>
+        </p:txBody>
+      </p:sp>
+      <p:sp>
+        <p:nvSpPr>
+          <p:cNvPr id="5" name="Slide Number Placeholder 4">
+            <a:extLst>
+              <a:ext uri="{FF2B5EF4-FFF2-40B4-BE49-F238E27FC236}">
+                <a16:creationId xmlns:a16="http://schemas.microsoft.com/office/drawing/2014/main" id="{4C134D75-EE15-0903-05D6-51C119D8DEFD}"/>
+              </a:ext>
+            </a:extLst>
+          </p:cNvPr>
+          <p:cNvSpPr>
+            <a:spLocks noGrp="1"/>
+          </p:cNvSpPr>
+          <p:nvPr>
+            <p:ph type="sldNum" sz="quarter" idx="12"/>
+          </p:nvPr>
+        </p:nvSpPr>
+        <p:spPr/>
+        <p:txBody>
+          <a:bodyPr/>
+          <a:lstStyle/>
+          <a:p>
+            <a:fld id="{4EC590C8-968F-4B97-9FB2-6283B74354EF}" type="slidenum">
+              <a:rPr lang="en-IN" smtClean="0"/>
+              <a:t>8</a:t>
+            </a:fld>
+            <a:endParaRPr lang="en-IN"/>
           </a:p>
         </p:txBody>
       </p:sp>
     </p:spTree>
     <p:extLst>
       <p:ext uri="{BB962C8B-B14F-4D97-AF65-F5344CB8AC3E}">
-        <p14:creationId xmlns:p14="http://schemas.microsoft.com/office/powerpoint/2010/main" val="4291061801"/>
+        <p14:creationId xmlns:p14="http://schemas.microsoft.com/office/powerpoint/2010/main" val="28316606"/>
       </p:ext>
     </p:extLst>
   </p:cSld>
@@ -26789,7 +28770,7 @@
           <a:p>
             <a:r>
               <a:rPr lang="en-IN" dirty="0"/>
-              <a:t>Clustering - 4 of 4</a:t>
+              <a:t>Clustering - 3 of 4</a:t>
             </a:r>
           </a:p>
         </p:txBody>
@@ -26817,30 +28798,86 @@
           <a:p>
             <a:r>
               <a:rPr lang="en-IN" dirty="0"/>
-              <a:t>Also used only top 24 materials contributing towards 80% of the Gross value. </a:t>
-            </a:r>
-          </a:p>
-          <a:p>
+              <a:t>For Hierarchical clustering, the visual of the </a:t>
+            </a:r>
+            <a:r>
+              <a:rPr lang="en-IN" dirty="0" err="1"/>
+              <a:t>dendogram</a:t>
+            </a:r>
             <a:r>
               <a:rPr lang="en-IN" dirty="0"/>
-              <a:t>The cluster results were same as that when using all materials</a:t>
-            </a:r>
-          </a:p>
-          <a:p>
-            <a:endParaRPr lang="en-IN" dirty="0"/>
+              <a:t> was not clear enough to decide on the number of cluster.</a:t>
+            </a:r>
           </a:p>
           <a:p>
             <a:r>
               <a:rPr lang="en-IN" dirty="0"/>
-              <a:t>Tool Used - Python</a:t>
-            </a:r>
+              <a:t>Used 4 cluster for Hierarchical clustering also. </a:t>
+            </a:r>
+          </a:p>
+          <a:p>
+            <a:r>
+              <a:rPr lang="en-IN" dirty="0"/>
+              <a:t>Got almost similar results as the </a:t>
+            </a:r>
+            <a:r>
+              <a:rPr lang="en-IN" dirty="0" err="1"/>
+              <a:t>kmeans</a:t>
+            </a:r>
+            <a:r>
+              <a:rPr lang="en-IN" dirty="0"/>
+              <a:t> clustering.</a:t>
+            </a:r>
+          </a:p>
+          <a:p>
+            <a:r>
+              <a:rPr lang="en-IN" dirty="0"/>
+              <a:t>Finally used </a:t>
+            </a:r>
+            <a:r>
+              <a:rPr lang="en-IN" dirty="0" err="1"/>
+              <a:t>kmeans</a:t>
+            </a:r>
+            <a:r>
+              <a:rPr lang="en-IN" dirty="0"/>
+              <a:t> with 4 clusters for further analysis.</a:t>
+            </a:r>
+          </a:p>
+        </p:txBody>
+      </p:sp>
+      <p:sp>
+        <p:nvSpPr>
+          <p:cNvPr id="5" name="Slide Number Placeholder 4">
+            <a:extLst>
+              <a:ext uri="{FF2B5EF4-FFF2-40B4-BE49-F238E27FC236}">
+                <a16:creationId xmlns:a16="http://schemas.microsoft.com/office/drawing/2014/main" id="{74576FE9-76E1-60DF-6F7D-5E8DE5AAC453}"/>
+              </a:ext>
+            </a:extLst>
+          </p:cNvPr>
+          <p:cNvSpPr>
+            <a:spLocks noGrp="1"/>
+          </p:cNvSpPr>
+          <p:nvPr>
+            <p:ph type="sldNum" sz="quarter" idx="12"/>
+          </p:nvPr>
+        </p:nvSpPr>
+        <p:spPr/>
+        <p:txBody>
+          <a:bodyPr/>
+          <a:lstStyle/>
+          <a:p>
+            <a:fld id="{4EC590C8-968F-4B97-9FB2-6283B74354EF}" type="slidenum">
+              <a:rPr lang="en-IN" smtClean="0"/>
+              <a:t>9</a:t>
+            </a:fld>
+            <a:endParaRPr lang="en-IN"/>
           </a:p>
         </p:txBody>
       </p:sp>
     </p:spTree>
     <p:extLst>
       <p:ext uri="{BB962C8B-B14F-4D97-AF65-F5344CB8AC3E}">
-        <p14:creationId xmlns:p14="http://schemas.microsoft.com/office/powerpoint/2010/main" val="71921727"/>
+        <p14:creationId xmlns:p14="http://schemas.microsoft.com/office/powerpoint/2010/main" val="4291061801"/>
       </p:ext>
     </p:extLst>
   </p:cSld>
